--- a/tf/ppt/Workshop_Terraform_Basic.pptx
+++ b/tf/ppt/Workshop_Terraform_Basic.pptx
@@ -341,7 +341,7 @@
                 </a:spcAft>
                 <a:defRPr/>
               </a:pPr>
-              <a:t>04.12.2019</a:t>
+              <a:t>07.01.2020</a:t>
             </a:fld>
             <a:endParaRPr lang="de-DE" dirty="0">
               <a:latin typeface="Arial" pitchFamily="34" charset="0"/>
@@ -766,7 +766,7 @@
                 </a:spcAft>
                 <a:defRPr/>
               </a:pPr>
-              <a:t>04.12.2019</a:t>
+              <a:t>07.01.2020</a:t>
             </a:fld>
             <a:endParaRPr lang="de-DE" dirty="0">
               <a:latin typeface="Arial" pitchFamily="34" charset="0"/>
@@ -28141,7 +28141,7 @@
                 <a14:useLocalDpi xmlns:a14="http://schemas.microsoft.com/office/drawing/2010/main" val="0"/>
               </a:ext>
               <a:ext uri="{837473B0-CC2E-450A-ABE3-18F120FF3D39}">
-                <a1611:picAttrSrcUrl xmlns="" xmlns:a1611="http://schemas.microsoft.com/office/drawing/2016/11/main" r:id="rId4"/>
+                <a1611:picAttrSrcUrl xmlns:a1611="http://schemas.microsoft.com/office/drawing/2016/11/main" xmlns="" r:id="rId4"/>
               </a:ext>
             </a:extLst>
           </a:blip>
@@ -28559,7 +28559,7 @@
                 <a14:useLocalDpi xmlns:a14="http://schemas.microsoft.com/office/drawing/2010/main" val="0"/>
               </a:ext>
               <a:ext uri="{837473B0-CC2E-450A-ABE3-18F120FF3D39}">
-                <a1611:picAttrSrcUrl xmlns="" xmlns:a1611="http://schemas.microsoft.com/office/drawing/2016/11/main" r:id="rId6"/>
+                <a1611:picAttrSrcUrl xmlns:a1611="http://schemas.microsoft.com/office/drawing/2016/11/main" xmlns="" r:id="rId6"/>
               </a:ext>
             </a:extLst>
           </a:blip>
@@ -29932,7 +29932,7 @@
                 <a14:useLocalDpi xmlns:a14="http://schemas.microsoft.com/office/drawing/2010/main" val="0"/>
               </a:ext>
               <a:ext uri="{837473B0-CC2E-450A-ABE3-18F120FF3D39}">
-                <a1611:picAttrSrcUrl xmlns="" xmlns:a1611="http://schemas.microsoft.com/office/drawing/2016/11/main" r:id="rId4"/>
+                <a1611:picAttrSrcUrl xmlns:a1611="http://schemas.microsoft.com/office/drawing/2016/11/main" xmlns="" r:id="rId4"/>
               </a:ext>
             </a:extLst>
           </a:blip>
@@ -31015,7 +31015,7 @@
                 <a14:useLocalDpi xmlns:a14="http://schemas.microsoft.com/office/drawing/2010/main" val="0"/>
               </a:ext>
               <a:ext uri="{837473B0-CC2E-450A-ABE3-18F120FF3D39}">
-                <a1611:picAttrSrcUrl xmlns="" xmlns:a1611="http://schemas.microsoft.com/office/drawing/2016/11/main" r:id="rId6"/>
+                <a1611:picAttrSrcUrl xmlns:a1611="http://schemas.microsoft.com/office/drawing/2016/11/main" xmlns="" r:id="rId6"/>
               </a:ext>
             </a:extLst>
           </a:blip>
@@ -33433,7 +33433,7 @@
                 <a14:useLocalDpi xmlns:a14="http://schemas.microsoft.com/office/drawing/2010/main" val="0"/>
               </a:ext>
               <a:ext uri="{837473B0-CC2E-450A-ABE3-18F120FF3D39}">
-                <a1611:picAttrSrcUrl xmlns="" xmlns:a1611="http://schemas.microsoft.com/office/drawing/2016/11/main" r:id="rId3"/>
+                <a1611:picAttrSrcUrl xmlns:a1611="http://schemas.microsoft.com/office/drawing/2016/11/main" xmlns="" r:id="rId3"/>
               </a:ext>
             </a:extLst>
           </a:blip>
@@ -33524,7 +33524,7 @@
                 <a14:useLocalDpi xmlns:a14="http://schemas.microsoft.com/office/drawing/2010/main" val="0"/>
               </a:ext>
               <a:ext uri="{837473B0-CC2E-450A-ABE3-18F120FF3D39}">
-                <a1611:picAttrSrcUrl xmlns="" xmlns:a1611="http://schemas.microsoft.com/office/drawing/2016/11/main" r:id="rId3"/>
+                <a1611:picAttrSrcUrl xmlns:a1611="http://schemas.microsoft.com/office/drawing/2016/11/main" xmlns="" r:id="rId3"/>
               </a:ext>
             </a:extLst>
           </a:blip>
@@ -33563,7 +33563,7 @@
                 <a14:useLocalDpi xmlns:a14="http://schemas.microsoft.com/office/drawing/2010/main" val="0"/>
               </a:ext>
               <a:ext uri="{837473B0-CC2E-450A-ABE3-18F120FF3D39}">
-                <a1611:picAttrSrcUrl xmlns="" xmlns:a1611="http://schemas.microsoft.com/office/drawing/2016/11/main" r:id="rId6"/>
+                <a1611:picAttrSrcUrl xmlns:a1611="http://schemas.microsoft.com/office/drawing/2016/11/main" xmlns="" r:id="rId6"/>
               </a:ext>
             </a:extLst>
           </a:blip>
@@ -38709,7 +38709,7 @@
             </a:r>
             <a:r>
               <a:rPr lang="en-US" b="0" dirty="0" smtClean="0"/>
-              <a:t>0.12.17)</a:t>
+              <a:t>0.12.18)</a:t>
             </a:r>
             <a:endParaRPr lang="en-US" b="0" dirty="0"/>
           </a:p>
@@ -38757,11 +38757,27 @@
             </a:pPr>
             <a:r>
               <a:rPr lang="en-US" b="0" dirty="0"/>
-              <a:t>Install Azure CLI (latest version: </a:t>
-            </a:r>
-            <a:r>
-              <a:rPr lang="en-US" b="0" dirty="0" smtClean="0"/>
-              <a:t>2.0.77)</a:t>
+              <a:t>Install Azure CLI (latest version</a:t>
+            </a:r>
+            <a:r>
+              <a:rPr lang="en-US" b="0"/>
+              <a:t>: </a:t>
+            </a:r>
+            <a:r>
+              <a:rPr lang="en-US" b="0" smtClean="0"/>
+              <a:t>2.0.78)</a:t>
+            </a:r>
+            <a:endParaRPr lang="en-US" b="0" dirty="0" smtClean="0"/>
+          </a:p>
+          <a:p>
+            <a:pPr marL="333380" lvl="1" indent="-177800"/>
+            <a:r>
+              <a:rPr lang="en-US" dirty="0"/>
+              <a:t>aka.ms/</a:t>
+            </a:r>
+            <a:r>
+              <a:rPr lang="en-US" dirty="0" err="1"/>
+              <a:t>AzureCliLegal</a:t>
             </a:r>
             <a:endParaRPr lang="en-US" b="0" dirty="0"/>
           </a:p>
@@ -41280,12 +41296,6 @@
 </file>
 
 <file path=customXml/item1.xml><?xml version="1.0" encoding="utf-8"?>
-<p:properties xmlns:p="http://schemas.microsoft.com/office/2006/metadata/properties" xmlns:xsi="http://www.w3.org/2001/XMLSchema-instance" xmlns:pc="http://schemas.microsoft.com/office/infopath/2007/PartnerControls">
-  <documentManagement/>
-</p:properties>
-</file>
-
-<file path=customXml/item2.xml><?xml version="1.0" encoding="utf-8"?>
 <ct:contentTypeSchema xmlns:ct="http://schemas.microsoft.com/office/2006/metadata/contentType" xmlns:ma="http://schemas.microsoft.com/office/2006/metadata/properties/metaAttributes" ct:_="" ma:_="" ma:contentTypeName="Dokument" ma:contentTypeID="0x010100632F6CE4FD9FEA44B98D77134C3AB259" ma:contentTypeVersion="4" ma:contentTypeDescription="Ein neues Dokument erstellen." ma:contentTypeScope="" ma:versionID="900138e209c285f29986e59c486e21ce">
   <xsd:schema xmlns:xsd="http://www.w3.org/2001/XMLSchema" xmlns:xs="http://www.w3.org/2001/XMLSchema" xmlns:p="http://schemas.microsoft.com/office/2006/metadata/properties" xmlns:ns2="8e877116-f3ef-4c1c-89be-7b66991ff430" targetNamespace="http://schemas.microsoft.com/office/2006/metadata/properties" ma:root="true" ma:fieldsID="4d243257cf3edfac98b0ed5b1da54ed9" ns2:_="">
     <xsd:import namespace="8e877116-f3ef-4c1c-89be-7b66991ff430"/>
@@ -41431,6 +41441,12 @@
 </ct:contentTypeSchema>
 </file>
 
+<file path=customXml/item2.xml><?xml version="1.0" encoding="utf-8"?>
+<p:properties xmlns:p="http://schemas.microsoft.com/office/2006/metadata/properties" xmlns:xsi="http://www.w3.org/2001/XMLSchema-instance" xmlns:pc="http://schemas.microsoft.com/office/infopath/2007/PartnerControls">
+  <documentManagement/>
+</p:properties>
+</file>
+
 <file path=customXml/item3.xml><?xml version="1.0" encoding="utf-8"?>
 <?mso-contentType ?>
 <FormTemplates xmlns="http://schemas.microsoft.com/sharepoint/v3/contenttype/forms">
@@ -41441,15 +41457,6 @@
 </file>
 
 <file path=customXml/itemProps1.xml><?xml version="1.0" encoding="utf-8"?>
-<ds:datastoreItem xmlns:ds="http://schemas.openxmlformats.org/officeDocument/2006/customXml" ds:itemID="{01A108AB-3B75-477B-A6C2-F30888C97239}">
-  <ds:schemaRefs>
-    <ds:schemaRef ds:uri="http://schemas.microsoft.com/office/2006/metadata/properties"/>
-    <ds:schemaRef ds:uri="http://schemas.microsoft.com/office/infopath/2007/PartnerControls"/>
-  </ds:schemaRefs>
-</ds:datastoreItem>
-</file>
-
-<file path=customXml/itemProps2.xml><?xml version="1.0" encoding="utf-8"?>
 <ds:datastoreItem xmlns:ds="http://schemas.openxmlformats.org/officeDocument/2006/customXml" ds:itemID="{72973273-BDFF-473D-A3CA-030C1A9209EC}">
   <ds:schemaRefs>
     <ds:schemaRef ds:uri="http://schemas.microsoft.com/office/2006/metadata/contentType"/>
@@ -41467,6 +41474,15 @@
 </ds:datastoreItem>
 </file>
 
+<file path=customXml/itemProps2.xml><?xml version="1.0" encoding="utf-8"?>
+<ds:datastoreItem xmlns:ds="http://schemas.openxmlformats.org/officeDocument/2006/customXml" ds:itemID="{01A108AB-3B75-477B-A6C2-F30888C97239}">
+  <ds:schemaRefs>
+    <ds:schemaRef ds:uri="http://schemas.microsoft.com/office/2006/metadata/properties"/>
+    <ds:schemaRef ds:uri="http://schemas.microsoft.com/office/infopath/2007/PartnerControls"/>
+  </ds:schemaRefs>
+</ds:datastoreItem>
+</file>
+
 <file path=customXml/itemProps3.xml><?xml version="1.0" encoding="utf-8"?>
 <ds:datastoreItem xmlns:ds="http://schemas.openxmlformats.org/officeDocument/2006/customXml" ds:itemID="{08AB385B-CBF8-4302-BD64-6594D62CF378}">
   <ds:schemaRefs>

--- a/tf/ppt/Workshop_Terraform_Basic.pptx
+++ b/tf/ppt/Workshop_Terraform_Basic.pptx
@@ -17282,7 +17282,7 @@
               <a:t> = </a:t>
             </a:r>
             <a:r>
-              <a:rPr lang="de-DE" b="0" dirty="0">
+              <a:rPr lang="de-DE" b="0" dirty="0" smtClean="0">
                 <a:solidFill>
                   <a:schemeClr val="accent2"/>
                 </a:solidFill>
@@ -17290,12 +17290,12 @@
               <a:t>„</a:t>
             </a:r>
             <a:r>
-              <a:rPr lang="de-DE" b="0" dirty="0" err="1">
+              <a:rPr lang="de-DE" b="0" dirty="0" err="1" smtClean="0">
                 <a:solidFill>
                   <a:schemeClr val="accent2"/>
                 </a:solidFill>
               </a:rPr>
-              <a:t>dpdwsrg</a:t>
+              <a:t>yarg</a:t>
             </a:r>
             <a:r>
               <a:rPr lang="de-DE" b="0" dirty="0">
@@ -17802,6 +17802,48 @@
                   <a:schemeClr val="bg2"/>
                 </a:solidFill>
               </a:rPr>
+              <a:t> = </a:t>
+            </a:r>
+            <a:r>
+              <a:rPr lang="de-DE" b="0" dirty="0" smtClean="0">
+                <a:solidFill>
+                  <a:schemeClr val="bg2"/>
+                </a:solidFill>
+              </a:rPr>
+              <a:t>„</a:t>
+            </a:r>
+            <a:r>
+              <a:rPr lang="de-DE" b="0" dirty="0" err="1" smtClean="0">
+                <a:solidFill>
+                  <a:schemeClr val="bg2"/>
+                </a:solidFill>
+              </a:rPr>
+              <a:t>wsrg</a:t>
+            </a:r>
+            <a:r>
+              <a:rPr lang="de-DE" b="0" dirty="0">
+                <a:solidFill>
+                  <a:schemeClr val="bg2"/>
+                </a:solidFill>
+              </a:rPr>
+              <a:t>$$"</a:t>
+            </a:r>
+          </a:p>
+          <a:p>
+            <a:r>
+              <a:rPr lang="de-DE" b="0" dirty="0" err="1">
+                <a:solidFill>
+                  <a:schemeClr val="bg2"/>
+                </a:solidFill>
+              </a:rPr>
+              <a:t>location</a:t>
+            </a:r>
+            <a:r>
+              <a:rPr lang="de-DE" b="0" dirty="0">
+                <a:solidFill>
+                  <a:schemeClr val="bg2"/>
+                </a:solidFill>
+              </a:rPr>
               <a:t> = „</a:t>
             </a:r>
             <a:r>
@@ -17810,7 +17852,7 @@
                   <a:schemeClr val="bg2"/>
                 </a:solidFill>
               </a:rPr>
-              <a:t>dpdwsrg</a:t>
+              <a:t>westeurope</a:t>
             </a:r>
             <a:r>
               <a:rPr lang="de-DE" b="0" dirty="0">
@@ -17818,40 +17860,6 @@
                   <a:schemeClr val="bg2"/>
                 </a:solidFill>
               </a:rPr>
-              <a:t>$$"</a:t>
-            </a:r>
-          </a:p>
-          <a:p>
-            <a:r>
-              <a:rPr lang="de-DE" b="0" dirty="0" err="1">
-                <a:solidFill>
-                  <a:schemeClr val="bg2"/>
-                </a:solidFill>
-              </a:rPr>
-              <a:t>location</a:t>
-            </a:r>
-            <a:r>
-              <a:rPr lang="de-DE" b="0" dirty="0">
-                <a:solidFill>
-                  <a:schemeClr val="bg2"/>
-                </a:solidFill>
-              </a:rPr>
-              <a:t> = „</a:t>
-            </a:r>
-            <a:r>
-              <a:rPr lang="de-DE" b="0" dirty="0" err="1">
-                <a:solidFill>
-                  <a:schemeClr val="bg2"/>
-                </a:solidFill>
-              </a:rPr>
-              <a:t>westeurope</a:t>
-            </a:r>
-            <a:r>
-              <a:rPr lang="de-DE" b="0" dirty="0">
-                <a:solidFill>
-                  <a:schemeClr val="bg2"/>
-                </a:solidFill>
-              </a:rPr>
               <a:t>“</a:t>
             </a:r>
           </a:p>
@@ -17870,8 +17878,21 @@
                   <a:schemeClr val="accent2"/>
                 </a:solidFill>
               </a:rPr>
-              <a:t> {</a:t>
-            </a:r>
+              <a:t> </a:t>
+            </a:r>
+            <a:r>
+              <a:rPr lang="en-US" b="0" dirty="0" smtClean="0">
+                <a:solidFill>
+                  <a:schemeClr val="accent2"/>
+                </a:solidFill>
+              </a:rPr>
+              <a:t>= {</a:t>
+            </a:r>
+            <a:endParaRPr lang="en-US" b="0" dirty="0">
+              <a:solidFill>
+                <a:schemeClr val="accent2"/>
+              </a:solidFill>
+            </a:endParaRPr>
           </a:p>
           <a:p>
             <a:r>
@@ -17896,8 +17917,37 @@
                   <a:schemeClr val="accent2"/>
                 </a:solidFill>
               </a:rPr>
-              <a:t> = “DPDWS"</a:t>
-            </a:r>
+              <a:t> = </a:t>
+            </a:r>
+            <a:r>
+              <a:rPr lang="en-US" b="0" dirty="0" smtClean="0">
+                <a:solidFill>
+                  <a:schemeClr val="accent2"/>
+                </a:solidFill>
+              </a:rPr>
+              <a:t>“</a:t>
+            </a:r>
+            <a:r>
+              <a:rPr lang="en-US" b="0" dirty="0" err="1" smtClean="0">
+                <a:solidFill>
+                  <a:schemeClr val="accent2"/>
+                </a:solidFill>
+              </a:rPr>
+              <a:t>WorkShop</a:t>
+            </a:r>
+            <a:r>
+              <a:rPr lang="en-US" b="0" dirty="0" smtClean="0">
+                <a:solidFill>
+                  <a:schemeClr val="accent2"/>
+                </a:solidFill>
+              </a:rPr>
+              <a:t>"</a:t>
+            </a:r>
+            <a:endParaRPr lang="en-US" b="0" dirty="0">
+              <a:solidFill>
+                <a:schemeClr val="accent2"/>
+              </a:solidFill>
+            </a:endParaRPr>
           </a:p>
           <a:p>
             <a:r>
@@ -17906,8 +17956,37 @@
                   <a:schemeClr val="accent2"/>
                 </a:solidFill>
               </a:rPr>
-              <a:t>  Name = “Markus"</a:t>
-            </a:r>
+              <a:t>  Name = </a:t>
+            </a:r>
+            <a:r>
+              <a:rPr lang="en-US" b="0" dirty="0" smtClean="0">
+                <a:solidFill>
+                  <a:schemeClr val="accent2"/>
+                </a:solidFill>
+              </a:rPr>
+              <a:t>“</a:t>
+            </a:r>
+            <a:r>
+              <a:rPr lang="en-US" b="0" dirty="0" err="1" smtClean="0">
+                <a:solidFill>
+                  <a:schemeClr val="accent2"/>
+                </a:solidFill>
+              </a:rPr>
+              <a:t>Placenamehere</a:t>
+            </a:r>
+            <a:r>
+              <a:rPr lang="en-US" b="0" dirty="0" smtClean="0">
+                <a:solidFill>
+                  <a:schemeClr val="accent2"/>
+                </a:solidFill>
+              </a:rPr>
+              <a:t>"</a:t>
+            </a:r>
+            <a:endParaRPr lang="en-US" b="0" dirty="0">
+              <a:solidFill>
+                <a:schemeClr val="accent2"/>
+              </a:solidFill>
+            </a:endParaRPr>
           </a:p>
           <a:p>
             <a:r>
@@ -18716,15 +18795,23 @@
                   <a:schemeClr val="bg2"/>
                 </a:solidFill>
               </a:rPr>
-              <a:t> = „</a:t>
-            </a:r>
-            <a:r>
-              <a:rPr lang="de-DE" b="0" dirty="0" err="1">
+              <a:t> = </a:t>
+            </a:r>
+            <a:r>
+              <a:rPr lang="de-DE" b="0" dirty="0" smtClean="0">
                 <a:solidFill>
                   <a:schemeClr val="bg2"/>
                 </a:solidFill>
               </a:rPr>
-              <a:t>dpdwsrg</a:t>
+              <a:t>„</a:t>
+            </a:r>
+            <a:r>
+              <a:rPr lang="de-DE" b="0" dirty="0" err="1" smtClean="0">
+                <a:solidFill>
+                  <a:schemeClr val="bg2"/>
+                </a:solidFill>
+              </a:rPr>
+              <a:t>wsrg</a:t>
             </a:r>
             <a:r>
               <a:rPr lang="de-DE" b="0" dirty="0">
@@ -19221,15 +19308,23 @@
                   <a:schemeClr val="bg2"/>
                 </a:solidFill>
               </a:rPr>
-              <a:t> = „</a:t>
-            </a:r>
-            <a:r>
-              <a:rPr lang="de-DE" b="0" dirty="0" err="1">
+              <a:t> = </a:t>
+            </a:r>
+            <a:r>
+              <a:rPr lang="de-DE" b="0" dirty="0" smtClean="0">
                 <a:solidFill>
                   <a:schemeClr val="bg2"/>
                 </a:solidFill>
               </a:rPr>
-              <a:t>dpdwsrg</a:t>
+              <a:t>„</a:t>
+            </a:r>
+            <a:r>
+              <a:rPr lang="de-DE" b="0" dirty="0" err="1" smtClean="0">
+                <a:solidFill>
+                  <a:schemeClr val="bg2"/>
+                </a:solidFill>
+              </a:rPr>
+              <a:t>wsrg</a:t>
             </a:r>
             <a:r>
               <a:rPr lang="de-DE" b="0" dirty="0">
@@ -19492,12 +19587,20 @@
               <a:t> = </a:t>
             </a:r>
             <a:r>
+              <a:rPr lang="de-DE" b="0" dirty="0" smtClean="0">
+                <a:solidFill>
+                  <a:schemeClr val="accent2"/>
+                </a:solidFill>
+              </a:rPr>
+              <a:t>„wsvnet01</a:t>
+            </a:r>
+            <a:r>
               <a:rPr lang="de-DE" b="0" dirty="0">
                 <a:solidFill>
                   <a:schemeClr val="accent2"/>
                 </a:solidFill>
               </a:rPr>
-              <a:t>„dpdwsvnet01"</a:t>
+              <a:t>"</a:t>
             </a:r>
           </a:p>
           <a:p>
@@ -19522,7 +19625,7 @@
               <a:t>= </a:t>
             </a:r>
             <a:r>
-              <a:rPr lang="de-DE" b="0" dirty="0">
+              <a:rPr lang="de-DE" b="0" dirty="0" smtClean="0">
                 <a:solidFill>
                   <a:schemeClr val="accent2"/>
                 </a:solidFill>
@@ -19530,12 +19633,12 @@
               <a:t>„</a:t>
             </a:r>
             <a:r>
-              <a:rPr lang="de-DE" b="0" dirty="0" err="1">
+              <a:rPr lang="de-DE" b="0" dirty="0" err="1" smtClean="0">
                 <a:solidFill>
                   <a:schemeClr val="accent2"/>
                 </a:solidFill>
               </a:rPr>
-              <a:t>dpdwsrg</a:t>
+              <a:t>yarg</a:t>
             </a:r>
             <a:r>
               <a:rPr lang="de-DE" b="0" dirty="0">
@@ -19568,7 +19671,7 @@
               <a:t> = </a:t>
             </a:r>
             <a:r>
-              <a:rPr lang="de-DE" b="0" dirty="0">
+              <a:rPr lang="de-DE" b="0" dirty="0" smtClean="0">
                 <a:solidFill>
                   <a:schemeClr val="accent5"/>
                 </a:solidFill>
@@ -19576,15 +19679,15 @@
               <a:t>[</a:t>
             </a:r>
             <a:r>
-              <a:rPr lang="de-DE" b="0" dirty="0">
+              <a:rPr lang="de-DE" b="0" dirty="0" smtClean="0">
                 <a:solidFill>
                   <a:schemeClr val="accent2"/>
                 </a:solidFill>
               </a:rPr>
-              <a:t>"192.</a:t>
-            </a:r>
-            <a:r>
-              <a:rPr lang="de-DE" b="0" dirty="0">
+              <a:t>„10.</a:t>
+            </a:r>
+            <a:r>
+              <a:rPr lang="de-DE" b="0" dirty="0" smtClean="0">
                 <a:solidFill>
                   <a:schemeClr val="bg2"/>
                 </a:solidFill>
@@ -19592,21 +19695,26 @@
               <a:t>$$</a:t>
             </a:r>
             <a:r>
-              <a:rPr lang="de-DE" b="0" dirty="0">
+              <a:rPr lang="de-DE" b="0" dirty="0" smtClean="0">
                 <a:solidFill>
                   <a:schemeClr val="accent2"/>
                 </a:solidFill>
               </a:rPr>
-              <a:t>.0.0/24"</a:t>
-            </a:r>
-            <a:r>
-              <a:rPr lang="de-DE" b="0" dirty="0">
+              <a:t>.0.0/16"</a:t>
+            </a:r>
+            <a:r>
+              <a:rPr lang="de-DE" b="0" dirty="0" smtClean="0">
                 <a:solidFill>
                   <a:schemeClr val="accent5"/>
                 </a:solidFill>
               </a:rPr>
               <a:t>]</a:t>
             </a:r>
+            <a:endParaRPr lang="de-DE" b="0" dirty="0">
+              <a:solidFill>
+                <a:schemeClr val="accent5"/>
+              </a:solidFill>
+            </a:endParaRPr>
           </a:p>
           <a:p>
             <a:r>
@@ -38716,8 +38824,19 @@
           <a:p>
             <a:pPr marL="483548" lvl="2" indent="-177800"/>
             <a:r>
+              <a:rPr lang="en-US" dirty="0"/>
+              <a:t>https://www.terraform.io/downloads.html</a:t>
+            </a:r>
+          </a:p>
+          <a:p>
+            <a:pPr marL="483548" lvl="2" indent="-177800"/>
+            <a:r>
+              <a:rPr lang="en-US" b="0" dirty="0" smtClean="0"/>
+              <a:t>Add </a:t>
+            </a:r>
+            <a:r>
               <a:rPr lang="en-US" b="0" dirty="0"/>
-              <a:t>Add binary to PATH environment variable</a:t>
+              <a:t>binary to PATH environment variable</a:t>
             </a:r>
           </a:p>
           <a:p>
@@ -38757,27 +38876,42 @@
             </a:pPr>
             <a:r>
               <a:rPr lang="en-US" b="0" dirty="0"/>
-              <a:t>Install Azure CLI (latest version</a:t>
-            </a:r>
-            <a:r>
-              <a:rPr lang="en-US" b="0"/>
-              <a:t>: </a:t>
-            </a:r>
-            <a:r>
-              <a:rPr lang="en-US" b="0" smtClean="0"/>
-              <a:t>2.0.78)</a:t>
-            </a:r>
-            <a:endParaRPr lang="en-US" b="0" dirty="0" smtClean="0"/>
+              <a:t>Install Azure CLI (latest version: </a:t>
+            </a:r>
+            <a:r>
+              <a:rPr lang="en-US" b="0" dirty="0" smtClean="0"/>
+              <a:t>2.0.79)</a:t>
+            </a:r>
           </a:p>
           <a:p>
             <a:pPr marL="333380" lvl="1" indent="-177800"/>
             <a:r>
               <a:rPr lang="en-US" dirty="0"/>
-              <a:t>aka.ms/</a:t>
+              <a:t>Invoke-</a:t>
             </a:r>
             <a:r>
               <a:rPr lang="en-US" dirty="0" err="1"/>
-              <a:t>AzureCliLegal</a:t>
+              <a:t>WebRequest</a:t>
+            </a:r>
+            <a:r>
+              <a:rPr lang="en-US" dirty="0"/>
+              <a:t> -Uri https://aka.ms/installazurecliwindows -</a:t>
+            </a:r>
+            <a:r>
+              <a:rPr lang="en-US" dirty="0" err="1"/>
+              <a:t>OutFile</a:t>
+            </a:r>
+            <a:r>
+              <a:rPr lang="en-US" dirty="0"/>
+              <a:t> .\AzureCLI.msi; Start-Process msiexec.exe -Wait -</a:t>
+            </a:r>
+            <a:r>
+              <a:rPr lang="en-US" dirty="0" err="1"/>
+              <a:t>ArgumentList</a:t>
+            </a:r>
+            <a:r>
+              <a:rPr lang="en-US" dirty="0"/>
+              <a:t> '/I AzureCLI.msi /quiet'</a:t>
             </a:r>
             <a:endParaRPr lang="en-US" b="0" dirty="0"/>
           </a:p>
@@ -38826,7 +38960,7 @@
             </a:r>
             <a:r>
               <a:rPr lang="en-US" dirty="0" smtClean="0"/>
-              <a:t>03.12.2019</a:t>
+              <a:t>07.01.2019</a:t>
             </a:r>
             <a:endParaRPr lang="en-US" dirty="0"/>
           </a:p>

--- a/tf/ppt/Workshop_Terraform_Basic.pptx
+++ b/tf/ppt/Workshop_Terraform_Basic.pptx
@@ -20684,7 +20684,7 @@
 </file>
 
 <file path=ppt/slides/slide27.xml><?xml version="1.0" encoding="utf-8"?>
-<p:sld xmlns:a="http://schemas.openxmlformats.org/drawingml/2006/main" xmlns:r="http://schemas.openxmlformats.org/officeDocument/2006/relationships" xmlns:p="http://schemas.openxmlformats.org/presentationml/2006/main">
+<p:sld xmlns:a="http://schemas.openxmlformats.org/drawingml/2006/main" xmlns:r="http://schemas.openxmlformats.org/officeDocument/2006/relationships" xmlns:p="http://schemas.openxmlformats.org/presentationml/2006/main" show="0">
   <p:cSld>
     <p:spTree>
       <p:nvGrpSpPr>
@@ -21264,6 +21264,14 @@
   <p:clrMapOvr>
     <a:masterClrMapping/>
   </p:clrMapOvr>
+  <mc:AlternateContent xmlns:mc="http://schemas.openxmlformats.org/markup-compatibility/2006">
+    <mc:Choice xmlns:p14="http://schemas.microsoft.com/office/powerpoint/2010/main" Requires="p14">
+      <p:transition spd="slow" p14:dur="2000"/>
+    </mc:Choice>
+    <mc:Fallback>
+      <p:transition spd="slow"/>
+    </mc:Fallback>
+  </mc:AlternateContent>
   <p:timing>
     <p:tnLst>
       <p:par>
@@ -21293,69 +21301,6 @@
       </p:grpSpPr>
       <p:sp>
         <p:nvSpPr>
-          <p:cNvPr id="9" name="Textfeld 8">
-            <a:extLst>
-              <a:ext uri="{FF2B5EF4-FFF2-40B4-BE49-F238E27FC236}">
-                <a16:creationId xmlns:a16="http://schemas.microsoft.com/office/drawing/2014/main" id="{5DAAF33D-19A9-445E-9BB8-3B970FB6BB04}"/>
-              </a:ext>
-            </a:extLst>
-          </p:cNvPr>
-          <p:cNvSpPr txBox="1"/>
-          <p:nvPr/>
-        </p:nvSpPr>
-        <p:spPr>
-          <a:xfrm>
-            <a:off x="324721" y="1908734"/>
-            <a:ext cx="2977480" cy="646331"/>
-          </a:xfrm>
-          <a:prstGeom prst="rect">
-            <a:avLst/>
-          </a:prstGeom>
-          <a:noFill/>
-        </p:spPr>
-        <p:txBody>
-          <a:bodyPr wrap="square" rtlCol="0">
-            <a:spAutoFit/>
-          </a:bodyPr>
-          <a:lstStyle/>
-          <a:p>
-            <a:r>
-              <a:rPr lang="de-DE" dirty="0" err="1">
-                <a:solidFill>
-                  <a:schemeClr val="tx2"/>
-                </a:solidFill>
-              </a:rPr>
-              <a:t>location</a:t>
-            </a:r>
-            <a:r>
-              <a:rPr lang="de-DE" dirty="0"/>
-              <a:t> = „</a:t>
-            </a:r>
-            <a:r>
-              <a:rPr lang="de-DE" dirty="0" err="1"/>
-              <a:t>var.location</a:t>
-            </a:r>
-            <a:r>
-              <a:rPr lang="de-DE" dirty="0"/>
-              <a:t>“</a:t>
-            </a:r>
-            <a:r>
-              <a:rPr lang="de-DE" dirty="0">
-                <a:solidFill>
-                  <a:schemeClr val="accent2"/>
-                </a:solidFill>
-              </a:rPr>
-              <a:t> </a:t>
-            </a:r>
-            <a:endParaRPr lang="de-DE" u="sng" dirty="0"/>
-          </a:p>
-          <a:p>
-            <a:endParaRPr lang="de-DE" dirty="0"/>
-          </a:p>
-        </p:txBody>
-      </p:sp>
-      <p:sp>
-        <p:nvSpPr>
           <p:cNvPr id="3" name="Textplatzhalter 2">
             <a:extLst>
               <a:ext uri="{FF2B5EF4-FFF2-40B4-BE49-F238E27FC236}">
@@ -21407,96 +21352,6 @@
               <a:rPr lang="de-DE" dirty="0"/>
               <a:t>Workshop – Terraform Basics</a:t>
             </a:r>
-          </a:p>
-        </p:txBody>
-      </p:sp>
-      <p:sp>
-        <p:nvSpPr>
-          <p:cNvPr id="5" name="Rechteck 4">
-            <a:extLst>
-              <a:ext uri="{FF2B5EF4-FFF2-40B4-BE49-F238E27FC236}">
-                <a16:creationId xmlns:a16="http://schemas.microsoft.com/office/drawing/2014/main" id="{4F31B22C-4B60-4017-B117-97899978B2B3}"/>
-              </a:ext>
-            </a:extLst>
-          </p:cNvPr>
-          <p:cNvSpPr/>
-          <p:nvPr/>
-        </p:nvSpPr>
-        <p:spPr>
-          <a:xfrm>
-            <a:off x="1475656" y="1923678"/>
-            <a:ext cx="1368152" cy="360040"/>
-          </a:xfrm>
-          <a:prstGeom prst="rect">
-            <a:avLst/>
-          </a:prstGeom>
-          <a:noFill/>
-          <a:ln>
-            <a:solidFill>
-              <a:srgbClr val="FF0000"/>
-            </a:solidFill>
-          </a:ln>
-        </p:spPr>
-        <p:style>
-          <a:lnRef idx="2">
-            <a:schemeClr val="accent1">
-              <a:shade val="50000"/>
-            </a:schemeClr>
-          </a:lnRef>
-          <a:fillRef idx="1">
-            <a:schemeClr val="accent1"/>
-          </a:fillRef>
-          <a:effectRef idx="0">
-            <a:schemeClr val="accent1"/>
-          </a:effectRef>
-          <a:fontRef idx="minor">
-            <a:schemeClr val="lt1"/>
-          </a:fontRef>
-        </p:style>
-        <p:txBody>
-          <a:bodyPr rtlCol="0" anchor="ctr"/>
-          <a:lstStyle/>
-          <a:p>
-            <a:pPr algn="ctr"/>
-            <a:endParaRPr lang="de-DE"/>
-          </a:p>
-        </p:txBody>
-      </p:sp>
-      <p:sp>
-        <p:nvSpPr>
-          <p:cNvPr id="6" name="Textfeld 5">
-            <a:extLst>
-              <a:ext uri="{FF2B5EF4-FFF2-40B4-BE49-F238E27FC236}">
-                <a16:creationId xmlns:a16="http://schemas.microsoft.com/office/drawing/2014/main" id="{E1E50264-BF71-4CA1-B454-656D76FE09D4}"/>
-              </a:ext>
-            </a:extLst>
-          </p:cNvPr>
-          <p:cNvSpPr txBox="1"/>
-          <p:nvPr/>
-        </p:nvSpPr>
-        <p:spPr>
-          <a:xfrm>
-            <a:off x="2915816" y="1923678"/>
-            <a:ext cx="2520280" cy="369332"/>
-          </a:xfrm>
-          <a:prstGeom prst="rect">
-            <a:avLst/>
-          </a:prstGeom>
-          <a:noFill/>
-        </p:spPr>
-        <p:txBody>
-          <a:bodyPr wrap="square" rtlCol="0">
-            <a:spAutoFit/>
-          </a:bodyPr>
-          <a:lstStyle/>
-          <a:p>
-            <a:r>
-              <a:rPr lang="de-DE" u="sng" dirty="0">
-                <a:sym typeface="Wingdings" panose="05000000000000000000" pitchFamily="2" charset="2"/>
-              </a:rPr>
-              <a:t> was muss hier hin?</a:t>
-            </a:r>
-            <a:endParaRPr lang="de-DE" dirty="0"/>
           </a:p>
         </p:txBody>
       </p:sp>
@@ -21514,7 +21369,7 @@
         </p:nvSpPr>
         <p:spPr>
           <a:xfrm>
-            <a:off x="4114800" y="2114133"/>
+            <a:off x="10595520" y="1245889"/>
             <a:ext cx="914400" cy="914400"/>
           </a:xfrm>
           <a:prstGeom prst="rect">
@@ -21546,7 +21401,7 @@
         </p:nvSpPr>
         <p:spPr>
           <a:xfrm>
-            <a:off x="4114800" y="2114133"/>
+            <a:off x="10595520" y="1245889"/>
             <a:ext cx="914400" cy="914400"/>
           </a:xfrm>
           <a:prstGeom prst="rect">
@@ -21612,7 +21467,12 @@
             <p:ph type="body" sz="quarter" idx="11"/>
           </p:nvPr>
         </p:nvSpPr>
-        <p:spPr/>
+        <p:spPr>
+          <a:xfrm>
+            <a:off x="323850" y="992259"/>
+            <a:ext cx="8496300" cy="3599731"/>
+          </a:xfrm>
+        </p:spPr>
         <p:txBody>
           <a:bodyPr/>
           <a:lstStyle/>
@@ -21688,7 +21548,7 @@
               <a:t> = </a:t>
             </a:r>
             <a:r>
-              <a:rPr lang="de-DE" b="0" dirty="0">
+              <a:rPr lang="de-DE" b="0" dirty="0" smtClean="0">
                 <a:solidFill>
                   <a:schemeClr val="accent2"/>
                 </a:solidFill>
@@ -21696,12 +21556,12 @@
               <a:t>„</a:t>
             </a:r>
             <a:r>
-              <a:rPr lang="de-DE" b="0" dirty="0" err="1">
+              <a:rPr lang="de-DE" b="0" dirty="0" err="1" smtClean="0">
                 <a:solidFill>
                   <a:schemeClr val="accent2"/>
                 </a:solidFill>
               </a:rPr>
-              <a:t>dpdwsrg</a:t>
+              <a:t>yarg</a:t>
             </a:r>
             <a:r>
               <a:rPr lang="de-DE" b="0" dirty="0">
@@ -21734,44 +21594,33 @@
               <a:t> = </a:t>
             </a:r>
             <a:r>
-              <a:rPr lang="de-DE" b="0" dirty="0">
+              <a:rPr lang="de-DE" b="0" dirty="0" err="1" smtClean="0">
                 <a:solidFill>
                   <a:schemeClr val="accent2"/>
                 </a:solidFill>
               </a:rPr>
-              <a:t>„</a:t>
-            </a:r>
-            <a:r>
-              <a:rPr lang="de-DE" b="0" dirty="0" err="1">
-                <a:solidFill>
-                  <a:schemeClr val="accent2"/>
-                </a:solidFill>
-              </a:rPr>
-              <a:t>westeurope</a:t>
-            </a:r>
-            <a:r>
-              <a:rPr lang="de-DE" b="0" dirty="0">
-                <a:solidFill>
-                  <a:schemeClr val="accent2"/>
-                </a:solidFill>
-              </a:rPr>
-              <a:t>“ </a:t>
-            </a:r>
-            <a:endParaRPr lang="de-DE" u="sng" dirty="0">
+              <a:t>var.location</a:t>
+            </a:r>
+            <a:endParaRPr lang="de-DE" b="0" dirty="0" smtClean="0">
               <a:solidFill>
-                <a:schemeClr val="tx1"/>
+                <a:schemeClr val="accent2"/>
               </a:solidFill>
             </a:endParaRPr>
           </a:p>
           <a:p>
             <a:r>
-              <a:rPr lang="de-DE" b="0" dirty="0">
+              <a:rPr lang="de-DE" b="0" dirty="0" smtClean="0">
                 <a:solidFill>
                   <a:schemeClr val="accent5"/>
                 </a:solidFill>
               </a:rPr>
               <a:t>}</a:t>
             </a:r>
+            <a:endParaRPr lang="de-DE" b="0" dirty="0">
+              <a:solidFill>
+                <a:schemeClr val="accent5"/>
+              </a:solidFill>
+            </a:endParaRPr>
           </a:p>
           <a:p>
             <a:pPr marL="285750" indent="-285750">
@@ -21907,6 +21756,9 @@
                     <p:cTn id="3" fill="hold">
                       <p:stCondLst>
                         <p:cond delay="indefinite"/>
+                        <p:cond evt="onBegin" delay="0">
+                          <p:tn val="2"/>
+                        </p:cond>
                       </p:stCondLst>
                       <p:childTnLst>
                         <p:par>
@@ -21916,7 +21768,7 @@
                             </p:stCondLst>
                             <p:childTnLst>
                               <p:par>
-                                <p:cTn id="5" presetID="1" presetClass="entr" presetSubtype="0" fill="hold" grpId="0" nodeType="clickEffect">
+                                <p:cTn id="5" presetID="1" presetClass="exit" presetSubtype="0" fill="hold" nodeType="withEffect">
                                   <p:stCondLst>
                                     <p:cond delay="0"/>
                                   </p:stCondLst>
@@ -21924,105 +21776,6 @@
                                     <p:set>
                                       <p:cBhvr>
                                         <p:cTn id="6" dur="1" fill="hold">
-                                          <p:stCondLst>
-                                            <p:cond delay="0"/>
-                                          </p:stCondLst>
-                                        </p:cTn>
-                                        <p:tgtEl>
-                                          <p:spTgt spid="5"/>
-                                        </p:tgtEl>
-                                        <p:attrNameLst>
-                                          <p:attrName>style.visibility</p:attrName>
-                                        </p:attrNameLst>
-                                      </p:cBhvr>
-                                      <p:to>
-                                        <p:strVal val="visible"/>
-                                      </p:to>
-                                    </p:set>
-                                  </p:childTnLst>
-                                </p:cTn>
-                              </p:par>
-                              <p:par>
-                                <p:cTn id="7" presetID="1" presetClass="entr" presetSubtype="0" fill="hold" grpId="0" nodeType="withEffect">
-                                  <p:stCondLst>
-                                    <p:cond delay="0"/>
-                                  </p:stCondLst>
-                                  <p:childTnLst>
-                                    <p:set>
-                                      <p:cBhvr>
-                                        <p:cTn id="8" dur="1" fill="hold">
-                                          <p:stCondLst>
-                                            <p:cond delay="0"/>
-                                          </p:stCondLst>
-                                        </p:cTn>
-                                        <p:tgtEl>
-                                          <p:spTgt spid="6"/>
-                                        </p:tgtEl>
-                                        <p:attrNameLst>
-                                          <p:attrName>style.visibility</p:attrName>
-                                        </p:attrNameLst>
-                                      </p:cBhvr>
-                                      <p:to>
-                                        <p:strVal val="visible"/>
-                                      </p:to>
-                                    </p:set>
-                                  </p:childTnLst>
-                                </p:cTn>
-                              </p:par>
-                            </p:childTnLst>
-                          </p:cTn>
-                        </p:par>
-                      </p:childTnLst>
-                    </p:cTn>
-                  </p:par>
-                  <p:par>
-                    <p:cTn id="9" fill="hold">
-                      <p:stCondLst>
-                        <p:cond delay="indefinite"/>
-                      </p:stCondLst>
-                      <p:childTnLst>
-                        <p:par>
-                          <p:cTn id="10" fill="hold">
-                            <p:stCondLst>
-                              <p:cond delay="0"/>
-                            </p:stCondLst>
-                            <p:childTnLst>
-                              <p:par>
-                                <p:cTn id="11" presetID="1" presetClass="entr" presetSubtype="0" fill="hold" grpId="0" nodeType="clickEffect">
-                                  <p:stCondLst>
-                                    <p:cond delay="0"/>
-                                  </p:stCondLst>
-                                  <p:childTnLst>
-                                    <p:set>
-                                      <p:cBhvr>
-                                        <p:cTn id="12" dur="1" fill="hold">
-                                          <p:stCondLst>
-                                            <p:cond delay="0"/>
-                                          </p:stCondLst>
-                                        </p:cTn>
-                                        <p:tgtEl>
-                                          <p:spTgt spid="9"/>
-                                        </p:tgtEl>
-                                        <p:attrNameLst>
-                                          <p:attrName>style.visibility</p:attrName>
-                                        </p:attrNameLst>
-                                      </p:cBhvr>
-                                      <p:to>
-                                        <p:strVal val="visible"/>
-                                      </p:to>
-                                    </p:set>
-                                  </p:childTnLst>
-                                </p:cTn>
-                              </p:par>
-                              <p:par>
-                                <p:cTn id="13" presetID="1" presetClass="exit" presetSubtype="0" fill="hold" nodeType="withEffect">
-                                  <p:stCondLst>
-                                    <p:cond delay="0"/>
-                                  </p:stCondLst>
-                                  <p:childTnLst>
-                                    <p:set>
-                                      <p:cBhvr>
-                                        <p:cTn id="14" dur="1" fill="hold">
                                           <p:stCondLst>
                                             <p:cond delay="0"/>
                                           </p:stCondLst>
@@ -22046,47 +21799,24 @@
                                 </p:cTn>
                               </p:par>
                               <p:par>
-                                <p:cTn id="15" presetID="1" presetClass="exit" presetSubtype="0" fill="hold" grpId="1" nodeType="withEffect">
+                                <p:cTn id="7" presetID="1" presetClass="exit" presetSubtype="0" fill="hold" nodeType="withEffect">
                                   <p:stCondLst>
                                     <p:cond delay="0"/>
                                   </p:stCondLst>
                                   <p:childTnLst>
                                     <p:set>
                                       <p:cBhvr>
-                                        <p:cTn id="16" dur="1" fill="hold">
+                                        <p:cTn id="8" dur="1" fill="hold">
                                           <p:stCondLst>
                                             <p:cond delay="0"/>
                                           </p:stCondLst>
                                         </p:cTn>
                                         <p:tgtEl>
-                                          <p:spTgt spid="5"/>
-                                        </p:tgtEl>
-                                        <p:attrNameLst>
-                                          <p:attrName>style.visibility</p:attrName>
-                                        </p:attrNameLst>
-                                      </p:cBhvr>
-                                      <p:to>
-                                        <p:strVal val="hidden"/>
-                                      </p:to>
-                                    </p:set>
-                                  </p:childTnLst>
-                                </p:cTn>
-                              </p:par>
-                              <p:par>
-                                <p:cTn id="17" presetID="1" presetClass="exit" presetSubtype="0" fill="hold" grpId="1" nodeType="withEffect">
-                                  <p:stCondLst>
-                                    <p:cond delay="0"/>
-                                  </p:stCondLst>
-                                  <p:childTnLst>
-                                    <p:set>
-                                      <p:cBhvr>
-                                        <p:cTn id="18" dur="1" fill="hold">
-                                          <p:stCondLst>
-                                            <p:cond delay="0"/>
-                                          </p:stCondLst>
-                                        </p:cTn>
-                                        <p:tgtEl>
-                                          <p:spTgt spid="6"/>
+                                          <p:spTgt spid="2">
+                                            <p:txEl>
+                                              <p:pRg st="3" end="3"/>
+                                            </p:txEl>
+                                          </p:spTgt>
                                         </p:tgtEl>
                                         <p:attrNameLst>
                                           <p:attrName>style.visibility</p:attrName>
@@ -22126,13 +21856,6 @@
         </p:cTn>
       </p:par>
     </p:tnLst>
-    <p:bldLst>
-      <p:bldP spid="9" grpId="0"/>
-      <p:bldP spid="5" grpId="0" animBg="1"/>
-      <p:bldP spid="5" grpId="1" animBg="1"/>
-      <p:bldP spid="6" grpId="0"/>
-      <p:bldP spid="6" grpId="1"/>
-    </p:bldLst>
   </p:timing>
 </p:sld>
 </file>
@@ -22258,12 +21981,20 @@
               <a:t> = </a:t>
             </a:r>
             <a:r>
+              <a:rPr lang="de-DE" b="0" dirty="0" smtClean="0">
+                <a:solidFill>
+                  <a:schemeClr val="accent2"/>
+                </a:solidFill>
+              </a:rPr>
+              <a:t>„wsvnet01</a:t>
+            </a:r>
+            <a:r>
               <a:rPr lang="de-DE" b="0" dirty="0">
                 <a:solidFill>
                   <a:schemeClr val="accent2"/>
                 </a:solidFill>
               </a:rPr>
-              <a:t>„dpdwsvnet01"</a:t>
+              <a:t>"</a:t>
             </a:r>
           </a:p>
           <a:p>
@@ -22292,7 +22023,7 @@
               <a:t>= </a:t>
             </a:r>
             <a:r>
-              <a:rPr lang="de-DE" b="0" dirty="0">
+              <a:rPr lang="de-DE" b="0" dirty="0" smtClean="0">
                 <a:solidFill>
                   <a:schemeClr val="accent2"/>
                 </a:solidFill>
@@ -22300,12 +22031,12 @@
               <a:t>„</a:t>
             </a:r>
             <a:r>
-              <a:rPr lang="de-DE" b="0" dirty="0" err="1">
+              <a:rPr lang="de-DE" b="0" dirty="0" err="1" smtClean="0">
                 <a:solidFill>
                   <a:schemeClr val="accent2"/>
                 </a:solidFill>
               </a:rPr>
-              <a:t>dpdwdrg</a:t>
+              <a:t>yarg</a:t>
             </a:r>
             <a:r>
               <a:rPr lang="de-DE" b="0" dirty="0">
@@ -22400,7 +22131,7 @@
               <a:t> </a:t>
             </a:r>
             <a:r>
-              <a:rPr lang="de-DE" b="0" dirty="0">
+              <a:rPr lang="de-DE" b="0" dirty="0" smtClean="0">
                 <a:solidFill>
                   <a:schemeClr val="accent5"/>
                 </a:solidFill>
@@ -22408,15 +22139,15 @@
               <a:t>[</a:t>
             </a:r>
             <a:r>
-              <a:rPr lang="de-DE" b="0" dirty="0">
+              <a:rPr lang="de-DE" b="0" dirty="0" smtClean="0">
                 <a:solidFill>
                   <a:schemeClr val="accent2"/>
                 </a:solidFill>
               </a:rPr>
-              <a:t>"192.</a:t>
-            </a:r>
-            <a:r>
-              <a:rPr lang="de-DE" b="0" dirty="0">
+              <a:t>„10.</a:t>
+            </a:r>
+            <a:r>
+              <a:rPr lang="de-DE" b="0" dirty="0" smtClean="0">
                 <a:solidFill>
                   <a:schemeClr val="bg2"/>
                 </a:solidFill>
@@ -22424,21 +22155,26 @@
               <a:t>$$</a:t>
             </a:r>
             <a:r>
-              <a:rPr lang="de-DE" b="0" dirty="0">
+              <a:rPr lang="de-DE" b="0" dirty="0" smtClean="0">
                 <a:solidFill>
                   <a:schemeClr val="accent2"/>
                 </a:solidFill>
               </a:rPr>
-              <a:t>.0.0/24"</a:t>
-            </a:r>
-            <a:r>
-              <a:rPr lang="de-DE" b="0" dirty="0">
+              <a:t>.0.0/16"</a:t>
+            </a:r>
+            <a:r>
+              <a:rPr lang="de-DE" b="0" dirty="0" smtClean="0">
                 <a:solidFill>
                   <a:schemeClr val="accent5"/>
                 </a:solidFill>
               </a:rPr>
               <a:t>]</a:t>
             </a:r>
+            <a:endParaRPr lang="de-DE" b="0" dirty="0">
+              <a:solidFill>
+                <a:schemeClr val="accent5"/>
+              </a:solidFill>
+            </a:endParaRPr>
           </a:p>
           <a:p>
             <a:r>
@@ -24253,7 +23989,19 @@
             </a:r>
             <a:r>
               <a:rPr lang="de-DE" b="0" dirty="0"/>
-              <a:t> = </a:t>
+              <a:t> </a:t>
+            </a:r>
+            <a:r>
+              <a:rPr lang="de-DE" b="0"/>
+              <a:t>= </a:t>
+            </a:r>
+            <a:r>
+              <a:rPr lang="de-DE" b="0" smtClean="0">
+                <a:solidFill>
+                  <a:schemeClr val="accent2"/>
+                </a:solidFill>
+              </a:rPr>
+              <a:t>„wsvnetsub01</a:t>
             </a:r>
             <a:r>
               <a:rPr lang="de-DE" b="0" dirty="0">
@@ -24261,7 +24009,7 @@
                   <a:schemeClr val="accent2"/>
                 </a:solidFill>
               </a:rPr>
-              <a:t>„vnetsub01"</a:t>
+              <a:t>"</a:t>
             </a:r>
           </a:p>
           <a:p>
@@ -24371,13 +24119,18 @@
               <a:t> </a:t>
             </a:r>
             <a:r>
-              <a:rPr lang="de-DE" b="0" dirty="0">
+              <a:rPr lang="de-DE" b="0" dirty="0" smtClean="0">
                 <a:solidFill>
                   <a:schemeClr val="accent2"/>
                 </a:solidFill>
               </a:rPr>
-              <a:t>192.$$.0.0/27 </a:t>
-            </a:r>
+              <a:t>10.$$.1.0/24</a:t>
+            </a:r>
+            <a:endParaRPr lang="de-DE" b="0" dirty="0">
+              <a:solidFill>
+                <a:schemeClr val="accent2"/>
+              </a:solidFill>
+            </a:endParaRPr>
           </a:p>
           <a:p>
             <a:r>
@@ -24617,12 +24370,20 @@
               <a:t> = </a:t>
             </a:r>
             <a:r>
+              <a:rPr lang="de-DE" b="0" dirty="0" smtClean="0">
+                <a:solidFill>
+                  <a:schemeClr val="accent2"/>
+                </a:solidFill>
+              </a:rPr>
+              <a:t>„wsvnetsub02</a:t>
+            </a:r>
+            <a:r>
               <a:rPr lang="de-DE" b="0" dirty="0">
                 <a:solidFill>
                   <a:schemeClr val="accent2"/>
                 </a:solidFill>
               </a:rPr>
-              <a:t>„vnetsub02"</a:t>
+              <a:t>"</a:t>
             </a:r>
           </a:p>
           <a:p>
@@ -24733,13 +24494,18 @@
               <a:t>= </a:t>
             </a:r>
             <a:r>
-              <a:rPr lang="de-DE" b="0" dirty="0">
+              <a:rPr lang="de-DE" b="0" dirty="0" smtClean="0">
                 <a:solidFill>
                   <a:schemeClr val="accent2"/>
                 </a:solidFill>
               </a:rPr>
-              <a:t>192.$$.1.32/27 </a:t>
-            </a:r>
+              <a:t>10.$$.2.00/24 </a:t>
+            </a:r>
+            <a:endParaRPr lang="de-DE" b="0" dirty="0">
+              <a:solidFill>
+                <a:schemeClr val="accent2"/>
+              </a:solidFill>
+            </a:endParaRPr>
           </a:p>
           <a:p>
             <a:r>

--- a/tf/ppt/Workshop_Terraform_Basic.pptx
+++ b/tf/ppt/Workshop_Terraform_Basic.pptx
@@ -344,7 +344,7 @@
                 </a:spcAft>
                 <a:defRPr/>
               </a:pPr>
-              <a:t>08.01.2020</a:t>
+              <a:t>10.01.2020</a:t>
             </a:fld>
             <a:endParaRPr lang="de-DE" dirty="0">
               <a:latin typeface="Arial" pitchFamily="34" charset="0"/>
@@ -769,7 +769,7 @@
                 </a:spcAft>
                 <a:defRPr/>
               </a:pPr>
-              <a:t>08.01.2020</a:t>
+              <a:t>10.01.2020</a:t>
             </a:fld>
             <a:endParaRPr lang="de-DE" dirty="0">
               <a:latin typeface="Arial" pitchFamily="34" charset="0"/>
@@ -15491,32 +15491,6 @@
           <a:chExt cx="0" cy="0"/>
         </a:xfrm>
       </p:grpSpPr>
-      <p:sp>
-        <p:nvSpPr>
-          <p:cNvPr id="3" name="Textplatzhalter 2"/>
-          <p:cNvSpPr>
-            <a:spLocks noGrp="1"/>
-          </p:cNvSpPr>
-          <p:nvPr>
-            <p:ph type="body" sz="quarter" idx="10"/>
-          </p:nvPr>
-        </p:nvSpPr>
-        <p:spPr>
-          <a:xfrm>
-            <a:off x="538163" y="1855483"/>
-            <a:ext cx="8066284" cy="648000"/>
-          </a:xfrm>
-        </p:spPr>
-        <p:txBody>
-          <a:bodyPr wrap="none" bIns="0">
-            <a:normAutofit/>
-          </a:bodyPr>
-          <a:lstStyle/>
-          <a:p>
-            <a:endParaRPr lang="de-DE" dirty="0"/>
-          </a:p>
-        </p:txBody>
-      </p:sp>
       <p:sp>
         <p:nvSpPr>
           <p:cNvPr id="4" name="Textplatzhalter 3"/>
@@ -22439,7 +22413,19 @@
           <a:p>
             <a:r>
               <a:rPr lang="en-US" dirty="0" smtClean="0"/>
-              <a:t>The road to terraform</a:t>
+              <a:t>The road to </a:t>
+            </a:r>
+            <a:r>
+              <a:rPr lang="en-US" dirty="0" smtClean="0"/>
+              <a:t>terraform – why </a:t>
+            </a:r>
+            <a:r>
+              <a:rPr lang="en-US" dirty="0" err="1" smtClean="0"/>
+              <a:t>IaC</a:t>
+            </a:r>
+            <a:r>
+              <a:rPr lang="en-US" dirty="0" smtClean="0"/>
+              <a:t> is the way </a:t>
             </a:r>
             <a:endParaRPr lang="en-US" dirty="0"/>
           </a:p>
@@ -42362,13 +42348,13 @@
 <file path=customXml/itemProps2.xml><?xml version="1.0" encoding="utf-8"?>
 <ds:datastoreItem xmlns:ds="http://schemas.openxmlformats.org/officeDocument/2006/customXml" ds:itemID="{01A108AB-3B75-477B-A6C2-F30888C97239}">
   <ds:schemaRefs>
+    <ds:schemaRef ds:uri="http://schemas.openxmlformats.org/package/2006/metadata/core-properties"/>
     <ds:schemaRef ds:uri="http://purl.org/dc/elements/1.1/"/>
     <ds:schemaRef ds:uri="http://schemas.microsoft.com/office/2006/metadata/properties"/>
+    <ds:schemaRef ds:uri="http://schemas.microsoft.com/office/infopath/2007/PartnerControls"/>
+    <ds:schemaRef ds:uri="http://purl.org/dc/terms/"/>
+    <ds:schemaRef ds:uri="http://schemas.microsoft.com/office/2006/documentManagement/types"/>
     <ds:schemaRef ds:uri="8e877116-f3ef-4c1c-89be-7b66991ff430"/>
-    <ds:schemaRef ds:uri="http://purl.org/dc/terms/"/>
-    <ds:schemaRef ds:uri="http://schemas.openxmlformats.org/package/2006/metadata/core-properties"/>
-    <ds:schemaRef ds:uri="http://schemas.microsoft.com/office/2006/documentManagement/types"/>
-    <ds:schemaRef ds:uri="http://schemas.microsoft.com/office/infopath/2007/PartnerControls"/>
     <ds:schemaRef ds:uri="http://www.w3.org/XML/1998/namespace"/>
     <ds:schemaRef ds:uri="http://purl.org/dc/dcmitype/"/>
   </ds:schemaRefs>

--- a/tf/ppt/Workshop_Terraform_Basic.pptx
+++ b/tf/ppt/Workshop_Terraform_Basic.pptx
@@ -5,10 +5,10 @@
     <p:sldMasterId id="2147483648" r:id="rId4"/>
   </p:sldMasterIdLst>
   <p:notesMasterIdLst>
-    <p:notesMasterId r:id="rId66"/>
+    <p:notesMasterId r:id="rId67"/>
   </p:notesMasterIdLst>
   <p:handoutMasterIdLst>
-    <p:handoutMasterId r:id="rId67"/>
+    <p:handoutMasterId r:id="rId68"/>
   </p:handoutMasterIdLst>
   <p:sldIdLst>
     <p:sldId id="861" r:id="rId5"/>
@@ -71,7 +71,8 @@
     <p:sldId id="1025" r:id="rId62"/>
     <p:sldId id="1023" r:id="rId63"/>
     <p:sldId id="1007" r:id="rId64"/>
-    <p:sldId id="891" r:id="rId65"/>
+    <p:sldId id="1035" r:id="rId65"/>
+    <p:sldId id="891" r:id="rId66"/>
   </p:sldIdLst>
   <p:sldSz cx="9144000" cy="5143500" type="screen16x9"/>
   <p:notesSz cx="6797675" cy="9926638"/>
@@ -344,7 +345,7 @@
                 </a:spcAft>
                 <a:defRPr/>
               </a:pPr>
-              <a:t>10.01.2020</a:t>
+              <a:t>29.01.2020</a:t>
             </a:fld>
             <a:endParaRPr lang="de-DE" dirty="0">
               <a:latin typeface="Arial" pitchFamily="34" charset="0"/>
@@ -506,102 +507,6 @@
 </p:handoutMaster>
 </file>
 
-<file path=ppt/ink/ink1.xml><?xml version="1.0" encoding="utf-8"?>
-<inkml:ink xmlns:inkml="http://www.w3.org/2003/InkML">
-  <inkml:definitions>
-    <inkml:context xml:id="ctx0">
-      <inkml:inkSource xml:id="inkSrc0">
-        <inkml:traceFormat>
-          <inkml:channel name="X" type="integer" min="-2.14748E9" max="2.14748E9" units="cm"/>
-          <inkml:channel name="Y" type="integer" min="-2.14748E9" max="2.14748E9" units="cm"/>
-          <inkml:channel name="OA" type="integer" max="360" units="deg"/>
-          <inkml:channel name="OE" type="integer" max="90" units="deg"/>
-        </inkml:traceFormat>
-        <inkml:channelProperties>
-          <inkml:channelProperty channel="X" name="resolution" value="1000" units="1/cm"/>
-          <inkml:channelProperty channel="Y" name="resolution" value="1000" units="1/cm"/>
-          <inkml:channelProperty channel="OA" name="resolution" value="1000" units="1/deg"/>
-          <inkml:channelProperty channel="OE" name="resolution" value="1000" units="1/deg"/>
-        </inkml:channelProperties>
-      </inkml:inkSource>
-      <inkml:timestamp xml:id="ts0" timeString="2019-04-08T07:33:01.122"/>
-    </inkml:context>
-    <inkml:brush xml:id="br0">
-      <inkml:brushProperty name="width" value="0.05" units="cm"/>
-      <inkml:brushProperty name="height" value="0.05" units="cm"/>
-      <inkml:brushProperty name="color" value="#E71224"/>
-      <inkml:brushProperty name="ignorePressure" value="1"/>
-    </inkml:brush>
-  </inkml:definitions>
-  <inkml:trace contextRef="#ctx0" brushRef="#br0">68 1 0 0,'-67'0'0'0,"66"0"0"0,6 0 0 0,-2 0 0 0,3539 0 0 0,-3537 0 0 0</inkml:trace>
-</inkml:ink>
-</file>
-
-<file path=ppt/ink/ink2.xml><?xml version="1.0" encoding="utf-8"?>
-<inkml:ink xmlns:inkml="http://www.w3.org/2003/InkML">
-  <inkml:definitions>
-    <inkml:context xml:id="ctx0">
-      <inkml:inkSource xml:id="inkSrc0">
-        <inkml:traceFormat>
-          <inkml:channel name="X" type="integer" min="-2.14748E9" max="2.14748E9" units="cm"/>
-          <inkml:channel name="Y" type="integer" min="-2.14748E9" max="2.14748E9" units="cm"/>
-          <inkml:channel name="F" type="integer" max="32767" units="dev"/>
-          <inkml:channel name="OA" type="integer" max="360" units="deg"/>
-          <inkml:channel name="OE" type="integer" max="90" units="deg"/>
-        </inkml:traceFormat>
-        <inkml:channelProperties>
-          <inkml:channelProperty channel="X" name="resolution" value="1000" units="1/cm"/>
-          <inkml:channelProperty channel="Y" name="resolution" value="1000" units="1/cm"/>
-          <inkml:channelProperty channel="F" name="resolution" value="0" units="1/dev"/>
-          <inkml:channelProperty channel="OA" name="resolution" value="1000" units="1/deg"/>
-          <inkml:channelProperty channel="OE" name="resolution" value="1000" units="1/deg"/>
-        </inkml:channelProperties>
-      </inkml:inkSource>
-      <inkml:timestamp xml:id="ts0" timeString="2019-04-08T07:33:08.405"/>
-    </inkml:context>
-    <inkml:brush xml:id="br0">
-      <inkml:brushProperty name="width" value="0.05" units="cm"/>
-      <inkml:brushProperty name="height" value="0.05" units="cm"/>
-      <inkml:brushProperty name="color" value="#E71224"/>
-    </inkml:brush>
-  </inkml:definitions>
-  <inkml:trace contextRef="#ctx0" brushRef="#br0">28 43 3512 0 0,'0'-1'275'0'0,"0"1"1143"0"0,-4-2 7950 0 0,-2 14-6630 0 0,5-10-2389 0 0,-1-1-1 0 0,2 1 1 0 0,-1-1 0 0 0,0 1 0 0 0,0 0-1 0 0,0-1 1 0 0,1 1 0 0 0,-1 0-1 0 0,1 0 1 0 0,-1 0-349 0 0,-2 21 234 0 0,0 0 0 0 0,1 0 1 0 0,1 0-1 0 0,2 0 0 0 0,0 0 0 0 0,4 23-234 0 0,-1-29 26 0 0,-3-8-42 0 0,1 1 1 0 0,1-1 0 0 0,-1 0 0 0 0,2 0 0 0 0,-1 0 0 0 0,1 0 0 0 0,0 0 0 0 0,1-1 0 0 0,1 2 15 0 0,-4-7 4 0 0,2 3-48 0 0,1 0 1 0 0,-1 0 0 0 0,1-1-1 0 0,0 1 1 0 0,1-1 0 0 0,1 1 43 0 0,-6-5 29 0 0,1 0 0 0 0,0 0 1 0 0,0 0-1 0 0,0 0 0 0 0,-1 0 0 0 0,1 0 1 0 0,0-1-1 0 0,0 1 0 0 0,0-1 1 0 0,0 1-1 0 0,0-1 0 0 0,0 0 0 0 0,0 0 1 0 0,0 0-1 0 0,0 0 0 0 0,1 0 0 0 0,-1 0 1 0 0,0 0-1 0 0,0-1 0 0 0,0 1 1 0 0,0-1-1 0 0,-1 0 0 0 0,1 1 0 0 0,0-1 1 0 0,1 0-30 0 0,8-4 647 0 0,-6 3-693 0 0,0 0-1 0 0,0-1 1 0 0,-1 1-1 0 0,1-1 1 0 0,-1 0-1 0 0,1 0 1 0 0,-1 0-1 0 0,0-1 1 0 0,0 0-1 0 0,1-1 47 0 0,3-7 205 0 0,-1-1-1 0 0,0 1 0 0 0,-1-1 1 0 0,-1 0-1 0 0,0-1 0 0 0,-1 1 1 0 0,0-1-1 0 0,1-10-204 0 0,0-1 92 0 0,5-22 803 0 0,0-20-895 0 0,-4 25 204 0 0,-3 28 50 0 0,-1 0-1 0 0,0 0 1 0 0,-1-5-254 0 0,-1 19-169 0 0,0 0-1009 0 0,0 0-430 0 0</inkml:trace>
-  <inkml:trace contextRef="#ctx0" brushRef="#br0" timeOffset="1435.006">487 372 7520 0 0,'-4'-2'9345'0'0,"-8"-7"-4715"0"0,10 7-4324 0 0,1-1 0 0 0,0 1-1 0 0,0-1 1 0 0,0 1 0 0 0,0-1 0 0 0,1 1-1 0 0,-1-1 1 0 0,1 1 0 0 0,-1-1-1 0 0,1 0 1 0 0,0 1 0 0 0,0-1-306 0 0,3-36 659 0 0,0 8-512 0 0,-1 6-40 0 0,1-1 1 0 0,0 0-1 0 0,2 1 1 0 0,1 0-1 0 0,1-1-107 0 0,-6 23 3 0 0,-1 1 23 0 0,1 1-1 0 0,-1-1 1 0 0,0 1 0 0 0,1-1 0 0 0,-1 0 0 0 0,1 1 0 0 0,0-1 0 0 0,-1 1 0 0 0,1 0 0 0 0,0-1 0 0 0,0 1 0 0 0,1-2-26 0 0,3 8 72 0 0,-4-1-78 0 0,2 3-4 0 0,-1 1 0 0 0,0 0 1 0 0,0 0-1 0 0,-1 0 0 0 0,1 6 10 0 0,1 10-15 0 0,2 7 4 0 0,-4-22 4 0 0,0 1 1 0 0,1-1-1 0 0,0 1 1 0 0,0-1-1 0 0,1 1 0 0 0,1-1 1 0 0,-1 0-1 0 0,2 0 7 0 0,-5-7 4 0 0,1-1 0 0 0,0 0 1 0 0,0 1-1 0 0,-1-1 0 0 0,1 0 0 0 0,0 0 0 0 0,0 1 0 0 0,1-1 0 0 0,-1 0 0 0 0,0 0 0 0 0,0 0 1 0 0,0 0-1 0 0,1-1 0 0 0,-1 1 0 0 0,0 0 0 0 0,1-1 0 0 0,-1 1 0 0 0,1 0 0 0 0,-1-1 0 0 0,1 0 1 0 0,-1 1-5 0 0,1-1 44 0 0,0 0 1 0 0,-1 0 0 0 0,1-1-1 0 0,-1 1 1 0 0,1 0 0 0 0,0-1-1 0 0,-1 1 1 0 0,1-1 0 0 0,-1 1-1 0 0,1-1 1 0 0,-1 0-1 0 0,0 0 1 0 0,1 1 0 0 0,-1-1-1 0 0,0 0 1 0 0,1 0 0 0 0,-1-1-45 0 0,4-3 190 0 0,0 0 1 0 0,-1 0 0 0 0,1-1-1 0 0,-1 0 1 0 0,0 1 0 0 0,-1-2-1 0 0,1 1 1 0 0,0-3-191 0 0,1-5 413 0 0,0 0 0 0 0,-1-1 0 0 0,-1 1 0 0 0,1-5-413 0 0,-1 1 184 0 0,1 0 1 0 0,4-8-185 0 0,-5 18-566 0 0,2 0 0 0 0,-1 0 1 0 0,1 0-1 0 0,0 1 0 0 0,1 0 0 0 0,5-6 566 0 0,5-6-2306 0 0,-8 8 927 0 0</inkml:trace>
-  <inkml:trace contextRef="#ctx0" brushRef="#br0" timeOffset="2855.256">783 283 17983 0 0,'11'-13'1735'0'0,"-8"11"-1509"0"0,-1-1-1 0 0,1 1 1 0 0,0 1-1 0 0,0-1 1 0 0,1 0-1 0 0,-1 1 1 0 0,0-1 0 0 0,1 1-1 0 0,-1 0 1 0 0,0 0-1 0 0,1 1 1 0 0,-1-1-1 0 0,1 1 1 0 0,0-1-1 0 0,-1 1 1 0 0,2 0-226 0 0,12-1-1560 0 0,-7 0 496 0 0</inkml:trace>
-</inkml:ink>
-</file>
-
-<file path=ppt/ink/ink3.xml><?xml version="1.0" encoding="utf-8"?>
-<inkml:ink xmlns:inkml="http://www.w3.org/2003/InkML">
-  <inkml:definitions>
-    <inkml:context xml:id="ctx0">
-      <inkml:inkSource xml:id="inkSrc0">
-        <inkml:traceFormat>
-          <inkml:channel name="X" type="integer" min="-2.14748E9" max="2.14748E9" units="cm"/>
-          <inkml:channel name="Y" type="integer" min="-2.14748E9" max="2.14748E9" units="cm"/>
-          <inkml:channel name="OA" type="integer" max="360" units="deg"/>
-          <inkml:channel name="OE" type="integer" max="90" units="deg"/>
-        </inkml:traceFormat>
-        <inkml:channelProperties>
-          <inkml:channelProperty channel="X" name="resolution" value="1000" units="1/cm"/>
-          <inkml:channelProperty channel="Y" name="resolution" value="1000" units="1/cm"/>
-          <inkml:channelProperty channel="OA" name="resolution" value="1000" units="1/deg"/>
-          <inkml:channelProperty channel="OE" name="resolution" value="1000" units="1/deg"/>
-        </inkml:channelProperties>
-      </inkml:inkSource>
-      <inkml:timestamp xml:id="ts0" timeString="2019-04-08T07:33:16.614"/>
-    </inkml:context>
-    <inkml:brush xml:id="br0">
-      <inkml:brushProperty name="width" value="0.05" units="cm"/>
-      <inkml:brushProperty name="height" value="0.05" units="cm"/>
-      <inkml:brushProperty name="color" value="#E71224"/>
-      <inkml:brushProperty name="ignorePressure" value="1"/>
-    </inkml:brush>
-  </inkml:definitions>
-  <inkml:trace contextRef="#ctx0" brushRef="#br0">22 0 0 0,'-21'0'0'0,"712"0"0"0,-415 0 0 0,-92 0 0 0,-96 0 0 0,44 0 0 0,65 0 0 0,-65 0 0 0,-49 0 0 0,-28 0 0 0,255 0 0 0,157 0 0 0,51 0 0 0,-166 0 0 0,-338 0 0 0</inkml:trace>
-</inkml:ink>
-</file>
-
 <file path=ppt/notesMasters/notesMaster1.xml><?xml version="1.0" encoding="utf-8"?>
 <p:notesMaster xmlns:a="http://schemas.openxmlformats.org/drawingml/2006/main" xmlns:r="http://schemas.openxmlformats.org/officeDocument/2006/relationships" xmlns:p="http://schemas.openxmlformats.org/presentationml/2006/main">
   <p:cSld>
@@ -769,7 +674,7 @@
                 </a:spcAft>
                 <a:defRPr/>
               </a:pPr>
-              <a:t>10.01.2020</a:t>
+              <a:t>29.01.2020</a:t>
             </a:fld>
             <a:endParaRPr lang="de-DE" dirty="0">
               <a:latin typeface="Arial" pitchFamily="34" charset="0"/>
@@ -1119,25 +1024,16 @@
           <a:p>
             <a:r>
               <a:rPr lang="de-DE" dirty="0"/>
-              <a:t>Version </a:t>
-            </a:r>
-            <a:r>
-              <a:rPr lang="de-DE" dirty="0" smtClean="0"/>
-              <a:t>1.2</a:t>
-            </a:r>
-            <a:endParaRPr lang="de-DE" dirty="0"/>
+              <a:t>Version 1.2</a:t>
+            </a:r>
           </a:p>
           <a:p>
             <a:r>
               <a:rPr lang="de-DE" dirty="0"/>
-              <a:t>Autor: </a:t>
-            </a:r>
-            <a:r>
-              <a:rPr lang="de-DE" dirty="0" smtClean="0"/>
-              <a:t>Ralf</a:t>
-            </a:r>
-            <a:r>
-              <a:rPr lang="de-DE" baseline="0" dirty="0" smtClean="0"/>
+              <a:t>Autor: Ralf</a:t>
+            </a:r>
+            <a:r>
+              <a:rPr lang="de-DE" baseline="0" dirty="0"/>
               <a:t> Schederecker</a:t>
             </a:r>
             <a:endParaRPr lang="de-DE" dirty="0"/>
@@ -3279,7 +3175,7 @@
               <a:defRPr/>
             </a:pPr>
             <a:r>
-              <a:rPr lang="de-DE" smtClean="0"/>
+              <a:rPr lang="de-DE"/>
               <a:t>© 2018  Controlware GmbH</a:t>
             </a:r>
             <a:endParaRPr lang="de-DE" dirty="0"/>
@@ -3536,10 +3432,6 @@
             <a:r>
               <a:rPr lang="de-DE" b="0" dirty="0"/>
               <a:t>, Version 1.1</a:t>
-            </a:r>
-            <a:r>
-              <a:rPr lang="de-DE" dirty="0"/>
-              <a:t/>
             </a:r>
             <a:br>
               <a:rPr lang="de-DE" dirty="0"/>
@@ -15514,18 +15406,14 @@
           <a:lstStyle/>
           <a:p>
             <a:r>
-              <a:rPr lang="de-DE" dirty="0" smtClean="0"/>
+              <a:rPr lang="de-DE" dirty="0"/>
               <a:t>Ralf Schederecker</a:t>
-            </a:r>
-            <a:r>
-              <a:rPr lang="de-DE" dirty="0"/>
-              <a:t/>
             </a:r>
             <a:br>
               <a:rPr lang="de-DE" dirty="0"/>
             </a:br>
             <a:r>
-              <a:rPr lang="de-DE" dirty="0" smtClean="0"/>
+              <a:rPr lang="de-DE" dirty="0"/>
               <a:t>Senior Consultant Public Cloud &amp; Cloud Security</a:t>
             </a:r>
             <a:endParaRPr lang="de-DE" b="0" dirty="0"/>
@@ -15585,8 +15473,12 @@
           <a:lstStyle/>
           <a:p>
             <a:r>
-              <a:rPr lang="de-DE" sz="900" dirty="0" smtClean="0"/>
-              <a:t>München, 08.01.2020</a:t>
+              <a:rPr lang="de-DE" sz="900" dirty="0"/>
+              <a:t>München</a:t>
+            </a:r>
+            <a:r>
+              <a:rPr lang="de-DE" sz="900"/>
+              <a:t>, 29.01.2020</a:t>
             </a:r>
             <a:endParaRPr lang="de-DE" sz="900" dirty="0"/>
           </a:p>
@@ -15614,13 +15506,6 @@
       </p:transition>
     </mc:Fallback>
   </mc:AlternateContent>
-  <p:timing>
-    <p:tnLst>
-      <p:par>
-        <p:cTn id="1" dur="indefinite" restart="never" nodeType="tmRoot"/>
-      </p:par>
-    </p:tnLst>
-  </p:timing>
 </p:sld>
 </file>
 
@@ -16407,13 +16292,6 @@
   <p:transition spd="slow">
     <p:wipe/>
   </p:transition>
-  <p:timing>
-    <p:tnLst>
-      <p:par>
-        <p:cTn id="1" dur="indefinite" restart="never" nodeType="tmRoot"/>
-      </p:par>
-    </p:tnLst>
-  </p:timing>
 </p:sld>
 </file>
 
@@ -17032,13 +16910,6 @@
   <p:transition spd="slow">
     <p:wipe/>
   </p:transition>
-  <p:timing>
-    <p:tnLst>
-      <p:par>
-        <p:cTn id="1" dur="indefinite" restart="never" nodeType="tmRoot"/>
-      </p:par>
-    </p:tnLst>
-  </p:timing>
 </p:sld>
 </file>
 
@@ -17150,13 +17021,6 @@
   <p:transition spd="slow">
     <p:wipe/>
   </p:transition>
-  <p:timing>
-    <p:tnLst>
-      <p:par>
-        <p:cTn id="1" dur="indefinite" restart="never" nodeType="tmRoot"/>
-      </p:par>
-    </p:tnLst>
-  </p:timing>
 </p:sld>
 </file>
 
@@ -17390,7 +17254,7 @@
               <a:buChar char="•"/>
             </a:pPr>
             <a:r>
-              <a:rPr lang="de-DE" kern="0" smtClean="0"/>
+              <a:rPr lang="de-DE" kern="0"/>
               <a:t>Erstellung Azure Provider</a:t>
             </a:r>
           </a:p>
@@ -17403,7 +17267,7 @@
               <a:buChar char="•"/>
             </a:pPr>
             <a:r>
-              <a:rPr lang="de-DE" kern="0" smtClean="0"/>
+              <a:rPr lang="de-DE" kern="0"/>
               <a:t>Anlage Ressourcegruppe</a:t>
             </a:r>
           </a:p>
@@ -17416,7 +17280,7 @@
               <a:buChar char="•"/>
             </a:pPr>
             <a:r>
-              <a:rPr lang="de-DE" kern="0" smtClean="0"/>
+              <a:rPr lang="de-DE" kern="0"/>
               <a:t>Erstellung virtuelle Netzwerke</a:t>
             </a:r>
           </a:p>
@@ -17429,7 +17293,7 @@
               <a:buChar char="•"/>
             </a:pPr>
             <a:r>
-              <a:rPr lang="de-DE" kern="0" smtClean="0"/>
+              <a:rPr lang="de-DE" kern="0"/>
               <a:t>Anlage virtuelle Subnetze</a:t>
             </a:r>
           </a:p>
@@ -17442,7 +17306,7 @@
               <a:buChar char="•"/>
             </a:pPr>
             <a:r>
-              <a:rPr lang="de-DE" kern="0" smtClean="0"/>
+              <a:rPr lang="de-DE" kern="0"/>
               <a:t>Erstellung VNET Peering</a:t>
             </a:r>
           </a:p>
@@ -17574,10 +17438,9 @@
               </a:spcAft>
             </a:pPr>
             <a:r>
-              <a:rPr lang="de-DE" kern="0" smtClean="0"/>
+              <a:rPr lang="de-DE" kern="0"/>
               <a:t>Was kommt jetzt im ersten Teil?</a:t>
             </a:r>
-            <a:endParaRPr lang="de-DE" kern="0"/>
           </a:p>
         </p:txBody>
       </p:sp>
@@ -17629,7 +17492,7 @@
               </a:spcAft>
             </a:pPr>
             <a:r>
-              <a:rPr lang="de-DE" smtClean="0"/>
+              <a:rPr lang="de-DE"/>
               <a:t>Workshop – Terraform Basics</a:t>
             </a:r>
             <a:endParaRPr lang="de-DE" dirty="0"/>
@@ -17736,13 +17599,6 @@
   <p:clrMapOvr>
     <a:masterClrMapping/>
   </p:clrMapOvr>
-  <p:timing>
-    <p:tnLst>
-      <p:par>
-        <p:cTn id="1" dur="indefinite" restart="never" nodeType="tmRoot"/>
-      </p:par>
-    </p:tnLst>
-  </p:timing>
 </p:sld>
 </file>
 
@@ -17969,62 +17825,62 @@
               <a:t>= </a:t>
             </a:r>
             <a:r>
+              <a:rPr lang="en-US" b="0" dirty="0">
+                <a:solidFill>
+                  <a:schemeClr val="accent2"/>
+                </a:solidFill>
+              </a:rPr>
+              <a:t>“</a:t>
+            </a:r>
+            <a:r>
+              <a:rPr lang="de-DE" b="0" dirty="0" err="1">
+                <a:solidFill>
+                  <a:schemeClr val="accent2"/>
+                </a:solidFill>
+              </a:rPr>
+              <a:t>abc</a:t>
+            </a:r>
+            <a:r>
               <a:rPr lang="de-DE" b="0" dirty="0">
                 <a:solidFill>
                   <a:schemeClr val="accent2"/>
                 </a:solidFill>
               </a:rPr>
-              <a:t>„</a:t>
-            </a:r>
+              <a:t>“</a:t>
+            </a:r>
+          </a:p>
+          <a:p>
             <a:r>
               <a:rPr lang="de-DE" b="0" dirty="0" err="1">
                 <a:solidFill>
+                  <a:schemeClr val="tx2"/>
+                </a:solidFill>
+              </a:rPr>
+              <a:t>tenant_id</a:t>
+            </a:r>
+            <a:r>
+              <a:rPr lang="de-DE" b="0" dirty="0">
+                <a:solidFill>
+                  <a:schemeClr val="tx2"/>
+                </a:solidFill>
+              </a:rPr>
+              <a:t> </a:t>
+            </a:r>
+            <a:r>
+              <a:rPr lang="de-DE" b="0" dirty="0">
+                <a:solidFill>
+                  <a:schemeClr val="accent1"/>
+                </a:solidFill>
+              </a:rPr>
+              <a:t>= </a:t>
+            </a:r>
+            <a:r>
+              <a:rPr lang="en-US" b="0" dirty="0">
+                <a:solidFill>
                   <a:schemeClr val="accent2"/>
                 </a:solidFill>
               </a:rPr>
-              <a:t>abc</a:t>
-            </a:r>
-            <a:r>
-              <a:rPr lang="de-DE" b="0" dirty="0">
-                <a:solidFill>
-                  <a:schemeClr val="accent2"/>
-                </a:solidFill>
-              </a:rPr>
               <a:t>“</a:t>
-            </a:r>
-          </a:p>
-          <a:p>
-            <a:r>
-              <a:rPr lang="de-DE" b="0" dirty="0" err="1">
-                <a:solidFill>
-                  <a:schemeClr val="tx2"/>
-                </a:solidFill>
-              </a:rPr>
-              <a:t>tenant_id</a:t>
-            </a:r>
-            <a:r>
-              <a:rPr lang="de-DE" b="0" dirty="0">
-                <a:solidFill>
-                  <a:schemeClr val="tx2"/>
-                </a:solidFill>
-              </a:rPr>
-              <a:t> </a:t>
-            </a:r>
-            <a:r>
-              <a:rPr lang="de-DE" b="0" dirty="0">
-                <a:solidFill>
-                  <a:schemeClr val="accent1"/>
-                </a:solidFill>
-              </a:rPr>
-              <a:t>= </a:t>
-            </a:r>
-            <a:r>
-              <a:rPr lang="de-DE" b="0" dirty="0">
-                <a:solidFill>
-                  <a:schemeClr val="accent2"/>
-                </a:solidFill>
-              </a:rPr>
-              <a:t>„</a:t>
             </a:r>
             <a:r>
               <a:rPr lang="de-DE" b="0" dirty="0" err="1">
@@ -18139,13 +17995,6 @@
   <p:clrMapOvr>
     <a:masterClrMapping/>
   </p:clrMapOvr>
-  <p:timing>
-    <p:tnLst>
-      <p:par>
-        <p:cTn id="1" dur="indefinite" restart="never" nodeType="tmRoot"/>
-      </p:par>
-    </p:tnLst>
-  </p:timing>
 </p:sld>
 </file>
 
@@ -18182,79 +18031,79 @@
           <a:lstStyle/>
           <a:p>
             <a:r>
-              <a:rPr lang="de-DE" dirty="0" err="1" smtClean="0"/>
+              <a:rPr lang="de-DE" dirty="0" err="1"/>
               <a:t>How</a:t>
             </a:r>
             <a:r>
-              <a:rPr lang="de-DE" dirty="0" smtClean="0"/>
+              <a:rPr lang="de-DE" dirty="0"/>
               <a:t> </a:t>
             </a:r>
             <a:r>
-              <a:rPr lang="de-DE" dirty="0" err="1" smtClean="0"/>
+              <a:rPr lang="de-DE" dirty="0" err="1"/>
               <a:t>to</a:t>
             </a:r>
             <a:r>
-              <a:rPr lang="de-DE" dirty="0" smtClean="0"/>
+              <a:rPr lang="de-DE" dirty="0"/>
               <a:t> </a:t>
             </a:r>
             <a:r>
-              <a:rPr lang="de-DE" dirty="0" err="1" smtClean="0"/>
+              <a:rPr lang="de-DE" dirty="0" err="1"/>
               <a:t>access</a:t>
             </a:r>
             <a:r>
-              <a:rPr lang="de-DE" dirty="0" smtClean="0"/>
+              <a:rPr lang="de-DE" dirty="0"/>
               <a:t> </a:t>
             </a:r>
             <a:r>
-              <a:rPr lang="de-DE" dirty="0" err="1" smtClean="0"/>
+              <a:rPr lang="de-DE" dirty="0" err="1"/>
               <a:t>Azure</a:t>
             </a:r>
             <a:r>
-              <a:rPr lang="de-DE" dirty="0" smtClean="0"/>
+              <a:rPr lang="de-DE" dirty="0"/>
               <a:t> via </a:t>
             </a:r>
             <a:r>
-              <a:rPr lang="de-DE" dirty="0" err="1" smtClean="0"/>
+              <a:rPr lang="de-DE" dirty="0" err="1"/>
               <a:t>cmd</a:t>
             </a:r>
             <a:r>
-              <a:rPr lang="de-DE" dirty="0" smtClean="0"/>
+              <a:rPr lang="de-DE" dirty="0"/>
               <a:t> </a:t>
             </a:r>
             <a:r>
-              <a:rPr lang="de-DE" dirty="0" err="1" smtClean="0"/>
+              <a:rPr lang="de-DE" dirty="0" err="1"/>
               <a:t>and</a:t>
             </a:r>
             <a:r>
-              <a:rPr lang="de-DE" dirty="0" smtClean="0"/>
+              <a:rPr lang="de-DE" dirty="0"/>
               <a:t> </a:t>
             </a:r>
             <a:r>
-              <a:rPr lang="de-DE" dirty="0" err="1" smtClean="0"/>
+              <a:rPr lang="de-DE" dirty="0" err="1"/>
               <a:t>get</a:t>
             </a:r>
             <a:r>
-              <a:rPr lang="de-DE" dirty="0" smtClean="0"/>
+              <a:rPr lang="de-DE" dirty="0"/>
               <a:t> </a:t>
             </a:r>
             <a:r>
-              <a:rPr lang="de-DE" dirty="0" err="1" smtClean="0"/>
+              <a:rPr lang="de-DE" dirty="0" err="1"/>
               <a:t>the</a:t>
             </a:r>
             <a:r>
-              <a:rPr lang="de-DE" dirty="0" smtClean="0"/>
+              <a:rPr lang="de-DE" dirty="0"/>
               <a:t> </a:t>
             </a:r>
             <a:r>
-              <a:rPr lang="de-DE" dirty="0" err="1" smtClean="0"/>
+              <a:rPr lang="de-DE" dirty="0" err="1"/>
               <a:t>account</a:t>
             </a:r>
             <a:r>
-              <a:rPr lang="de-DE" dirty="0" smtClean="0"/>
+              <a:rPr lang="de-DE" dirty="0"/>
               <a:t> </a:t>
             </a:r>
             <a:r>
-              <a:rPr lang="de-DE" dirty="0" err="1" smtClean="0"/>
+              <a:rPr lang="de-DE" dirty="0" err="1"/>
               <a:t>info</a:t>
             </a:r>
             <a:endParaRPr lang="de-DE" dirty="0"/>
@@ -18277,10 +18126,9 @@
           <a:lstStyle/>
           <a:p>
             <a:r>
-              <a:rPr lang="de-DE" dirty="0" smtClean="0"/>
+              <a:rPr lang="de-DE" dirty="0"/>
               <a:t>AZ LOGIN</a:t>
             </a:r>
-            <a:endParaRPr lang="de-DE" dirty="0"/>
           </a:p>
         </p:txBody>
       </p:sp>
@@ -18331,61 +18179,60 @@
           <a:lstStyle/>
           <a:p>
             <a:r>
-              <a:rPr lang="de-DE" dirty="0" err="1" smtClean="0"/>
+              <a:rPr lang="de-DE" dirty="0" err="1"/>
               <a:t>az</a:t>
             </a:r>
             <a:r>
-              <a:rPr lang="de-DE" dirty="0" smtClean="0"/>
+              <a:rPr lang="de-DE" dirty="0"/>
               <a:t> </a:t>
             </a:r>
             <a:r>
-              <a:rPr lang="de-DE" dirty="0" err="1" smtClean="0"/>
+              <a:rPr lang="de-DE" dirty="0" err="1"/>
               <a:t>account</a:t>
             </a:r>
             <a:r>
-              <a:rPr lang="de-DE" dirty="0" smtClean="0"/>
+              <a:rPr lang="de-DE" dirty="0"/>
               <a:t> </a:t>
             </a:r>
             <a:r>
-              <a:rPr lang="de-DE" dirty="0" err="1" smtClean="0"/>
+              <a:rPr lang="de-DE" dirty="0" err="1"/>
               <a:t>list</a:t>
             </a:r>
-            <a:endParaRPr lang="de-DE" dirty="0" smtClean="0"/>
-          </a:p>
-          <a:p>
-            <a:r>
-              <a:rPr lang="de-DE" dirty="0" err="1" smtClean="0"/>
+            <a:endParaRPr lang="de-DE" dirty="0"/>
+          </a:p>
+          <a:p>
+            <a:r>
+              <a:rPr lang="de-DE" dirty="0" err="1"/>
               <a:t>az</a:t>
             </a:r>
             <a:r>
-              <a:rPr lang="de-DE" dirty="0" smtClean="0"/>
+              <a:rPr lang="de-DE" dirty="0"/>
               <a:t> </a:t>
             </a:r>
             <a:r>
-              <a:rPr lang="de-DE" dirty="0" err="1" smtClean="0"/>
+              <a:rPr lang="de-DE" dirty="0" err="1"/>
               <a:t>account</a:t>
             </a:r>
             <a:r>
-              <a:rPr lang="de-DE" dirty="0" smtClean="0"/>
+              <a:rPr lang="de-DE" dirty="0"/>
               <a:t> </a:t>
             </a:r>
             <a:r>
-              <a:rPr lang="de-DE" dirty="0" err="1" smtClean="0"/>
+              <a:rPr lang="de-DE" dirty="0" err="1"/>
               <a:t>set</a:t>
             </a:r>
             <a:r>
-              <a:rPr lang="de-DE" dirty="0" smtClean="0"/>
+              <a:rPr lang="de-DE" dirty="0"/>
               <a:t> --</a:t>
             </a:r>
             <a:r>
-              <a:rPr lang="de-DE" dirty="0" err="1" smtClean="0"/>
+              <a:rPr lang="de-DE" dirty="0" err="1"/>
               <a:t>subscription</a:t>
             </a:r>
             <a:r>
-              <a:rPr lang="de-DE" dirty="0" smtClean="0"/>
+              <a:rPr lang="de-DE" dirty="0"/>
               <a:t> 4c0…465</a:t>
             </a:r>
-            <a:endParaRPr lang="de-DE" dirty="0"/>
           </a:p>
         </p:txBody>
       </p:sp>
@@ -18399,21 +18246,6 @@
   <p:clrMapOvr>
     <a:masterClrMapping/>
   </p:clrMapOvr>
-  <mc:AlternateContent xmlns:mc="http://schemas.openxmlformats.org/markup-compatibility/2006" xmlns:p14="http://schemas.microsoft.com/office/powerpoint/2010/main">
-    <mc:Choice Requires="p14">
-      <p:transition spd="slow" p14:dur="2000"/>
-    </mc:Choice>
-    <mc:Fallback xmlns="">
-      <p:transition spd="slow"/>
-    </mc:Fallback>
-  </mc:AlternateContent>
-  <p:timing>
-    <p:tnLst>
-      <p:par>
-        <p:cTn id="1" dur="indefinite" restart="never" nodeType="tmRoot"/>
-      </p:par>
-    </p:tnLst>
-  </p:timing>
 </p:sld>
 </file>
 
@@ -18544,13 +18376,6 @@
   <p:clrMapOvr>
     <a:masterClrMapping/>
   </p:clrMapOvr>
-  <p:timing>
-    <p:tnLst>
-      <p:par>
-        <p:cTn id="1" dur="indefinite" restart="never" nodeType="tmRoot"/>
-      </p:par>
-    </p:tnLst>
-  </p:timing>
 </p:sld>
 </file>
 
@@ -18624,21 +18449,6 @@
   <p:clrMapOvr>
     <a:masterClrMapping/>
   </p:clrMapOvr>
-  <mc:AlternateContent xmlns:mc="http://schemas.openxmlformats.org/markup-compatibility/2006" xmlns:p14="http://schemas.microsoft.com/office/powerpoint/2010/main">
-    <mc:Choice Requires="p14">
-      <p:transition spd="slow" p14:dur="2000"/>
-    </mc:Choice>
-    <mc:Fallback xmlns="">
-      <p:transition spd="slow"/>
-    </mc:Fallback>
-  </mc:AlternateContent>
-  <p:timing>
-    <p:tnLst>
-      <p:par>
-        <p:cTn id="1" dur="indefinite" restart="never" nodeType="tmRoot"/>
-      </p:par>
-    </p:tnLst>
-  </p:timing>
 </p:sld>
 </file>
 
@@ -18972,13 +18782,6 @@
   <p:transition spd="slow">
     <p:wipe/>
   </p:transition>
-  <p:timing>
-    <p:tnLst>
-      <p:par>
-        <p:cTn id="1" dur="indefinite" restart="never" nodeType="tmRoot"/>
-      </p:par>
-    </p:tnLst>
-  </p:timing>
 </p:sld>
 </file>
 
@@ -19100,10 +18903,18 @@
             <a:r>
               <a:rPr lang="de-DE" b="0" dirty="0">
                 <a:solidFill>
+                  <a:schemeClr val="accent3"/>
+                </a:solidFill>
+              </a:rPr>
+              <a:t>"</a:t>
+            </a:r>
+            <a:r>
+              <a:rPr lang="de-DE" b="0" dirty="0">
+                <a:solidFill>
                   <a:schemeClr val="tx1"/>
                 </a:solidFill>
               </a:rPr>
-              <a:t>„rg01" </a:t>
+              <a:t>rg01" </a:t>
             </a:r>
             <a:r>
               <a:rPr lang="de-DE" b="0" dirty="0">
@@ -19128,15 +18939,15 @@
               <a:t> = </a:t>
             </a:r>
             <a:r>
-              <a:rPr lang="de-DE" b="0" dirty="0" smtClean="0">
+              <a:rPr lang="de-DE" b="0" dirty="0">
                 <a:solidFill>
                   <a:schemeClr val="accent2"/>
                 </a:solidFill>
               </a:rPr>
-              <a:t>„</a:t>
-            </a:r>
-            <a:r>
-              <a:rPr lang="de-DE" b="0" dirty="0" err="1" smtClean="0">
+              <a:t>"</a:t>
+            </a:r>
+            <a:r>
+              <a:rPr lang="de-DE" b="0" dirty="0" err="1">
                 <a:solidFill>
                   <a:schemeClr val="accent2"/>
                 </a:solidFill>
@@ -19276,13 +19087,6 @@
   <p:clrMapOvr>
     <a:masterClrMapping/>
   </p:clrMapOvr>
-  <p:timing>
-    <p:tnLst>
-      <p:par>
-        <p:cTn id="1" dur="indefinite" restart="never" nodeType="tmRoot"/>
-      </p:par>
-    </p:tnLst>
-  </p:timing>
 </p:sld>
 </file>
 
@@ -19648,23 +19452,33 @@
                   <a:schemeClr val="bg2"/>
                 </a:solidFill>
               </a:rPr>
-              <a:t> = </a:t>
-            </a:r>
-            <a:r>
-              <a:rPr lang="de-DE" b="0" dirty="0" smtClean="0">
+              <a:t> = „</a:t>
+            </a:r>
+            <a:r>
+              <a:rPr lang="de-DE" b="0" dirty="0" err="1">
                 <a:solidFill>
                   <a:schemeClr val="bg2"/>
                 </a:solidFill>
               </a:rPr>
-              <a:t>„</a:t>
-            </a:r>
-            <a:r>
-              <a:rPr lang="de-DE" b="0" dirty="0" err="1" smtClean="0">
+              <a:t>wsrg</a:t>
+            </a:r>
+            <a:r>
+              <a:rPr lang="de-DE" b="0" dirty="0">
                 <a:solidFill>
                   <a:schemeClr val="bg2"/>
                 </a:solidFill>
               </a:rPr>
-              <a:t>wsrg</a:t>
+              <a:t>$$"</a:t>
+            </a:r>
+          </a:p>
+          <a:p>
+            <a:r>
+              <a:rPr lang="de-DE" b="0" dirty="0" err="1">
+                <a:solidFill>
+                  <a:schemeClr val="bg2"/>
+                </a:solidFill>
+              </a:rPr>
+              <a:t>location</a:t>
             </a:r>
             <a:r>
               <a:rPr lang="de-DE" b="0" dirty="0">
@@ -19672,17 +19486,15 @@
                   <a:schemeClr val="bg2"/>
                 </a:solidFill>
               </a:rPr>
-              <a:t>$$"</a:t>
-            </a:r>
-          </a:p>
-          <a:p>
+              <a:t> = „</a:t>
+            </a:r>
             <a:r>
               <a:rPr lang="de-DE" b="0" dirty="0" err="1">
                 <a:solidFill>
                   <a:schemeClr val="bg2"/>
                 </a:solidFill>
               </a:rPr>
-              <a:t>location</a:t>
+              <a:t>westeurope</a:t>
             </a:r>
             <a:r>
               <a:rPr lang="de-DE" b="0" dirty="0">
@@ -19690,22 +19502,6 @@
                   <a:schemeClr val="bg2"/>
                 </a:solidFill>
               </a:rPr>
-              <a:t> = „</a:t>
-            </a:r>
-            <a:r>
-              <a:rPr lang="de-DE" b="0" dirty="0" err="1">
-                <a:solidFill>
-                  <a:schemeClr val="bg2"/>
-                </a:solidFill>
-              </a:rPr>
-              <a:t>westeurope</a:t>
-            </a:r>
-            <a:r>
-              <a:rPr lang="de-DE" b="0" dirty="0">
-                <a:solidFill>
-                  <a:schemeClr val="bg2"/>
-                </a:solidFill>
-              </a:rPr>
               <a:t>“</a:t>
             </a:r>
           </a:p>
@@ -19724,30 +19520,33 @@
                   <a:schemeClr val="accent2"/>
                 </a:solidFill>
               </a:rPr>
-              <a:t> </a:t>
-            </a:r>
-            <a:r>
-              <a:rPr lang="en-US" b="0" dirty="0" smtClean="0">
+              <a:t> = {</a:t>
+            </a:r>
+          </a:p>
+          <a:p>
+            <a:r>
+              <a:rPr lang="en-US" b="0" dirty="0">
                 <a:solidFill>
                   <a:schemeClr val="accent2"/>
                 </a:solidFill>
               </a:rPr>
-              <a:t>= {</a:t>
-            </a:r>
-            <a:endParaRPr lang="en-US" b="0" dirty="0">
-              <a:solidFill>
-                <a:schemeClr val="accent2"/>
-              </a:solidFill>
-            </a:endParaRPr>
-          </a:p>
-          <a:p>
+              <a:t>  </a:t>
+            </a:r>
+            <a:r>
+              <a:rPr lang="en-US" b="0" dirty="0" err="1">
+                <a:solidFill>
+                  <a:schemeClr val="accent2"/>
+                </a:solidFill>
+              </a:rPr>
+              <a:t>Umgebung</a:t>
+            </a:r>
             <a:r>
               <a:rPr lang="en-US" b="0" dirty="0">
                 <a:solidFill>
                   <a:schemeClr val="accent2"/>
                 </a:solidFill>
               </a:rPr>
-              <a:t>  </a:t>
+              <a:t> = “</a:t>
             </a:r>
             <a:r>
               <a:rPr lang="en-US" b="0" dirty="0" err="1">
@@ -19755,7 +19554,7 @@
                   <a:schemeClr val="accent2"/>
                 </a:solidFill>
               </a:rPr>
-              <a:t>Umgebung</a:t>
+              <a:t>WorkShop</a:t>
             </a:r>
             <a:r>
               <a:rPr lang="en-US" b="0" dirty="0">
@@ -19763,76 +19562,34 @@
                   <a:schemeClr val="accent2"/>
                 </a:solidFill>
               </a:rPr>
-              <a:t> = </a:t>
-            </a:r>
-            <a:r>
-              <a:rPr lang="en-US" b="0" dirty="0" smtClean="0">
+              <a:t>"</a:t>
+            </a:r>
+          </a:p>
+          <a:p>
+            <a:r>
+              <a:rPr lang="en-US" b="0" dirty="0">
                 <a:solidFill>
                   <a:schemeClr val="accent2"/>
                 </a:solidFill>
               </a:rPr>
-              <a:t>“</a:t>
-            </a:r>
-            <a:r>
-              <a:rPr lang="en-US" b="0" dirty="0" err="1" smtClean="0">
+              <a:t>  Name = “</a:t>
+            </a:r>
+            <a:r>
+              <a:rPr lang="en-US" b="0" dirty="0" err="1">
                 <a:solidFill>
                   <a:schemeClr val="accent2"/>
                 </a:solidFill>
               </a:rPr>
-              <a:t>WorkShop</a:t>
-            </a:r>
-            <a:r>
-              <a:rPr lang="en-US" b="0" dirty="0" smtClean="0">
+              <a:t>Placenamehere</a:t>
+            </a:r>
+            <a:r>
+              <a:rPr lang="en-US" b="0" dirty="0">
                 <a:solidFill>
                   <a:schemeClr val="accent2"/>
                 </a:solidFill>
               </a:rPr>
               <a:t>"</a:t>
             </a:r>
-            <a:endParaRPr lang="en-US" b="0" dirty="0">
-              <a:solidFill>
-                <a:schemeClr val="accent2"/>
-              </a:solidFill>
-            </a:endParaRPr>
-          </a:p>
-          <a:p>
-            <a:r>
-              <a:rPr lang="en-US" b="0" dirty="0">
-                <a:solidFill>
-                  <a:schemeClr val="accent2"/>
-                </a:solidFill>
-              </a:rPr>
-              <a:t>  Name = </a:t>
-            </a:r>
-            <a:r>
-              <a:rPr lang="en-US" b="0" dirty="0" smtClean="0">
-                <a:solidFill>
-                  <a:schemeClr val="accent2"/>
-                </a:solidFill>
-              </a:rPr>
-              <a:t>“</a:t>
-            </a:r>
-            <a:r>
-              <a:rPr lang="en-US" b="0" dirty="0" err="1" smtClean="0">
-                <a:solidFill>
-                  <a:schemeClr val="accent2"/>
-                </a:solidFill>
-              </a:rPr>
-              <a:t>Placenamehere</a:t>
-            </a:r>
-            <a:r>
-              <a:rPr lang="en-US" b="0" dirty="0" smtClean="0">
-                <a:solidFill>
-                  <a:schemeClr val="accent2"/>
-                </a:solidFill>
-              </a:rPr>
-              <a:t>"</a:t>
-            </a:r>
-            <a:endParaRPr lang="en-US" b="0" dirty="0">
-              <a:solidFill>
-                <a:schemeClr val="accent2"/>
-              </a:solidFill>
-            </a:endParaRPr>
           </a:p>
           <a:p>
             <a:r>
@@ -19927,21 +19684,6 @@
   <p:clrMapOvr>
     <a:masterClrMapping/>
   </p:clrMapOvr>
-  <mc:AlternateContent xmlns:mc="http://schemas.openxmlformats.org/markup-compatibility/2006" xmlns:p14="http://schemas.microsoft.com/office/powerpoint/2010/main">
-    <mc:Choice Requires="p14">
-      <p:transition spd="slow" p14:dur="2000"/>
-    </mc:Choice>
-    <mc:Fallback xmlns="">
-      <p:transition spd="slow"/>
-    </mc:Fallback>
-  </mc:AlternateContent>
-  <p:timing>
-    <p:tnLst>
-      <p:par>
-        <p:cTn id="1" dur="indefinite" restart="never" nodeType="tmRoot"/>
-      </p:par>
-    </p:tnLst>
-  </p:timing>
 </p:sld>
 </file>
 
@@ -20088,14 +19830,6 @@
   <p:clrMapOvr>
     <a:masterClrMapping/>
   </p:clrMapOvr>
-  <mc:AlternateContent xmlns:mc="http://schemas.openxmlformats.org/markup-compatibility/2006" xmlns:p14="http://schemas.microsoft.com/office/powerpoint/2010/main">
-    <mc:Choice Requires="p14">
-      <p:transition spd="slow" p14:dur="2000"/>
-    </mc:Choice>
-    <mc:Fallback xmlns="">
-      <p:transition spd="slow"/>
-    </mc:Fallback>
-  </mc:AlternateContent>
   <p:timing>
     <p:tnLst>
       <p:par>
@@ -20301,18 +20035,10 @@
                   <a:schemeClr val="bg2"/>
                 </a:solidFill>
               </a:rPr>
-              <a:t> = </a:t>
-            </a:r>
-            <a:r>
-              <a:rPr lang="de-DE" b="0" dirty="0" smtClean="0">
-                <a:solidFill>
-                  <a:schemeClr val="bg2"/>
-                </a:solidFill>
-              </a:rPr>
-              <a:t>„</a:t>
-            </a:r>
-            <a:r>
-              <a:rPr lang="de-DE" b="0" dirty="0" err="1" smtClean="0">
+              <a:t> = „</a:t>
+            </a:r>
+            <a:r>
+              <a:rPr lang="de-DE" b="0" dirty="0" err="1">
                 <a:solidFill>
                   <a:schemeClr val="bg2"/>
                 </a:solidFill>
@@ -20456,13 +20182,6 @@
   <p:clrMapOvr>
     <a:masterClrMapping/>
   </p:clrMapOvr>
-  <p:timing>
-    <p:tnLst>
-      <p:par>
-        <p:cTn id="1" dur="indefinite" restart="never" nodeType="tmRoot"/>
-      </p:par>
-    </p:tnLst>
-  </p:timing>
 </p:sld>
 </file>
 
@@ -20814,18 +20533,10 @@
                   <a:schemeClr val="bg2"/>
                 </a:solidFill>
               </a:rPr>
-              <a:t> = </a:t>
-            </a:r>
-            <a:r>
-              <a:rPr lang="de-DE" b="0" dirty="0" smtClean="0">
-                <a:solidFill>
-                  <a:schemeClr val="bg2"/>
-                </a:solidFill>
-              </a:rPr>
-              <a:t>„</a:t>
-            </a:r>
-            <a:r>
-              <a:rPr lang="de-DE" b="0" dirty="0" err="1" smtClean="0">
+              <a:t> = „</a:t>
+            </a:r>
+            <a:r>
+              <a:rPr lang="de-DE" b="0" dirty="0" err="1">
                 <a:solidFill>
                   <a:schemeClr val="bg2"/>
                 </a:solidFill>
@@ -20953,13 +20664,6 @@
   <p:clrMapOvr>
     <a:masterClrMapping/>
   </p:clrMapOvr>
-  <p:timing>
-    <p:tnLst>
-      <p:par>
-        <p:cTn id="1" dur="indefinite" restart="never" nodeType="tmRoot"/>
-      </p:par>
-    </p:tnLst>
-  </p:timing>
 </p:sld>
 </file>
 
@@ -21093,20 +20797,12 @@
               <a:t> = </a:t>
             </a:r>
             <a:r>
-              <a:rPr lang="de-DE" b="0" dirty="0" smtClean="0">
+              <a:rPr lang="de-DE" b="0" dirty="0">
                 <a:solidFill>
                   <a:schemeClr val="accent2"/>
                 </a:solidFill>
               </a:rPr>
-              <a:t>„wsvnet01</a:t>
-            </a:r>
-            <a:r>
-              <a:rPr lang="de-DE" b="0" dirty="0">
-                <a:solidFill>
-                  <a:schemeClr val="accent2"/>
-                </a:solidFill>
-              </a:rPr>
-              <a:t>"</a:t>
+              <a:t>„wsvnet01"</a:t>
             </a:r>
           </a:p>
           <a:p>
@@ -21131,7 +20827,7 @@
               <a:t>= </a:t>
             </a:r>
             <a:r>
-              <a:rPr lang="de-DE" b="0" dirty="0" smtClean="0">
+              <a:rPr lang="de-DE" b="0" dirty="0">
                 <a:solidFill>
                   <a:schemeClr val="accent2"/>
                 </a:solidFill>
@@ -21139,7 +20835,7 @@
               <a:t>„</a:t>
             </a:r>
             <a:r>
-              <a:rPr lang="de-DE" b="0" dirty="0" err="1" smtClean="0">
+              <a:rPr lang="de-DE" b="0" dirty="0" err="1">
                 <a:solidFill>
                   <a:schemeClr val="accent2"/>
                 </a:solidFill>
@@ -21177,7 +20873,7 @@
               <a:t> = </a:t>
             </a:r>
             <a:r>
-              <a:rPr lang="de-DE" b="0" dirty="0" smtClean="0">
+              <a:rPr lang="de-DE" b="0" dirty="0">
                 <a:solidFill>
                   <a:schemeClr val="accent5"/>
                 </a:solidFill>
@@ -21185,7 +20881,7 @@
               <a:t>[</a:t>
             </a:r>
             <a:r>
-              <a:rPr lang="de-DE" b="0" dirty="0" smtClean="0">
+              <a:rPr lang="de-DE" b="0" dirty="0">
                 <a:solidFill>
                   <a:schemeClr val="accent2"/>
                 </a:solidFill>
@@ -21193,7 +20889,7 @@
               <a:t>„10.</a:t>
             </a:r>
             <a:r>
-              <a:rPr lang="de-DE" b="0" dirty="0" smtClean="0">
+              <a:rPr lang="de-DE" b="0" dirty="0">
                 <a:solidFill>
                   <a:schemeClr val="bg2"/>
                 </a:solidFill>
@@ -21201,7 +20897,7 @@
               <a:t>$$</a:t>
             </a:r>
             <a:r>
-              <a:rPr lang="de-DE" b="0" dirty="0" smtClean="0">
+              <a:rPr lang="de-DE" b="0" dirty="0">
                 <a:solidFill>
                   <a:schemeClr val="accent2"/>
                 </a:solidFill>
@@ -21209,18 +20905,13 @@
               <a:t>.0.0/16"</a:t>
             </a:r>
             <a:r>
-              <a:rPr lang="de-DE" b="0" dirty="0" smtClean="0">
+              <a:rPr lang="de-DE" b="0" dirty="0">
                 <a:solidFill>
                   <a:schemeClr val="accent5"/>
                 </a:solidFill>
               </a:rPr>
               <a:t>]</a:t>
             </a:r>
-            <a:endParaRPr lang="de-DE" b="0" dirty="0">
-              <a:solidFill>
-                <a:schemeClr val="accent5"/>
-              </a:solidFill>
-            </a:endParaRPr>
           </a:p>
           <a:p>
             <a:r>
@@ -21338,13 +21029,6 @@
   <p:clrMapOvr>
     <a:masterClrMapping/>
   </p:clrMapOvr>
-  <p:timing>
-    <p:tnLst>
-      <p:par>
-        <p:cTn id="1" dur="indefinite" restart="never" nodeType="tmRoot"/>
-      </p:par>
-    </p:tnLst>
-  </p:timing>
 </p:sld>
 </file>
 
@@ -21794,7 +21478,7 @@
               <a:t> </a:t>
             </a:r>
             <a:r>
-              <a:rPr lang="de-DE" b="0" dirty="0" err="1" smtClean="0">
+              <a:rPr lang="de-DE" b="0" dirty="0" err="1">
                 <a:solidFill>
                   <a:schemeClr val="accent2"/>
                 </a:solidFill>
@@ -21867,7 +21551,7 @@
               <a:t> </a:t>
             </a:r>
             <a:r>
-              <a:rPr lang="de-DE" b="0" dirty="0" err="1" smtClean="0">
+              <a:rPr lang="de-DE" b="0" dirty="0" err="1">
                 <a:solidFill>
                   <a:schemeClr val="accent2"/>
                 </a:solidFill>
@@ -22179,13 +21863,6 @@
   <p:clrMapOvr>
     <a:masterClrMapping/>
   </p:clrMapOvr>
-  <p:timing>
-    <p:tnLst>
-      <p:par>
-        <p:cTn id="1" dur="indefinite" restart="never" nodeType="tmRoot"/>
-      </p:par>
-    </p:tnLst>
-  </p:timing>
 </p:sld>
 </file>
 
@@ -22248,7 +21925,7 @@
               <a:buChar char="•"/>
             </a:pPr>
             <a:r>
-              <a:rPr lang="en-US" dirty="0" smtClean="0"/>
+              <a:rPr lang="en-US" dirty="0"/>
               <a:t>Cloud brings the necessity of a new operation approach</a:t>
             </a:r>
           </a:p>
@@ -22258,14 +21935,14 @@
               <a:buChar char="•"/>
             </a:pPr>
             <a:r>
-              <a:rPr lang="en-US" dirty="0" smtClean="0"/>
+              <a:rPr lang="en-US" dirty="0"/>
               <a:t>High agility and team work needs to be </a:t>
             </a:r>
             <a:r>
-              <a:rPr lang="en-US" dirty="0" err="1" smtClean="0"/>
+              <a:rPr lang="en-US" dirty="0" err="1"/>
               <a:t>reviewd</a:t>
             </a:r>
-            <a:endParaRPr lang="en-US" dirty="0" smtClean="0"/>
+            <a:endParaRPr lang="en-US" dirty="0"/>
           </a:p>
           <a:p>
             <a:pPr marL="285750" indent="-285750">
@@ -22273,7 +21950,7 @@
               <a:buChar char="•"/>
             </a:pPr>
             <a:r>
-              <a:rPr lang="en-US" dirty="0" smtClean="0"/>
+              <a:rPr lang="en-US" dirty="0"/>
               <a:t>Documentation should be made easy</a:t>
             </a:r>
           </a:p>
@@ -22283,15 +21960,15 @@
               <a:buChar char="•"/>
             </a:pPr>
             <a:r>
-              <a:rPr lang="en-US" dirty="0" smtClean="0"/>
+              <a:rPr lang="en-US" dirty="0"/>
               <a:t>Integration in </a:t>
             </a:r>
             <a:r>
-              <a:rPr lang="en-US" dirty="0" err="1" smtClean="0"/>
+              <a:rPr lang="en-US" dirty="0" err="1"/>
               <a:t>DevSecOps</a:t>
             </a:r>
             <a:r>
-              <a:rPr lang="en-US" dirty="0" smtClean="0"/>
+              <a:rPr lang="en-US" dirty="0"/>
               <a:t> processes necessary</a:t>
             </a:r>
           </a:p>
@@ -22301,7 +21978,7 @@
               <a:buChar char="•"/>
             </a:pPr>
             <a:r>
-              <a:rPr lang="en-US" dirty="0" smtClean="0"/>
+              <a:rPr lang="en-US" dirty="0"/>
               <a:t>Trackable, reproducible, automatable processes</a:t>
             </a:r>
           </a:p>
@@ -22311,7 +21988,7 @@
               <a:buChar char="•"/>
             </a:pPr>
             <a:r>
-              <a:rPr lang="en-US" dirty="0" smtClean="0"/>
+              <a:rPr lang="en-US" dirty="0"/>
               <a:t>Unified easy to learn language</a:t>
             </a:r>
           </a:p>
@@ -22321,7 +21998,7 @@
               <a:buChar char="•"/>
             </a:pPr>
             <a:r>
-              <a:rPr lang="en-US" dirty="0" smtClean="0"/>
+              <a:rPr lang="en-US" dirty="0"/>
               <a:t>Supporting current IT situation: Hybrid, Private &amp; Public Cloud</a:t>
             </a:r>
           </a:p>
@@ -22331,10 +22008,9 @@
               <a:buChar char="•"/>
             </a:pPr>
             <a:r>
-              <a:rPr lang="en-US" dirty="0" smtClean="0"/>
+              <a:rPr lang="en-US" dirty="0"/>
               <a:t>High compatibility to other tools</a:t>
             </a:r>
-            <a:endParaRPr lang="en-US" dirty="0"/>
           </a:p>
         </p:txBody>
       </p:sp>
@@ -22373,26 +22049,25 @@
           <a:lstStyle/>
           <a:p>
             <a:r>
-              <a:rPr lang="en-US" dirty="0" smtClean="0"/>
+              <a:rPr lang="en-US" dirty="0"/>
               <a:t>=&gt; </a:t>
             </a:r>
             <a:r>
-              <a:rPr lang="en-US" dirty="0" err="1" smtClean="0"/>
+              <a:rPr lang="en-US" dirty="0" err="1"/>
               <a:t>HashiCorp</a:t>
             </a:r>
             <a:r>
-              <a:rPr lang="en-US" dirty="0" smtClean="0"/>
+              <a:rPr lang="en-US" dirty="0"/>
               <a:t> Terraform enables you to achieve modern </a:t>
             </a:r>
             <a:r>
-              <a:rPr lang="en-US" dirty="0" err="1" smtClean="0"/>
+              <a:rPr lang="en-US" dirty="0" err="1"/>
               <a:t>DevSecOps</a:t>
             </a:r>
             <a:r>
-              <a:rPr lang="en-US" dirty="0" smtClean="0"/>
+              <a:rPr lang="en-US" dirty="0"/>
               <a:t> </a:t>
             </a:r>
-            <a:endParaRPr lang="en-US" dirty="0"/>
           </a:p>
         </p:txBody>
       </p:sp>
@@ -22412,22 +22087,17 @@
           <a:lstStyle/>
           <a:p>
             <a:r>
-              <a:rPr lang="en-US" dirty="0" smtClean="0"/>
-              <a:t>The road to </a:t>
-            </a:r>
-            <a:r>
-              <a:rPr lang="en-US" dirty="0" smtClean="0"/>
-              <a:t>terraform – why </a:t>
-            </a:r>
-            <a:r>
-              <a:rPr lang="en-US" dirty="0" err="1" smtClean="0"/>
+              <a:rPr lang="en-US" dirty="0"/>
+              <a:t>The road to terraform – why </a:t>
+            </a:r>
+            <a:r>
+              <a:rPr lang="en-US" dirty="0" err="1"/>
               <a:t>IaC</a:t>
             </a:r>
             <a:r>
-              <a:rPr lang="en-US" dirty="0" smtClean="0"/>
+              <a:rPr lang="en-US" dirty="0"/>
               <a:t> is the way </a:t>
             </a:r>
-            <a:endParaRPr lang="en-US" dirty="0"/>
           </a:p>
         </p:txBody>
       </p:sp>
@@ -22591,7 +22261,7 @@
               <a:t> </a:t>
             </a:r>
             <a:r>
-              <a:rPr lang="de-DE" b="0" dirty="0" err="1" smtClean="0">
+              <a:rPr lang="de-DE" b="0" dirty="0" err="1">
                 <a:solidFill>
                   <a:schemeClr val="accent2"/>
                 </a:solidFill>
@@ -22600,22 +22270,13 @@
               <a:t>var.subscription_id</a:t>
             </a:r>
             <a:r>
-              <a:rPr lang="de-DE" b="0" dirty="0" smtClean="0">
+              <a:rPr lang="de-DE" b="0" dirty="0">
                 <a:solidFill>
                   <a:schemeClr val="accent2"/>
                 </a:solidFill>
                 <a:sym typeface="Wingdings" panose="05000000000000000000" pitchFamily="2" charset="2"/>
               </a:rPr>
-              <a:t> </a:t>
-            </a:r>
-            <a:r>
-              <a:rPr lang="de-DE" b="0" dirty="0">
-                <a:solidFill>
-                  <a:schemeClr val="accent2"/>
-                </a:solidFill>
-                <a:sym typeface="Wingdings" panose="05000000000000000000" pitchFamily="2" charset="2"/>
-              </a:rPr>
-              <a:t>	 </a:t>
+              <a:t> 	 </a:t>
             </a:r>
             <a:r>
               <a:rPr lang="de-DE" b="0" dirty="0" err="1">
@@ -22690,7 +22351,7 @@
               <a:t> </a:t>
             </a:r>
             <a:r>
-              <a:rPr lang="de-DE" b="0" dirty="0" err="1" smtClean="0">
+              <a:rPr lang="de-DE" b="0" dirty="0" err="1">
                 <a:solidFill>
                   <a:schemeClr val="accent2"/>
                 </a:solidFill>
@@ -22699,22 +22360,13 @@
               <a:t>var.tenant_id</a:t>
             </a:r>
             <a:r>
-              <a:rPr lang="de-DE" b="0" dirty="0" smtClean="0">
+              <a:rPr lang="de-DE" b="0" dirty="0">
                 <a:solidFill>
                   <a:schemeClr val="accent2"/>
                 </a:solidFill>
                 <a:sym typeface="Wingdings" panose="05000000000000000000" pitchFamily="2" charset="2"/>
               </a:rPr>
-              <a:t>    </a:t>
-            </a:r>
-            <a:r>
-              <a:rPr lang="de-DE" b="0" dirty="0">
-                <a:solidFill>
-                  <a:schemeClr val="accent2"/>
-                </a:solidFill>
-                <a:sym typeface="Wingdings" panose="05000000000000000000" pitchFamily="2" charset="2"/>
-              </a:rPr>
-              <a:t>	 </a:t>
+              <a:t>    	 </a:t>
             </a:r>
             <a:r>
               <a:rPr lang="de-DE" b="0" dirty="0" err="1">
@@ -23028,21 +22680,6 @@
   <p:clrMapOvr>
     <a:masterClrMapping/>
   </p:clrMapOvr>
-  <mc:AlternateContent xmlns:mc="http://schemas.openxmlformats.org/markup-compatibility/2006" xmlns:p14="http://schemas.microsoft.com/office/powerpoint/2010/main">
-    <mc:Choice Requires="p14">
-      <p:transition spd="slow" p14:dur="2000"/>
-    </mc:Choice>
-    <mc:Fallback xmlns="">
-      <p:transition spd="slow"/>
-    </mc:Fallback>
-  </mc:AlternateContent>
-  <p:timing>
-    <p:tnLst>
-      <p:par>
-        <p:cTn id="1" dur="indefinite" restart="never" nodeType="tmRoot"/>
-      </p:par>
-    </p:tnLst>
-  </p:timing>
 </p:sld>
 </file>
 
@@ -23312,7 +22949,7 @@
               <a:t> = </a:t>
             </a:r>
             <a:r>
-              <a:rPr lang="de-DE" b="0" dirty="0" smtClean="0">
+              <a:rPr lang="de-DE" b="0" dirty="0">
                 <a:solidFill>
                   <a:schemeClr val="accent2"/>
                 </a:solidFill>
@@ -23320,7 +22957,7 @@
               <a:t>„</a:t>
             </a:r>
             <a:r>
-              <a:rPr lang="de-DE" b="0" dirty="0" err="1" smtClean="0">
+              <a:rPr lang="de-DE" b="0" dirty="0" err="1">
                 <a:solidFill>
                   <a:schemeClr val="accent2"/>
                 </a:solidFill>
@@ -23358,14 +22995,14 @@
               <a:t> = </a:t>
             </a:r>
             <a:r>
-              <a:rPr lang="de-DE" b="0" dirty="0" err="1" smtClean="0">
+              <a:rPr lang="de-DE" b="0" dirty="0" err="1">
                 <a:solidFill>
                   <a:schemeClr val="accent2"/>
                 </a:solidFill>
               </a:rPr>
               <a:t>var.location</a:t>
             </a:r>
-            <a:endParaRPr lang="de-DE" b="0" dirty="0" smtClean="0">
+            <a:endParaRPr lang="de-DE" b="0" dirty="0">
               <a:solidFill>
                 <a:schemeClr val="accent2"/>
               </a:solidFill>
@@ -23373,18 +23010,13 @@
           </a:p>
           <a:p>
             <a:r>
-              <a:rPr lang="de-DE" b="0" dirty="0" smtClean="0">
+              <a:rPr lang="de-DE" b="0" dirty="0">
                 <a:solidFill>
                   <a:schemeClr val="accent5"/>
                 </a:solidFill>
               </a:rPr>
               <a:t>}</a:t>
             </a:r>
-            <a:endParaRPr lang="de-DE" b="0" dirty="0">
-              <a:solidFill>
-                <a:schemeClr val="accent5"/>
-              </a:solidFill>
-            </a:endParaRPr>
           </a:p>
           <a:p>
             <a:pPr marL="285750" indent="-285750">
@@ -23745,57 +23377,49 @@
               <a:t> = </a:t>
             </a:r>
             <a:r>
-              <a:rPr lang="de-DE" b="0" dirty="0" smtClean="0">
+              <a:rPr lang="de-DE" b="0" dirty="0">
                 <a:solidFill>
                   <a:schemeClr val="accent2"/>
                 </a:solidFill>
               </a:rPr>
-              <a:t>„wsvnet01</a:t>
+              <a:t>„wsvnet01"</a:t>
+            </a:r>
+          </a:p>
+          <a:p>
+            <a:r>
+              <a:rPr lang="de-DE" b="0" dirty="0" err="1">
+                <a:solidFill>
+                  <a:schemeClr val="tx2"/>
+                </a:solidFill>
+              </a:rPr>
+              <a:t>resource_group_name</a:t>
             </a:r>
             <a:r>
               <a:rPr lang="de-DE" b="0" dirty="0">
                 <a:solidFill>
+                  <a:schemeClr val="tx2"/>
+                </a:solidFill>
+              </a:rPr>
+              <a:t> </a:t>
+            </a:r>
+            <a:r>
+              <a:rPr lang="de-DE" b="0" dirty="0">
+                <a:solidFill>
+                  <a:schemeClr val="accent1"/>
+                </a:solidFill>
+              </a:rPr>
+              <a:t>= </a:t>
+            </a:r>
+            <a:r>
+              <a:rPr lang="de-DE" b="0" dirty="0">
+                <a:solidFill>
                   <a:schemeClr val="accent2"/>
                 </a:solidFill>
               </a:rPr>
-              <a:t>"</a:t>
-            </a:r>
-          </a:p>
-          <a:p>
+              <a:t>„</a:t>
+            </a:r>
             <a:r>
               <a:rPr lang="de-DE" b="0" dirty="0" err="1">
-                <a:solidFill>
-                  <a:schemeClr val="tx2"/>
-                </a:solidFill>
-              </a:rPr>
-              <a:t>resource_group_name</a:t>
-            </a:r>
-            <a:r>
-              <a:rPr lang="de-DE" b="0" dirty="0">
-                <a:solidFill>
-                  <a:schemeClr val="tx2"/>
-                </a:solidFill>
-              </a:rPr>
-              <a:t> </a:t>
-            </a:r>
-            <a:r>
-              <a:rPr lang="de-DE" b="0" dirty="0">
-                <a:solidFill>
-                  <a:schemeClr val="accent1"/>
-                </a:solidFill>
-              </a:rPr>
-              <a:t>= </a:t>
-            </a:r>
-            <a:r>
-              <a:rPr lang="de-DE" b="0" dirty="0" smtClean="0">
-                <a:solidFill>
-                  <a:schemeClr val="accent2"/>
-                </a:solidFill>
-              </a:rPr>
-              <a:t>„</a:t>
-            </a:r>
-            <a:r>
-              <a:rPr lang="de-DE" b="0" dirty="0" err="1" smtClean="0">
                 <a:solidFill>
                   <a:schemeClr val="accent2"/>
                 </a:solidFill>
@@ -23849,18 +23473,13 @@
               <a:t> </a:t>
             </a:r>
             <a:r>
-              <a:rPr lang="en-US" b="0" dirty="0" smtClean="0">
+              <a:rPr lang="en-US" b="0" dirty="0">
                 <a:solidFill>
                   <a:schemeClr val="accent2"/>
                 </a:solidFill>
               </a:rPr>
               <a:t>azurerm_resource_group.rg01.name</a:t>
             </a:r>
-            <a:endParaRPr lang="en-US" b="0" dirty="0">
-              <a:solidFill>
-                <a:schemeClr val="accent2"/>
-              </a:solidFill>
-            </a:endParaRPr>
           </a:p>
           <a:p>
             <a:endParaRPr lang="de-DE" b="0" dirty="0">
@@ -23895,7 +23514,7 @@
               <a:t> </a:t>
             </a:r>
             <a:r>
-              <a:rPr lang="de-DE" b="0" dirty="0" smtClean="0">
+              <a:rPr lang="de-DE" b="0" dirty="0">
                 <a:solidFill>
                   <a:schemeClr val="accent5"/>
                 </a:solidFill>
@@ -23903,7 +23522,7 @@
               <a:t>[</a:t>
             </a:r>
             <a:r>
-              <a:rPr lang="de-DE" b="0" dirty="0" smtClean="0">
+              <a:rPr lang="de-DE" b="0" dirty="0">
                 <a:solidFill>
                   <a:schemeClr val="accent2"/>
                 </a:solidFill>
@@ -23911,7 +23530,7 @@
               <a:t>„10.</a:t>
             </a:r>
             <a:r>
-              <a:rPr lang="de-DE" b="0" dirty="0" smtClean="0">
+              <a:rPr lang="de-DE" b="0" dirty="0">
                 <a:solidFill>
                   <a:schemeClr val="bg2"/>
                 </a:solidFill>
@@ -23919,7 +23538,7 @@
               <a:t>$$</a:t>
             </a:r>
             <a:r>
-              <a:rPr lang="de-DE" b="0" dirty="0" smtClean="0">
+              <a:rPr lang="de-DE" b="0" dirty="0">
                 <a:solidFill>
                   <a:schemeClr val="accent2"/>
                 </a:solidFill>
@@ -23927,18 +23546,13 @@
               <a:t>.0.0/16"</a:t>
             </a:r>
             <a:r>
-              <a:rPr lang="de-DE" b="0" dirty="0" smtClean="0">
+              <a:rPr lang="de-DE" b="0" dirty="0">
                 <a:solidFill>
                   <a:schemeClr val="accent5"/>
                 </a:solidFill>
               </a:rPr>
               <a:t>]</a:t>
             </a:r>
-            <a:endParaRPr lang="de-DE" b="0" dirty="0">
-              <a:solidFill>
-                <a:schemeClr val="accent5"/>
-              </a:solidFill>
-            </a:endParaRPr>
           </a:p>
           <a:p>
             <a:r>
@@ -24025,18 +23639,13 @@
               <a:t> </a:t>
             </a:r>
             <a:r>
-              <a:rPr lang="de-DE" b="0" dirty="0" smtClean="0">
+              <a:rPr lang="de-DE" b="0" dirty="0">
                 <a:solidFill>
                   <a:schemeClr val="accent2"/>
                 </a:solidFill>
               </a:rPr>
               <a:t>azurerm_resource_group.rg01.location</a:t>
             </a:r>
-            <a:endParaRPr lang="de-DE" b="0" dirty="0">
-              <a:solidFill>
-                <a:schemeClr val="accent2"/>
-              </a:solidFill>
-            </a:endParaRPr>
           </a:p>
           <a:p>
             <a:endParaRPr lang="de-DE" b="0" dirty="0">
@@ -24160,13 +23769,6 @@
   <p:clrMapOvr>
     <a:masterClrMapping/>
   </p:clrMapOvr>
-  <p:timing>
-    <p:tnLst>
-      <p:par>
-        <p:cTn id="1" dur="indefinite" restart="never" nodeType="tmRoot"/>
-      </p:par>
-    </p:tnLst>
-  </p:timing>
 </p:sld>
 </file>
 
@@ -24549,7 +24151,7 @@
               <a:t>= </a:t>
             </a:r>
             <a:r>
-              <a:rPr lang="de-DE" b="0" smtClean="0">
+              <a:rPr lang="de-DE" b="0">
                 <a:solidFill>
                   <a:schemeClr val="accent2"/>
                 </a:solidFill>
@@ -24595,18 +24197,13 @@
               <a:t> </a:t>
             </a:r>
             <a:r>
-              <a:rPr lang="en-US" b="0" dirty="0" smtClean="0">
+              <a:rPr lang="en-US" b="0" dirty="0">
                 <a:solidFill>
                   <a:schemeClr val="accent2"/>
                 </a:solidFill>
               </a:rPr>
               <a:t>azurerm_resource_group.rg01.name</a:t>
             </a:r>
-            <a:endParaRPr lang="en-US" b="0" dirty="0">
-              <a:solidFill>
-                <a:schemeClr val="accent2"/>
-              </a:solidFill>
-            </a:endParaRPr>
           </a:p>
           <a:p>
             <a:r>
@@ -24638,7 +24235,7 @@
               <a:t> </a:t>
             </a:r>
             <a:r>
-              <a:rPr lang="de-DE" b="0" dirty="0" smtClean="0">
+              <a:rPr lang="de-DE" b="0" dirty="0">
                 <a:solidFill>
                   <a:schemeClr val="accent2"/>
                 </a:solidFill>
@@ -24648,42 +24245,37 @@
           </a:p>
           <a:p>
             <a:r>
-              <a:rPr lang="de-DE" b="0" dirty="0" err="1" smtClean="0">
+              <a:rPr lang="de-DE" b="0" dirty="0" err="1">
                 <a:solidFill>
                   <a:schemeClr val="tx2"/>
                 </a:solidFill>
               </a:rPr>
               <a:t>address_prefix</a:t>
-            </a:r>
-            <a:r>
-              <a:rPr lang="de-DE" b="0" dirty="0" smtClean="0"/>
-              <a:t> </a:t>
-            </a:r>
-            <a:r>
-              <a:rPr lang="de-DE" b="0" dirty="0">
-                <a:solidFill>
-                  <a:schemeClr val="accent1"/>
-                </a:solidFill>
-              </a:rPr>
-              <a:t>=</a:t>
             </a:r>
             <a:r>
               <a:rPr lang="de-DE" b="0" dirty="0"/>
               <a:t> </a:t>
             </a:r>
             <a:r>
-              <a:rPr lang="de-DE" b="0" dirty="0" smtClean="0">
+              <a:rPr lang="de-DE" b="0" dirty="0">
+                <a:solidFill>
+                  <a:schemeClr val="accent1"/>
+                </a:solidFill>
+              </a:rPr>
+              <a:t>=</a:t>
+            </a:r>
+            <a:r>
+              <a:rPr lang="de-DE" b="0" dirty="0"/>
+              <a:t> </a:t>
+            </a:r>
+            <a:r>
+              <a:rPr lang="de-DE" b="0" dirty="0">
                 <a:solidFill>
                   <a:schemeClr val="accent2"/>
                 </a:solidFill>
               </a:rPr>
               <a:t>10.$$.1.0/24</a:t>
             </a:r>
-            <a:endParaRPr lang="de-DE" b="0" dirty="0">
-              <a:solidFill>
-                <a:schemeClr val="accent2"/>
-              </a:solidFill>
-            </a:endParaRPr>
           </a:p>
           <a:p>
             <a:r>
@@ -24763,13 +24355,6 @@
   <p:clrMapOvr>
     <a:masterClrMapping/>
   </p:clrMapOvr>
-  <p:timing>
-    <p:tnLst>
-      <p:par>
-        <p:cTn id="1" dur="indefinite" restart="never" nodeType="tmRoot"/>
-      </p:par>
-    </p:tnLst>
-  </p:timing>
 </p:sld>
 </file>
 
@@ -24923,20 +24508,12 @@
               <a:t> = </a:t>
             </a:r>
             <a:r>
-              <a:rPr lang="de-DE" b="0" dirty="0" smtClean="0">
+              <a:rPr lang="de-DE" b="0" dirty="0">
                 <a:solidFill>
                   <a:schemeClr val="accent2"/>
                 </a:solidFill>
               </a:rPr>
-              <a:t>„wsvnetsub02</a:t>
-            </a:r>
-            <a:r>
-              <a:rPr lang="de-DE" b="0" dirty="0">
-                <a:solidFill>
-                  <a:schemeClr val="accent2"/>
-                </a:solidFill>
-              </a:rPr>
-              <a:t>"</a:t>
+              <a:t>„wsvnetsub02"</a:t>
             </a:r>
           </a:p>
           <a:p>
@@ -24969,12 +24546,50 @@
               <a:t> </a:t>
             </a:r>
             <a:r>
-              <a:rPr lang="en-US" b="0" dirty="0" smtClean="0">
+              <a:rPr lang="en-US" b="0" dirty="0">
                 <a:solidFill>
                   <a:schemeClr val="accent2"/>
                 </a:solidFill>
               </a:rPr>
               <a:t>azurerm_resource_group.rg01.name</a:t>
+            </a:r>
+          </a:p>
+          <a:p>
+            <a:r>
+              <a:rPr lang="de-DE" b="0" dirty="0" err="1">
+                <a:solidFill>
+                  <a:schemeClr val="tx2"/>
+                </a:solidFill>
+              </a:rPr>
+              <a:t>virtual_network_name</a:t>
+            </a:r>
+            <a:r>
+              <a:rPr lang="de-DE" b="0" dirty="0">
+                <a:solidFill>
+                  <a:schemeClr val="tx2"/>
+                </a:solidFill>
+              </a:rPr>
+              <a:t> </a:t>
+            </a:r>
+            <a:r>
+              <a:rPr lang="de-DE" b="0" dirty="0">
+                <a:solidFill>
+                  <a:schemeClr val="accent1"/>
+                </a:solidFill>
+              </a:rPr>
+              <a:t>=</a:t>
+            </a:r>
+            <a:r>
+              <a:rPr lang="de-DE" b="0" dirty="0"/>
+              <a:t> </a:t>
+            </a:r>
+            <a:r>
+              <a:rPr lang="de-DE" b="0" dirty="0">
+                <a:solidFill>
+                  <a:schemeClr val="accent2"/>
+                </a:solidFill>
+              </a:rPr>
+              <a:t>azurerm_virtual_network.vnet01.name</a:t>
             </a:r>
             <a:endParaRPr lang="en-US" b="0" dirty="0">
               <a:solidFill>
@@ -24989,76 +24604,28 @@
                   <a:schemeClr val="tx2"/>
                 </a:solidFill>
               </a:rPr>
-              <a:t>virtual_network_name</a:t>
-            </a:r>
-            <a:r>
-              <a:rPr lang="de-DE" b="0" dirty="0">
-                <a:solidFill>
-                  <a:schemeClr val="tx2"/>
-                </a:solidFill>
-              </a:rPr>
-              <a:t> </a:t>
-            </a:r>
-            <a:r>
-              <a:rPr lang="de-DE" b="0" dirty="0">
-                <a:solidFill>
-                  <a:schemeClr val="accent1"/>
-                </a:solidFill>
-              </a:rPr>
-              <a:t>=</a:t>
+              <a:t>address_prefix</a:t>
             </a:r>
             <a:r>
               <a:rPr lang="de-DE" b="0" dirty="0"/>
               <a:t> </a:t>
             </a:r>
             <a:r>
-              <a:rPr lang="de-DE" b="0" dirty="0" smtClean="0">
+              <a:rPr lang="de-DE" b="0" dirty="0">
+                <a:solidFill>
+                  <a:schemeClr val="accent1"/>
+                </a:solidFill>
+              </a:rPr>
+              <a:t>= </a:t>
+            </a:r>
+            <a:r>
+              <a:rPr lang="de-DE" b="0" dirty="0">
                 <a:solidFill>
                   <a:schemeClr val="accent2"/>
                 </a:solidFill>
               </a:rPr>
-              <a:t>azurerm_virtual_network.vnet01.name</a:t>
-            </a:r>
-            <a:endParaRPr lang="en-US" b="0" dirty="0">
-              <a:solidFill>
-                <a:schemeClr val="accent2"/>
-              </a:solidFill>
-            </a:endParaRPr>
-          </a:p>
-          <a:p>
-            <a:r>
-              <a:rPr lang="de-DE" b="0" dirty="0" err="1">
-                <a:solidFill>
-                  <a:schemeClr val="tx2"/>
-                </a:solidFill>
-              </a:rPr>
-              <a:t>address_prefix</a:t>
-            </a:r>
-            <a:r>
-              <a:rPr lang="de-DE" b="0" dirty="0"/>
-              <a:t> </a:t>
-            </a:r>
-            <a:r>
-              <a:rPr lang="de-DE" b="0" dirty="0">
-                <a:solidFill>
-                  <a:schemeClr val="accent1"/>
-                </a:solidFill>
-              </a:rPr>
-              <a:t>= </a:t>
-            </a:r>
-            <a:r>
-              <a:rPr lang="de-DE" b="0" dirty="0" smtClean="0">
-                <a:solidFill>
-                  <a:schemeClr val="accent2"/>
-                </a:solidFill>
-              </a:rPr>
               <a:t>10.$$.2.00/24 </a:t>
             </a:r>
-            <a:endParaRPr lang="de-DE" b="0" dirty="0">
-              <a:solidFill>
-                <a:schemeClr val="accent2"/>
-              </a:solidFill>
-            </a:endParaRPr>
           </a:p>
           <a:p>
             <a:r>
@@ -25138,13 +24705,6 @@
   <p:clrMapOvr>
     <a:masterClrMapping/>
   </p:clrMapOvr>
-  <p:timing>
-    <p:tnLst>
-      <p:par>
-        <p:cTn id="1" dur="indefinite" restart="never" nodeType="tmRoot"/>
-      </p:par>
-    </p:tnLst>
-  </p:timing>
 </p:sld>
 </file>
 
@@ -25547,21 +25107,34 @@
                   <a:schemeClr val="bg2"/>
                 </a:solidFill>
               </a:rPr>
-              <a:t> = </a:t>
-            </a:r>
-            <a:r>
-              <a:rPr lang="en-US" b="0" dirty="0" smtClean="0">
+              <a:t> = azurerm_resource_group.rg01.name</a:t>
+            </a:r>
+          </a:p>
+          <a:p>
+            <a:r>
+              <a:rPr lang="de-DE" b="0" dirty="0" err="1">
                 <a:solidFill>
                   <a:schemeClr val="bg2"/>
                 </a:solidFill>
               </a:rPr>
-              <a:t>azurerm_resource_group.rg01.name</a:t>
-            </a:r>
-            <a:endParaRPr lang="en-US" b="0" dirty="0">
-              <a:solidFill>
-                <a:schemeClr val="bg2"/>
-              </a:solidFill>
-            </a:endParaRPr>
+              <a:t>address_space</a:t>
+            </a:r>
+            <a:r>
+              <a:rPr lang="de-DE" b="0" dirty="0">
+                <a:solidFill>
+                  <a:schemeClr val="bg2"/>
+                </a:solidFill>
+              </a:rPr>
+              <a:t> = 192.$$.1.32</a:t>
+            </a:r>
+            <a:r>
+              <a:rPr lang="de-DE" b="0" dirty="0">
+                <a:solidFill>
+                  <a:schemeClr val="accent2"/>
+                </a:solidFill>
+              </a:rPr>
+              <a:t>/28</a:t>
+            </a:r>
           </a:p>
           <a:p>
             <a:r>
@@ -25570,7 +25143,7 @@
                   <a:schemeClr val="bg2"/>
                 </a:solidFill>
               </a:rPr>
-              <a:t>address_space</a:t>
+              <a:t>location</a:t>
             </a:r>
             <a:r>
               <a:rPr lang="de-DE" b="0" dirty="0">
@@ -25578,47 +25151,8 @@
                   <a:schemeClr val="bg2"/>
                 </a:solidFill>
               </a:rPr>
-              <a:t> = 192.$$.1.32</a:t>
-            </a:r>
-            <a:r>
-              <a:rPr lang="de-DE" b="0" dirty="0">
-                <a:solidFill>
-                  <a:schemeClr val="accent2"/>
-                </a:solidFill>
-              </a:rPr>
-              <a:t>/28</a:t>
-            </a:r>
-          </a:p>
-          <a:p>
-            <a:r>
-              <a:rPr lang="de-DE" b="0" dirty="0" err="1">
-                <a:solidFill>
-                  <a:schemeClr val="bg2"/>
-                </a:solidFill>
-              </a:rPr>
-              <a:t>location</a:t>
-            </a:r>
-            <a:r>
-              <a:rPr lang="de-DE" b="0" dirty="0">
-                <a:solidFill>
-                  <a:schemeClr val="bg2"/>
-                </a:solidFill>
-              </a:rPr>
-              <a:t> = </a:t>
-            </a:r>
-            <a:r>
-              <a:rPr lang="de-DE" b="0" dirty="0" smtClean="0">
-                <a:solidFill>
-                  <a:schemeClr val="bg2"/>
-                </a:solidFill>
-              </a:rPr>
-              <a:t>azurerm_resource_group.rg01.location</a:t>
-            </a:r>
-            <a:endParaRPr lang="de-DE" b="0" dirty="0">
-              <a:solidFill>
-                <a:schemeClr val="bg2"/>
-              </a:solidFill>
-            </a:endParaRPr>
+              <a:t> = azurerm_resource_group.rg01.location</a:t>
+            </a:r>
           </a:p>
           <a:p>
             <a:r>
@@ -25698,13 +25232,6 @@
   <p:clrMapOvr>
     <a:masterClrMapping/>
   </p:clrMapOvr>
-  <p:timing>
-    <p:tnLst>
-      <p:par>
-        <p:cTn id="1" dur="indefinite" restart="never" nodeType="tmRoot"/>
-      </p:par>
-    </p:tnLst>
-  </p:timing>
 </p:sld>
 </file>
 
@@ -26330,13 +25857,6 @@
   <p:clrMapOvr>
     <a:masterClrMapping/>
   </p:clrMapOvr>
-  <p:timing>
-    <p:tnLst>
-      <p:par>
-        <p:cTn id="1" dur="indefinite" restart="never" nodeType="tmRoot"/>
-      </p:par>
-    </p:tnLst>
-  </p:timing>
 </p:sld>
 </file>
 
@@ -27541,13 +27061,6 @@
   <p:transition spd="slow">
     <p:wipe/>
   </p:transition>
-  <p:timing>
-    <p:tnLst>
-      <p:par>
-        <p:cTn id="1" dur="indefinite" restart="never" nodeType="tmRoot"/>
-      </p:par>
-    </p:tnLst>
-  </p:timing>
 </p:sld>
 </file>
 
@@ -27723,18 +27236,13 @@
               <a:t> </a:t>
             </a:r>
             <a:r>
-              <a:rPr lang="en-US" b="0" dirty="0" smtClean="0">
+              <a:rPr lang="en-US" b="0" dirty="0">
                 <a:solidFill>
                   <a:schemeClr val="accent2"/>
                 </a:solidFill>
               </a:rPr>
               <a:t>azurerm_resource_group.rg01.name</a:t>
             </a:r>
-            <a:endParaRPr lang="en-US" b="0" dirty="0">
-              <a:solidFill>
-                <a:schemeClr val="accent2"/>
-              </a:solidFill>
-            </a:endParaRPr>
           </a:p>
           <a:p>
             <a:r>
@@ -27762,18 +27270,13 @@
               <a:t> </a:t>
             </a:r>
             <a:r>
-              <a:rPr lang="de-DE" b="0" dirty="0" smtClean="0">
+              <a:rPr lang="de-DE" b="0" dirty="0">
                 <a:solidFill>
                   <a:schemeClr val="accent2"/>
                 </a:solidFill>
               </a:rPr>
               <a:t>azurerm_virtual_network.vnet01.name</a:t>
             </a:r>
-            <a:endParaRPr lang="de-DE" b="0" dirty="0">
-              <a:solidFill>
-                <a:schemeClr val="accent2"/>
-              </a:solidFill>
-            </a:endParaRPr>
           </a:p>
           <a:p>
             <a:r>
@@ -27899,13 +27402,6 @@
   <p:clrMapOvr>
     <a:masterClrMapping/>
   </p:clrMapOvr>
-  <p:timing>
-    <p:tnLst>
-      <p:par>
-        <p:cTn id="1" dur="indefinite" restart="never" nodeType="tmRoot"/>
-      </p:par>
-    </p:tnLst>
-  </p:timing>
 </p:sld>
 </file>
 
@@ -28519,13 +28015,6 @@
   <p:clrMapOvr>
     <a:masterClrMapping/>
   </p:clrMapOvr>
-  <p:timing>
-    <p:tnLst>
-      <p:par>
-        <p:cTn id="1" dur="indefinite" restart="never" nodeType="tmRoot"/>
-      </p:par>
-    </p:tnLst>
-  </p:timing>
 </p:sld>
 </file>
 
@@ -28692,7 +28181,7 @@
               <a:t> </a:t>
             </a:r>
             <a:r>
-              <a:rPr lang="en-US" b="0" dirty="0" smtClean="0">
+              <a:rPr lang="en-US" b="0" dirty="0">
                 <a:solidFill>
                   <a:schemeClr val="accent2"/>
                 </a:solidFill>
@@ -28700,12 +28189,6 @@
               </a:rPr>
               <a:t>azurerm_resource_group.rg01.name</a:t>
             </a:r>
-            <a:endParaRPr lang="en-US" b="0" dirty="0">
-              <a:solidFill>
-                <a:schemeClr val="accent2"/>
-              </a:solidFill>
-              <a:latin typeface="+mj-lt"/>
-            </a:endParaRPr>
           </a:p>
           <a:p>
             <a:r>
@@ -28739,7 +28222,7 @@
               <a:t> </a:t>
             </a:r>
             <a:r>
-              <a:rPr lang="de-DE" b="0" dirty="0" smtClean="0">
+              <a:rPr lang="de-DE" b="0" dirty="0">
                 <a:solidFill>
                   <a:schemeClr val="accent2"/>
                 </a:solidFill>
@@ -28747,12 +28230,6 @@
               </a:rPr>
               <a:t>azurerm_resource_group.rg01.location</a:t>
             </a:r>
-            <a:endParaRPr lang="de-DE" b="0" dirty="0">
-              <a:solidFill>
-                <a:schemeClr val="accent2"/>
-              </a:solidFill>
-              <a:latin typeface="+mj-lt"/>
-            </a:endParaRPr>
           </a:p>
           <a:p>
             <a:r>
@@ -28780,7 +28257,7 @@
               <a:t>= </a:t>
             </a:r>
             <a:r>
-              <a:rPr lang="de-DE" b="0" dirty="0" smtClean="0">
+              <a:rPr lang="de-DE" b="0" dirty="0">
                 <a:solidFill>
                   <a:schemeClr val="accent2"/>
                 </a:solidFill>
@@ -28863,13 +28340,6 @@
   <p:clrMapOvr>
     <a:masterClrMapping/>
   </p:clrMapOvr>
-  <p:timing>
-    <p:tnLst>
-      <p:par>
-        <p:cTn id="1" dur="indefinite" restart="never" nodeType="tmRoot"/>
-      </p:par>
-    </p:tnLst>
-  </p:timing>
 </p:sld>
 </file>
 
@@ -29016,7 +28486,7 @@
               <a:t> </a:t>
             </a:r>
             <a:r>
-              <a:rPr lang="en-US" b="0" dirty="0" smtClean="0">
+              <a:rPr lang="en-US" b="0" dirty="0">
                 <a:solidFill>
                   <a:schemeClr val="accent2"/>
                 </a:solidFill>
@@ -29024,12 +28494,6 @@
               </a:rPr>
               <a:t>azurerm_resource_group.rg01.name</a:t>
             </a:r>
-            <a:endParaRPr lang="en-US" b="0" dirty="0">
-              <a:solidFill>
-                <a:schemeClr val="accent2"/>
-              </a:solidFill>
-              <a:latin typeface="+mj-lt"/>
-            </a:endParaRPr>
           </a:p>
           <a:p>
             <a:r>
@@ -29063,7 +28527,7 @@
               <a:t> </a:t>
             </a:r>
             <a:r>
-              <a:rPr lang="de-DE" b="0" dirty="0" smtClean="0">
+              <a:rPr lang="de-DE" b="0" dirty="0">
                 <a:solidFill>
                   <a:schemeClr val="accent2"/>
                 </a:solidFill>
@@ -29071,12 +28535,6 @@
               </a:rPr>
               <a:t>azurerm_resource_group.rg01.location</a:t>
             </a:r>
-            <a:endParaRPr lang="de-DE" b="0" dirty="0">
-              <a:solidFill>
-                <a:schemeClr val="accent2"/>
-              </a:solidFill>
-              <a:latin typeface="+mj-lt"/>
-            </a:endParaRPr>
           </a:p>
           <a:p>
             <a:r>
@@ -29104,7 +28562,7 @@
               <a:t>= </a:t>
             </a:r>
             <a:r>
-              <a:rPr lang="de-DE" b="0" dirty="0" smtClean="0">
+              <a:rPr lang="de-DE" b="0" dirty="0">
                 <a:solidFill>
                   <a:schemeClr val="accent2"/>
                 </a:solidFill>
@@ -29112,12 +28570,6 @@
               </a:rPr>
               <a:t>azurerm_network_security_group.nsg01.id</a:t>
             </a:r>
-            <a:endParaRPr lang="de-DE" b="0" dirty="0">
-              <a:solidFill>
-                <a:schemeClr val="accent2"/>
-              </a:solidFill>
-              <a:latin typeface="+mj-lt"/>
-            </a:endParaRPr>
           </a:p>
           <a:p>
             <a:r>
@@ -29233,7 +28685,7 @@
               <a:t>= </a:t>
             </a:r>
             <a:r>
-              <a:rPr lang="de-DE" b="0" dirty="0" smtClean="0">
+              <a:rPr lang="de-DE" b="0" dirty="0">
                 <a:solidFill>
                   <a:schemeClr val="accent2"/>
                 </a:solidFill>
@@ -29242,7 +28694,7 @@
               <a:t>azurerm_subnet.vnetsub</a:t>
             </a:r>
             <a:r>
-              <a:rPr lang="de-DE" b="0" dirty="0" smtClean="0">
+              <a:rPr lang="de-DE" b="0" dirty="0">
                 <a:solidFill>
                   <a:schemeClr val="accent2"/>
                 </a:solidFill>
@@ -29250,7 +28702,7 @@
               <a:t>01</a:t>
             </a:r>
             <a:r>
-              <a:rPr lang="de-DE" b="0" dirty="0" smtClean="0">
+              <a:rPr lang="de-DE" b="0" dirty="0">
                 <a:solidFill>
                   <a:schemeClr val="accent2"/>
                 </a:solidFill>
@@ -29258,12 +28710,6 @@
               </a:rPr>
               <a:t>.id</a:t>
             </a:r>
-            <a:endParaRPr lang="de-DE" b="0" dirty="0">
-              <a:solidFill>
-                <a:schemeClr val="accent2"/>
-              </a:solidFill>
-              <a:latin typeface="+mj-lt"/>
-            </a:endParaRPr>
           </a:p>
           <a:p>
             <a:r>
@@ -29368,7 +28814,7 @@
               <a:t>= </a:t>
             </a:r>
             <a:r>
-              <a:rPr lang="de-DE" b="0" dirty="0" smtClean="0">
+              <a:rPr lang="de-DE" b="0" dirty="0">
                 <a:solidFill>
                   <a:schemeClr val="accent2"/>
                 </a:solidFill>
@@ -29376,12 +28822,6 @@
               </a:rPr>
               <a:t>azurerm_public_ip.pip01.id</a:t>
             </a:r>
-            <a:endParaRPr lang="de-DE" b="0" dirty="0">
-              <a:solidFill>
-                <a:schemeClr val="accent2"/>
-              </a:solidFill>
-              <a:latin typeface="+mj-lt"/>
-            </a:endParaRPr>
           </a:p>
           <a:p>
             <a:r>
@@ -29473,13 +28913,6 @@
   <p:clrMapOvr>
     <a:masterClrMapping/>
   </p:clrMapOvr>
-  <p:timing>
-    <p:tnLst>
-      <p:par>
-        <p:cTn id="1" dur="indefinite" restart="never" nodeType="tmRoot"/>
-      </p:par>
-    </p:tnLst>
-  </p:timing>
 </p:sld>
 </file>
 
@@ -29637,7 +29070,7 @@
                 <a14:useLocalDpi xmlns:a14="http://schemas.microsoft.com/office/drawing/2010/main" val="0"/>
               </a:ext>
               <a:ext uri="{837473B0-CC2E-450A-ABE3-18F120FF3D39}">
-                <a1611:picAttrSrcUrl xmlns:a1611="http://schemas.microsoft.com/office/drawing/2016/11/main" xmlns="" r:id="rId4"/>
+                <a1611:picAttrSrcUrl xmlns:a1611="http://schemas.microsoft.com/office/drawing/2016/11/main" r:id="rId4"/>
               </a:ext>
             </a:extLst>
           </a:blip>
@@ -30055,7 +29488,7 @@
                 <a14:useLocalDpi xmlns:a14="http://schemas.microsoft.com/office/drawing/2010/main" val="0"/>
               </a:ext>
               <a:ext uri="{837473B0-CC2E-450A-ABE3-18F120FF3D39}">
-                <a1611:picAttrSrcUrl xmlns:a1611="http://schemas.microsoft.com/office/drawing/2016/11/main" xmlns="" r:id="rId6"/>
+                <a1611:picAttrSrcUrl xmlns:a1611="http://schemas.microsoft.com/office/drawing/2016/11/main" r:id="rId6"/>
               </a:ext>
             </a:extLst>
           </a:blip>
@@ -30424,18 +29857,13 @@
               <a:t> </a:t>
             </a:r>
             <a:r>
-              <a:rPr lang="en-US" b="0" dirty="0" smtClean="0">
+              <a:rPr lang="en-US" b="0" dirty="0">
                 <a:solidFill>
                   <a:schemeClr val="accent2"/>
                 </a:solidFill>
               </a:rPr>
               <a:t>azurerm_resource_group.rg01.name</a:t>
             </a:r>
-            <a:endParaRPr lang="en-US" b="0" dirty="0">
-              <a:solidFill>
-                <a:schemeClr val="accent2"/>
-              </a:solidFill>
-            </a:endParaRPr>
           </a:p>
           <a:p>
             <a:r>
@@ -30463,18 +29891,13 @@
               <a:t> </a:t>
             </a:r>
             <a:r>
-              <a:rPr lang="de-DE" b="0" dirty="0" smtClean="0">
+              <a:rPr lang="de-DE" b="0" dirty="0">
                 <a:solidFill>
                   <a:schemeClr val="accent2"/>
                 </a:solidFill>
               </a:rPr>
               <a:t>azurerm_resource_group.rg01.location</a:t>
             </a:r>
-            <a:endParaRPr lang="de-DE" b="0" dirty="0">
-              <a:solidFill>
-                <a:schemeClr val="accent2"/>
-              </a:solidFill>
-            </a:endParaRPr>
           </a:p>
           <a:p>
             <a:r>
@@ -30602,13 +30025,6 @@
   <p:clrMapOvr>
     <a:masterClrMapping/>
   </p:clrMapOvr>
-  <p:timing>
-    <p:tnLst>
-      <p:par>
-        <p:cTn id="1" dur="indefinite" restart="never" nodeType="tmRoot"/>
-      </p:par>
-    </p:tnLst>
-  </p:timing>
 </p:sld>
 </file>
 
@@ -30771,7 +30187,7 @@
               <a:t> </a:t>
             </a:r>
             <a:r>
-              <a:rPr lang="en-US" b="0" dirty="0" smtClean="0">
+              <a:rPr lang="en-US" b="0" dirty="0">
                 <a:solidFill>
                   <a:schemeClr val="accent2"/>
                 </a:solidFill>
@@ -30779,12 +30195,6 @@
               </a:rPr>
               <a:t>azurerm_resource_group.rg01.name</a:t>
             </a:r>
-            <a:endParaRPr lang="en-US" b="0" dirty="0">
-              <a:solidFill>
-                <a:schemeClr val="accent2"/>
-              </a:solidFill>
-              <a:latin typeface="+mj-lt"/>
-            </a:endParaRPr>
           </a:p>
           <a:p>
             <a:r>
@@ -30818,7 +30228,7 @@
               <a:t> </a:t>
             </a:r>
             <a:r>
-              <a:rPr lang="de-DE" b="0" dirty="0" smtClean="0">
+              <a:rPr lang="de-DE" b="0" dirty="0">
                 <a:solidFill>
                   <a:schemeClr val="accent2"/>
                 </a:solidFill>
@@ -30826,12 +30236,6 @@
               </a:rPr>
               <a:t>azurerm_resource_group.rg01.location</a:t>
             </a:r>
-            <a:endParaRPr lang="de-DE" b="0" dirty="0">
-              <a:solidFill>
-                <a:schemeClr val="accent2"/>
-              </a:solidFill>
-              <a:latin typeface="+mj-lt"/>
-            </a:endParaRPr>
           </a:p>
           <a:p>
             <a:r>
@@ -30912,13 +30316,6 @@
   <p:clrMapOvr>
     <a:masterClrMapping/>
   </p:clrMapOvr>
-  <p:timing>
-    <p:tnLst>
-      <p:par>
-        <p:cTn id="1" dur="indefinite" restart="never" nodeType="tmRoot"/>
-      </p:par>
-    </p:tnLst>
-  </p:timing>
 </p:sld>
 </file>
 
@@ -30970,332 +30367,282 @@
             <a:r>
               <a:rPr lang="de-DE" dirty="0" err="1">
                 <a:solidFill>
-                  <a:schemeClr val="accent4"/>
+                  <a:srgbClr val="002060"/>
                 </a:solidFill>
               </a:rPr>
               <a:t>resource</a:t>
             </a:r>
             <a:r>
-              <a:rPr lang="de-DE" b="0" dirty="0"/>
-              <a:t> </a:t>
-            </a:r>
-            <a:r>
               <a:rPr lang="de-DE" b="0" dirty="0">
                 <a:solidFill>
-                  <a:schemeClr val="accent3"/>
+                  <a:srgbClr val="002060"/>
+                </a:solidFill>
+              </a:rPr>
+              <a:t> "</a:t>
+            </a:r>
+            <a:r>
+              <a:rPr lang="de-DE" b="0" dirty="0" err="1">
+                <a:solidFill>
+                  <a:srgbClr val="002060"/>
+                </a:solidFill>
+                <a:latin typeface="+mj-lt"/>
+              </a:rPr>
+              <a:t>azurerm_network_security_rule</a:t>
+            </a:r>
+            <a:r>
+              <a:rPr lang="de-DE" b="0" dirty="0">
+                <a:solidFill>
+                  <a:srgbClr val="002060"/>
+                </a:solidFill>
+              </a:rPr>
+              <a:t>" „RDP" {</a:t>
+            </a:r>
+          </a:p>
+          <a:p>
+            <a:r>
+              <a:rPr lang="de-DE" b="0" dirty="0" err="1">
+                <a:solidFill>
+                  <a:srgbClr val="002060"/>
+                </a:solidFill>
+              </a:rPr>
+              <a:t>name</a:t>
+            </a:r>
+            <a:r>
+              <a:rPr lang="de-DE" b="0" dirty="0">
+                <a:solidFill>
+                  <a:srgbClr val="002060"/>
+                </a:solidFill>
+              </a:rPr>
+              <a:t> = "RDP"</a:t>
+            </a:r>
+          </a:p>
+          <a:p>
+            <a:r>
+              <a:rPr lang="de-DE" b="0" dirty="0" err="1">
+                <a:solidFill>
+                  <a:srgbClr val="002060"/>
+                </a:solidFill>
+              </a:rPr>
+              <a:t>priority</a:t>
+            </a:r>
+            <a:r>
+              <a:rPr lang="de-DE" b="0" dirty="0">
+                <a:solidFill>
+                  <a:srgbClr val="002060"/>
+                </a:solidFill>
+              </a:rPr>
+              <a:t> = 100</a:t>
+            </a:r>
+          </a:p>
+          <a:p>
+            <a:r>
+              <a:rPr lang="de-DE" b="0" dirty="0" err="1">
+                <a:solidFill>
+                  <a:srgbClr val="002060"/>
+                </a:solidFill>
+              </a:rPr>
+              <a:t>direction</a:t>
+            </a:r>
+            <a:r>
+              <a:rPr lang="de-DE" b="0" dirty="0">
+                <a:solidFill>
+                  <a:srgbClr val="002060"/>
+                </a:solidFill>
+              </a:rPr>
+              <a:t> = "Inbound"</a:t>
+            </a:r>
+          </a:p>
+          <a:p>
+            <a:r>
+              <a:rPr lang="de-DE" b="0" dirty="0" err="1">
+                <a:solidFill>
+                  <a:srgbClr val="002060"/>
+                </a:solidFill>
+              </a:rPr>
+              <a:t>access</a:t>
+            </a:r>
+            <a:r>
+              <a:rPr lang="de-DE" b="0" dirty="0">
+                <a:solidFill>
+                  <a:srgbClr val="002060"/>
+                </a:solidFill>
+              </a:rPr>
+              <a:t> = "</a:t>
+            </a:r>
+            <a:r>
+              <a:rPr lang="de-DE" b="0" dirty="0" err="1">
+                <a:solidFill>
+                  <a:srgbClr val="002060"/>
+                </a:solidFill>
+              </a:rPr>
+              <a:t>Allow</a:t>
+            </a:r>
+            <a:r>
+              <a:rPr lang="de-DE" b="0" dirty="0">
+                <a:solidFill>
+                  <a:srgbClr val="002060"/>
                 </a:solidFill>
               </a:rPr>
               <a:t>"</a:t>
             </a:r>
+          </a:p>
+          <a:p>
             <a:r>
               <a:rPr lang="de-DE" b="0" dirty="0" err="1">
                 <a:solidFill>
-                  <a:schemeClr val="accent3"/>
-                </a:solidFill>
-                <a:latin typeface="+mj-lt"/>
-              </a:rPr>
-              <a:t>azurerm_network_security_rule</a:t>
+                  <a:srgbClr val="002060"/>
+                </a:solidFill>
+              </a:rPr>
+              <a:t>protocol</a:t>
             </a:r>
             <a:r>
               <a:rPr lang="de-DE" b="0" dirty="0">
                 <a:solidFill>
-                  <a:schemeClr val="accent3"/>
+                  <a:srgbClr val="002060"/>
+                </a:solidFill>
+              </a:rPr>
+              <a:t> = "</a:t>
+            </a:r>
+            <a:r>
+              <a:rPr lang="de-DE" b="0" dirty="0" err="1">
+                <a:solidFill>
+                  <a:srgbClr val="002060"/>
+                </a:solidFill>
+              </a:rPr>
+              <a:t>Tcp</a:t>
+            </a:r>
+            <a:r>
+              <a:rPr lang="de-DE" b="0" dirty="0">
+                <a:solidFill>
+                  <a:srgbClr val="002060"/>
                 </a:solidFill>
               </a:rPr>
               <a:t>"</a:t>
             </a:r>
-            <a:r>
-              <a:rPr lang="de-DE" b="0" dirty="0"/>
-              <a:t> </a:t>
+          </a:p>
+          <a:p>
+            <a:r>
+              <a:rPr lang="de-DE" b="0" dirty="0" err="1">
+                <a:solidFill>
+                  <a:srgbClr val="002060"/>
+                </a:solidFill>
+              </a:rPr>
+              <a:t>source_port_range</a:t>
             </a:r>
             <a:r>
               <a:rPr lang="de-DE" b="0" dirty="0">
                 <a:solidFill>
-                  <a:schemeClr val="tx1"/>
-                </a:solidFill>
-              </a:rPr>
-              <a:t>„RDP" </a:t>
+                  <a:srgbClr val="002060"/>
+                </a:solidFill>
+              </a:rPr>
+              <a:t> = "*"</a:t>
+            </a:r>
+          </a:p>
+          <a:p>
+            <a:r>
+              <a:rPr lang="de-DE" b="0" dirty="0" err="1">
+                <a:solidFill>
+                  <a:srgbClr val="002060"/>
+                </a:solidFill>
+              </a:rPr>
+              <a:t>destination_port_range</a:t>
             </a:r>
             <a:r>
               <a:rPr lang="de-DE" b="0" dirty="0">
                 <a:solidFill>
-                  <a:schemeClr val="accent5"/>
-                </a:solidFill>
-              </a:rPr>
-              <a:t>{</a:t>
+                  <a:srgbClr val="002060"/>
+                </a:solidFill>
+              </a:rPr>
+              <a:t> = "3389"</a:t>
             </a:r>
           </a:p>
           <a:p>
             <a:r>
               <a:rPr lang="de-DE" b="0" dirty="0" err="1">
                 <a:solidFill>
-                  <a:schemeClr val="accent2"/>
-                </a:solidFill>
-              </a:rPr>
-              <a:t>name</a:t>
+                  <a:srgbClr val="002060"/>
+                </a:solidFill>
+              </a:rPr>
+              <a:t>source_address_prefix</a:t>
             </a:r>
             <a:r>
               <a:rPr lang="de-DE" b="0" dirty="0">
                 <a:solidFill>
-                  <a:schemeClr val="accent2"/>
-                </a:solidFill>
-              </a:rPr>
-              <a:t> = "RDP"</a:t>
+                  <a:srgbClr val="002060"/>
+                </a:solidFill>
+              </a:rPr>
+              <a:t> = "*"</a:t>
             </a:r>
           </a:p>
           <a:p>
             <a:r>
               <a:rPr lang="de-DE" b="0" dirty="0" err="1">
                 <a:solidFill>
-                  <a:schemeClr val="accent2"/>
-                </a:solidFill>
-              </a:rPr>
-              <a:t>priority</a:t>
+                  <a:srgbClr val="002060"/>
+                </a:solidFill>
+              </a:rPr>
+              <a:t>destination_address_prefix</a:t>
             </a:r>
             <a:r>
               <a:rPr lang="de-DE" b="0" dirty="0">
                 <a:solidFill>
-                  <a:schemeClr val="accent2"/>
-                </a:solidFill>
-              </a:rPr>
-              <a:t> = 100</a:t>
-            </a:r>
-          </a:p>
-          <a:p>
+                  <a:srgbClr val="002060"/>
+                </a:solidFill>
+              </a:rPr>
+              <a:t> = "</a:t>
+            </a:r>
             <a:r>
               <a:rPr lang="de-DE" b="0" dirty="0" err="1">
                 <a:solidFill>
-                  <a:schemeClr val="accent2"/>
-                </a:solidFill>
-              </a:rPr>
-              <a:t>direction</a:t>
+                  <a:srgbClr val="002060"/>
+                </a:solidFill>
+              </a:rPr>
+              <a:t>VirtualNetwork</a:t>
             </a:r>
             <a:r>
               <a:rPr lang="de-DE" b="0" dirty="0">
                 <a:solidFill>
-                  <a:schemeClr val="accent2"/>
-                </a:solidFill>
-              </a:rPr>
-              <a:t> = "Inbound"</a:t>
+                  <a:srgbClr val="002060"/>
+                </a:solidFill>
+              </a:rPr>
+              <a:t>"</a:t>
             </a:r>
           </a:p>
           <a:p>
             <a:r>
               <a:rPr lang="de-DE" b="0" dirty="0" err="1">
                 <a:solidFill>
-                  <a:schemeClr val="accent2"/>
-                </a:solidFill>
-              </a:rPr>
-              <a:t>access</a:t>
+                  <a:srgbClr val="002060"/>
+                </a:solidFill>
+              </a:rPr>
+              <a:t>resource_group_name</a:t>
             </a:r>
             <a:r>
               <a:rPr lang="de-DE" b="0" dirty="0">
                 <a:solidFill>
-                  <a:schemeClr val="accent2"/>
-                </a:solidFill>
-              </a:rPr>
-              <a:t> = "</a:t>
-            </a:r>
+                  <a:srgbClr val="002060"/>
+                </a:solidFill>
+              </a:rPr>
+              <a:t> = azurerm_resource_group.rg01.name</a:t>
+            </a:r>
+          </a:p>
+          <a:p>
             <a:r>
               <a:rPr lang="de-DE" b="0" dirty="0" err="1">
                 <a:solidFill>
-                  <a:schemeClr val="accent2"/>
-                </a:solidFill>
-              </a:rPr>
-              <a:t>Allow</a:t>
+                  <a:srgbClr val="002060"/>
+                </a:solidFill>
+              </a:rPr>
+              <a:t>network_security_group_name</a:t>
             </a:r>
             <a:r>
               <a:rPr lang="de-DE" b="0" dirty="0">
                 <a:solidFill>
-                  <a:schemeClr val="accent2"/>
-                </a:solidFill>
-              </a:rPr>
-              <a:t>"</a:t>
-            </a:r>
-          </a:p>
-          <a:p>
-            <a:r>
-              <a:rPr lang="de-DE" b="0" dirty="0" err="1">
-                <a:solidFill>
-                  <a:schemeClr val="accent2"/>
-                </a:solidFill>
-              </a:rPr>
-              <a:t>protocol</a:t>
-            </a:r>
-            <a:r>
-              <a:rPr lang="de-DE" b="0" dirty="0">
-                <a:solidFill>
-                  <a:schemeClr val="accent2"/>
-                </a:solidFill>
-              </a:rPr>
-              <a:t> = "</a:t>
-            </a:r>
-            <a:r>
-              <a:rPr lang="de-DE" b="0" dirty="0" err="1">
-                <a:solidFill>
-                  <a:schemeClr val="accent2"/>
-                </a:solidFill>
-              </a:rPr>
-              <a:t>Tcp</a:t>
-            </a:r>
-            <a:r>
-              <a:rPr lang="de-DE" b="0" dirty="0">
-                <a:solidFill>
-                  <a:schemeClr val="accent2"/>
-                </a:solidFill>
-              </a:rPr>
-              <a:t>"</a:t>
-            </a:r>
-          </a:p>
-          <a:p>
-            <a:r>
-              <a:rPr lang="de-DE" b="0" dirty="0" err="1">
-                <a:solidFill>
-                  <a:schemeClr val="accent2"/>
-                </a:solidFill>
-              </a:rPr>
-              <a:t>source_port_range</a:t>
-            </a:r>
-            <a:r>
-              <a:rPr lang="de-DE" b="0" dirty="0">
-                <a:solidFill>
-                  <a:schemeClr val="accent2"/>
-                </a:solidFill>
-              </a:rPr>
-              <a:t> = "*"</a:t>
-            </a:r>
-          </a:p>
-          <a:p>
-            <a:r>
-              <a:rPr lang="de-DE" b="0" dirty="0" err="1">
-                <a:solidFill>
-                  <a:schemeClr val="accent2"/>
-                </a:solidFill>
-              </a:rPr>
-              <a:t>destination_port_range</a:t>
-            </a:r>
-            <a:r>
-              <a:rPr lang="de-DE" b="0" dirty="0">
-                <a:solidFill>
-                  <a:schemeClr val="accent2"/>
-                </a:solidFill>
-              </a:rPr>
-              <a:t> = "3389"</a:t>
-            </a:r>
-          </a:p>
-          <a:p>
-            <a:r>
-              <a:rPr lang="de-DE" b="0" dirty="0" err="1">
-                <a:solidFill>
-                  <a:schemeClr val="accent2"/>
-                </a:solidFill>
-              </a:rPr>
-              <a:t>source_address_prefix</a:t>
-            </a:r>
-            <a:r>
-              <a:rPr lang="de-DE" b="0" dirty="0">
-                <a:solidFill>
-                  <a:schemeClr val="accent2"/>
-                </a:solidFill>
-              </a:rPr>
-              <a:t> = "*"</a:t>
-            </a:r>
-          </a:p>
-          <a:p>
-            <a:r>
-              <a:rPr lang="de-DE" b="0" dirty="0" err="1">
-                <a:solidFill>
-                  <a:schemeClr val="accent2"/>
-                </a:solidFill>
-              </a:rPr>
-              <a:t>destination_address_prefix</a:t>
-            </a:r>
-            <a:r>
-              <a:rPr lang="de-DE" b="0" dirty="0">
-                <a:solidFill>
-                  <a:schemeClr val="accent2"/>
-                </a:solidFill>
-              </a:rPr>
-              <a:t> = "</a:t>
-            </a:r>
-            <a:r>
-              <a:rPr lang="de-DE" b="0" dirty="0" err="1">
-                <a:solidFill>
-                  <a:schemeClr val="accent2"/>
-                </a:solidFill>
-              </a:rPr>
-              <a:t>VirtualNetwork</a:t>
-            </a:r>
-            <a:r>
-              <a:rPr lang="de-DE" b="0" dirty="0">
-                <a:solidFill>
-                  <a:schemeClr val="accent2"/>
-                </a:solidFill>
-              </a:rPr>
-              <a:t>"</a:t>
-            </a:r>
-          </a:p>
-          <a:p>
-            <a:r>
-              <a:rPr lang="de-DE" b="0" dirty="0" err="1">
-                <a:solidFill>
-                  <a:schemeClr val="accent2"/>
-                </a:solidFill>
-              </a:rPr>
-              <a:t>resource_group_name</a:t>
-            </a:r>
-            <a:r>
-              <a:rPr lang="de-DE" b="0" dirty="0">
-                <a:solidFill>
-                  <a:schemeClr val="accent2"/>
-                </a:solidFill>
-              </a:rPr>
-              <a:t> = </a:t>
-            </a:r>
-            <a:r>
-              <a:rPr lang="de-DE" b="0" dirty="0" smtClean="0">
-                <a:solidFill>
-                  <a:schemeClr val="accent2"/>
-                </a:solidFill>
-              </a:rPr>
-              <a:t>azurerm_resource_group.rg01.name</a:t>
-            </a:r>
-            <a:endParaRPr lang="de-DE" b="0" dirty="0">
-              <a:solidFill>
-                <a:schemeClr val="accent2"/>
-              </a:solidFill>
-            </a:endParaRPr>
-          </a:p>
-          <a:p>
-            <a:r>
-              <a:rPr lang="de-DE" b="0" dirty="0" err="1">
-                <a:solidFill>
-                  <a:schemeClr val="accent2"/>
-                </a:solidFill>
-              </a:rPr>
-              <a:t>network_security_group_name</a:t>
-            </a:r>
-            <a:r>
-              <a:rPr lang="de-DE" b="0" dirty="0">
-                <a:solidFill>
-                  <a:schemeClr val="accent2"/>
-                </a:solidFill>
-              </a:rPr>
-              <a:t> = </a:t>
-            </a:r>
-            <a:r>
-              <a:rPr lang="de-DE" b="0" dirty="0" smtClean="0">
-                <a:solidFill>
-                  <a:schemeClr val="accent2"/>
-                </a:solidFill>
-              </a:rPr>
-              <a:t>azurerm_network_security_group.nsg01.name</a:t>
-            </a:r>
-            <a:endParaRPr lang="de-DE" b="0" dirty="0">
-              <a:solidFill>
-                <a:schemeClr val="accent2"/>
-              </a:solidFill>
-            </a:endParaRPr>
+                  <a:srgbClr val="002060"/>
+                </a:solidFill>
+              </a:rPr>
+              <a:t> = azurerm_network_security_group.nsg01.name</a:t>
+            </a:r>
           </a:p>
           <a:p>
             <a:r>
@@ -31366,86 +30713,6 @@
           </a:p>
         </p:txBody>
       </p:sp>
-      <p:cxnSp>
-        <p:nvCxnSpPr>
-          <p:cNvPr id="3" name="Gerade Verbindung mit Pfeil 2">
-            <a:extLst>
-              <a:ext uri="{FF2B5EF4-FFF2-40B4-BE49-F238E27FC236}">
-                <a16:creationId xmlns:a16="http://schemas.microsoft.com/office/drawing/2014/main" id="{4BC1BE5A-098E-4303-88DE-E2DF3CAA0FB0}"/>
-              </a:ext>
-            </a:extLst>
-          </p:cNvPr>
-          <p:cNvCxnSpPr>
-            <a:cxnSpLocks/>
-          </p:cNvCxnSpPr>
-          <p:nvPr/>
-        </p:nvCxnSpPr>
-        <p:spPr>
-          <a:xfrm flipH="1">
-            <a:off x="2195736" y="2643758"/>
-            <a:ext cx="1728192" cy="576064"/>
-          </a:xfrm>
-          <a:prstGeom prst="straightConnector1">
-            <a:avLst/>
-          </a:prstGeom>
-          <a:ln>
-            <a:tailEnd type="triangle"/>
-          </a:ln>
-        </p:spPr>
-        <p:style>
-          <a:lnRef idx="3">
-            <a:schemeClr val="accent4"/>
-          </a:lnRef>
-          <a:fillRef idx="0">
-            <a:schemeClr val="accent4"/>
-          </a:fillRef>
-          <a:effectRef idx="2">
-            <a:schemeClr val="accent4"/>
-          </a:effectRef>
-          <a:fontRef idx="minor">
-            <a:schemeClr val="tx1"/>
-          </a:fontRef>
-        </p:style>
-      </p:cxnSp>
-      <p:pic>
-        <p:nvPicPr>
-          <p:cNvPr id="9" name="Grafik 8">
-            <a:extLst>
-              <a:ext uri="{FF2B5EF4-FFF2-40B4-BE49-F238E27FC236}">
-                <a16:creationId xmlns:a16="http://schemas.microsoft.com/office/drawing/2014/main" id="{276BFE2E-0972-4FED-A09B-0FC611AE3116}"/>
-              </a:ext>
-            </a:extLst>
-          </p:cNvPr>
-          <p:cNvPicPr>
-            <a:picLocks noChangeAspect="1"/>
-          </p:cNvPicPr>
-          <p:nvPr/>
-        </p:nvPicPr>
-        <p:blipFill>
-          <a:blip r:embed="rId3" cstate="print">
-            <a:extLst>
-              <a:ext uri="{28A0092B-C50C-407E-A947-70E740481C1C}">
-                <a14:useLocalDpi xmlns:a14="http://schemas.microsoft.com/office/drawing/2010/main" val="0"/>
-              </a:ext>
-              <a:ext uri="{837473B0-CC2E-450A-ABE3-18F120FF3D39}">
-                <a1611:picAttrSrcUrl xmlns:a1611="http://schemas.microsoft.com/office/drawing/2016/11/main" xmlns="" r:id="rId4"/>
-              </a:ext>
-            </a:extLst>
-          </a:blip>
-          <a:stretch>
-            <a:fillRect/>
-          </a:stretch>
-        </p:blipFill>
-        <p:spPr>
-          <a:xfrm>
-            <a:off x="3995936" y="1923678"/>
-            <a:ext cx="2592288" cy="1367026"/>
-          </a:xfrm>
-          <a:prstGeom prst="rect">
-            <a:avLst/>
-          </a:prstGeom>
-        </p:spPr>
-      </p:pic>
       <p:sp>
         <p:nvSpPr>
           <p:cNvPr id="10" name="Textfeld 9">
@@ -31480,7 +30747,7 @@
             </a:r>
             <a:r>
               <a:rPr lang="de-DE" sz="900">
-                <a:hlinkClick r:id="rId4" tooltip="https://janschejbal.wordpress.com/tag/unsicher/"/>
+                <a:hlinkClick r:id="rId3" tooltip="https://janschejbal.wordpress.com/tag/unsicher/"/>
               </a:rPr>
               <a:t>Dieses Foto</a:t>
             </a:r>
@@ -31490,7 +30757,7 @@
             </a:r>
             <a:r>
               <a:rPr lang="de-DE" sz="900">
-                <a:hlinkClick r:id="rId5" tooltip="https://creativecommons.org/licenses/by-nc-nd/3.0/"/>
+                <a:hlinkClick r:id="rId4" tooltip="https://creativecommons.org/licenses/by-nc-nd/3.0/"/>
               </a:rPr>
               <a:t>CC BY-NC-ND</a:t>
             </a:r>
@@ -31498,159 +30765,6 @@
           </a:p>
         </p:txBody>
       </p:sp>
-      <mc:AlternateContent xmlns:mc="http://schemas.openxmlformats.org/markup-compatibility/2006" xmlns:p14="http://schemas.microsoft.com/office/powerpoint/2010/main">
-        <mc:Choice Requires="p14">
-          <p:contentPart p14:bwMode="auto" r:id="rId6">
-            <p14:nvContentPartPr>
-              <p14:cNvPr id="13" name="Freihand 12">
-                <a:extLst>
-                  <a:ext uri="{FF2B5EF4-FFF2-40B4-BE49-F238E27FC236}">
-                    <a16:creationId xmlns:a16="http://schemas.microsoft.com/office/drawing/2014/main" id="{AEB0ACE0-D971-4973-B5F7-59BBEF7D469C}"/>
-                  </a:ext>
-                </a:extLst>
-              </p14:cNvPr>
-              <p14:cNvContentPartPr/>
-              <p14:nvPr/>
-            </p14:nvContentPartPr>
-            <p14:xfrm>
-              <a:off x="4240149" y="2075565"/>
-              <a:ext cx="1280160" cy="360"/>
-            </p14:xfrm>
-          </p:contentPart>
-        </mc:Choice>
-        <mc:Fallback xmlns="">
-          <p:pic>
-            <p:nvPicPr>
-              <p:cNvPr id="13" name="Freihand 12">
-                <a:extLst>
-                  <a:ext uri="{FF2B5EF4-FFF2-40B4-BE49-F238E27FC236}">
-                    <a16:creationId xmlns:a16="http://schemas.microsoft.com/office/drawing/2014/main" id="{AEB0ACE0-D971-4973-B5F7-59BBEF7D469C}"/>
-                  </a:ext>
-                </a:extLst>
-              </p:cNvPr>
-              <p:cNvPicPr/>
-              <p:nvPr/>
-            </p:nvPicPr>
-            <p:blipFill>
-              <a:blip r:embed="rId7"/>
-              <a:stretch>
-                <a:fillRect/>
-              </a:stretch>
-            </p:blipFill>
-            <p:spPr>
-              <a:xfrm>
-                <a:off x="4231149" y="2066925"/>
-                <a:ext cx="1297800" cy="18000"/>
-              </a:xfrm>
-              <a:prstGeom prst="rect">
-                <a:avLst/>
-              </a:prstGeom>
-            </p:spPr>
-          </p:pic>
-        </mc:Fallback>
-      </mc:AlternateContent>
-      <mc:AlternateContent xmlns:mc="http://schemas.openxmlformats.org/markup-compatibility/2006" xmlns:p14="http://schemas.microsoft.com/office/powerpoint/2010/main">
-        <mc:Choice Requires="p14">
-          <p:contentPart p14:bwMode="auto" r:id="rId8">
-            <p14:nvContentPartPr>
-              <p14:cNvPr id="18" name="Freihand 17">
-                <a:extLst>
-                  <a:ext uri="{FF2B5EF4-FFF2-40B4-BE49-F238E27FC236}">
-                    <a16:creationId xmlns:a16="http://schemas.microsoft.com/office/drawing/2014/main" id="{EA27FC73-FAA7-40CB-B496-C5B0FF0A2FB9}"/>
-                  </a:ext>
-                </a:extLst>
-              </p14:cNvPr>
-              <p14:cNvContentPartPr/>
-              <p14:nvPr/>
-            </p14:nvContentPartPr>
-            <p14:xfrm>
-              <a:off x="4289829" y="2221365"/>
-              <a:ext cx="316080" cy="149400"/>
-            </p14:xfrm>
-          </p:contentPart>
-        </mc:Choice>
-        <mc:Fallback xmlns="">
-          <p:pic>
-            <p:nvPicPr>
-              <p:cNvPr id="18" name="Freihand 17">
-                <a:extLst>
-                  <a:ext uri="{FF2B5EF4-FFF2-40B4-BE49-F238E27FC236}">
-                    <a16:creationId xmlns:a16="http://schemas.microsoft.com/office/drawing/2014/main" id="{EA27FC73-FAA7-40CB-B496-C5B0FF0A2FB9}"/>
-                  </a:ext>
-                </a:extLst>
-              </p:cNvPr>
-              <p:cNvPicPr/>
-              <p:nvPr/>
-            </p:nvPicPr>
-            <p:blipFill>
-              <a:blip r:embed="rId9"/>
-              <a:stretch>
-                <a:fillRect/>
-              </a:stretch>
-            </p:blipFill>
-            <p:spPr>
-              <a:xfrm>
-                <a:off x="4280839" y="2212725"/>
-                <a:ext cx="333700" cy="167040"/>
-              </a:xfrm>
-              <a:prstGeom prst="rect">
-                <a:avLst/>
-              </a:prstGeom>
-            </p:spPr>
-          </p:pic>
-        </mc:Fallback>
-      </mc:AlternateContent>
-      <mc:AlternateContent xmlns:mc="http://schemas.openxmlformats.org/markup-compatibility/2006" xmlns:p14="http://schemas.microsoft.com/office/powerpoint/2010/main">
-        <mc:Choice Requires="p14">
-          <p:contentPart p14:bwMode="auto" r:id="rId10">
-            <p14:nvContentPartPr>
-              <p14:cNvPr id="19" name="Freihand 18">
-                <a:extLst>
-                  <a:ext uri="{FF2B5EF4-FFF2-40B4-BE49-F238E27FC236}">
-                    <a16:creationId xmlns:a16="http://schemas.microsoft.com/office/drawing/2014/main" id="{E2231CB4-F018-4364-AB1C-FB3A92BB5099}"/>
-                  </a:ext>
-                </a:extLst>
-              </p14:cNvPr>
-              <p14:cNvContentPartPr/>
-              <p14:nvPr/>
-            </p14:nvContentPartPr>
-            <p14:xfrm>
-              <a:off x="4223229" y="2459685"/>
-              <a:ext cx="1260000" cy="360"/>
-            </p14:xfrm>
-          </p:contentPart>
-        </mc:Choice>
-        <mc:Fallback xmlns="">
-          <p:pic>
-            <p:nvPicPr>
-              <p:cNvPr id="19" name="Freihand 18">
-                <a:extLst>
-                  <a:ext uri="{FF2B5EF4-FFF2-40B4-BE49-F238E27FC236}">
-                    <a16:creationId xmlns:a16="http://schemas.microsoft.com/office/drawing/2014/main" id="{E2231CB4-F018-4364-AB1C-FB3A92BB5099}"/>
-                  </a:ext>
-                </a:extLst>
-              </p:cNvPr>
-              <p:cNvPicPr/>
-              <p:nvPr/>
-            </p:nvPicPr>
-            <p:blipFill>
-              <a:blip r:embed="rId11"/>
-              <a:stretch>
-                <a:fillRect/>
-              </a:stretch>
-            </p:blipFill>
-            <p:spPr>
-              <a:xfrm>
-                <a:off x="4214589" y="2450685"/>
-                <a:ext cx="1277640" cy="18000"/>
-              </a:xfrm>
-              <a:prstGeom prst="rect">
-                <a:avLst/>
-              </a:prstGeom>
-            </p:spPr>
-          </p:pic>
-        </mc:Fallback>
-      </mc:AlternateContent>
     </p:spTree>
     <p:extLst>
       <p:ext uri="{BB962C8B-B14F-4D97-AF65-F5344CB8AC3E}">
@@ -31661,162 +30775,6 @@
   <p:clrMapOvr>
     <a:masterClrMapping/>
   </p:clrMapOvr>
-  <p:timing>
-    <p:tnLst>
-      <p:par>
-        <p:cTn id="1" dur="indefinite" restart="never" nodeType="tmRoot">
-          <p:childTnLst>
-            <p:seq concurrent="1" nextAc="seek">
-              <p:cTn id="2" dur="indefinite" nodeType="mainSeq">
-                <p:childTnLst>
-                  <p:par>
-                    <p:cTn id="3" fill="hold">
-                      <p:stCondLst>
-                        <p:cond delay="indefinite"/>
-                      </p:stCondLst>
-                      <p:childTnLst>
-                        <p:par>
-                          <p:cTn id="4" fill="hold">
-                            <p:stCondLst>
-                              <p:cond delay="0"/>
-                            </p:stCondLst>
-                            <p:childTnLst>
-                              <p:par>
-                                <p:cTn id="5" presetID="1" presetClass="entr" presetSubtype="0" fill="hold" nodeType="clickEffect">
-                                  <p:stCondLst>
-                                    <p:cond delay="0"/>
-                                  </p:stCondLst>
-                                  <p:childTnLst>
-                                    <p:set>
-                                      <p:cBhvr>
-                                        <p:cTn id="6" dur="1" fill="hold">
-                                          <p:stCondLst>
-                                            <p:cond delay="0"/>
-                                          </p:stCondLst>
-                                        </p:cTn>
-                                        <p:tgtEl>
-                                          <p:spTgt spid="18"/>
-                                        </p:tgtEl>
-                                        <p:attrNameLst>
-                                          <p:attrName>style.visibility</p:attrName>
-                                        </p:attrNameLst>
-                                      </p:cBhvr>
-                                      <p:to>
-                                        <p:strVal val="visible"/>
-                                      </p:to>
-                                    </p:set>
-                                  </p:childTnLst>
-                                </p:cTn>
-                              </p:par>
-                              <p:par>
-                                <p:cTn id="7" presetID="1" presetClass="entr" presetSubtype="0" fill="hold" nodeType="withEffect">
-                                  <p:stCondLst>
-                                    <p:cond delay="0"/>
-                                  </p:stCondLst>
-                                  <p:childTnLst>
-                                    <p:set>
-                                      <p:cBhvr>
-                                        <p:cTn id="8" dur="1" fill="hold">
-                                          <p:stCondLst>
-                                            <p:cond delay="0"/>
-                                          </p:stCondLst>
-                                        </p:cTn>
-                                        <p:tgtEl>
-                                          <p:spTgt spid="13"/>
-                                        </p:tgtEl>
-                                        <p:attrNameLst>
-                                          <p:attrName>style.visibility</p:attrName>
-                                        </p:attrNameLst>
-                                      </p:cBhvr>
-                                      <p:to>
-                                        <p:strVal val="visible"/>
-                                      </p:to>
-                                    </p:set>
-                                  </p:childTnLst>
-                                </p:cTn>
-                              </p:par>
-                              <p:par>
-                                <p:cTn id="9" presetID="1" presetClass="entr" presetSubtype="0" fill="hold" nodeType="withEffect">
-                                  <p:stCondLst>
-                                    <p:cond delay="0"/>
-                                  </p:stCondLst>
-                                  <p:childTnLst>
-                                    <p:set>
-                                      <p:cBhvr>
-                                        <p:cTn id="10" dur="1" fill="hold">
-                                          <p:stCondLst>
-                                            <p:cond delay="0"/>
-                                          </p:stCondLst>
-                                        </p:cTn>
-                                        <p:tgtEl>
-                                          <p:spTgt spid="19"/>
-                                        </p:tgtEl>
-                                        <p:attrNameLst>
-                                          <p:attrName>style.visibility</p:attrName>
-                                        </p:attrNameLst>
-                                      </p:cBhvr>
-                                      <p:to>
-                                        <p:strVal val="visible"/>
-                                      </p:to>
-                                    </p:set>
-                                  </p:childTnLst>
-                                </p:cTn>
-                              </p:par>
-                              <p:par>
-                                <p:cTn id="11" presetID="1" presetClass="entr" presetSubtype="0" fill="hold" nodeType="withEffect">
-                                  <p:stCondLst>
-                                    <p:cond delay="0"/>
-                                  </p:stCondLst>
-                                  <p:childTnLst>
-                                    <p:set>
-                                      <p:cBhvr>
-                                        <p:cTn id="12" dur="1" fill="hold">
-                                          <p:stCondLst>
-                                            <p:cond delay="0"/>
-                                          </p:stCondLst>
-                                        </p:cTn>
-                                        <p:tgtEl>
-                                          <p:spTgt spid="3"/>
-                                        </p:tgtEl>
-                                        <p:attrNameLst>
-                                          <p:attrName>style.visibility</p:attrName>
-                                        </p:attrNameLst>
-                                      </p:cBhvr>
-                                      <p:to>
-                                        <p:strVal val="visible"/>
-                                      </p:to>
-                                    </p:set>
-                                  </p:childTnLst>
-                                </p:cTn>
-                              </p:par>
-                            </p:childTnLst>
-                          </p:cTn>
-                        </p:par>
-                      </p:childTnLst>
-                    </p:cTn>
-                  </p:par>
-                </p:childTnLst>
-              </p:cTn>
-              <p:prevCondLst>
-                <p:cond evt="onPrev" delay="0">
-                  <p:tgtEl>
-                    <p:sldTgt/>
-                  </p:tgtEl>
-                </p:cond>
-              </p:prevCondLst>
-              <p:nextCondLst>
-                <p:cond evt="onNext" delay="0">
-                  <p:tgtEl>
-                    <p:sldTgt/>
-                  </p:tgtEl>
-                </p:cond>
-              </p:nextCondLst>
-            </p:seq>
-          </p:childTnLst>
-        </p:cTn>
-      </p:par>
-    </p:tnLst>
-  </p:timing>
 </p:sld>
 </file>
 
@@ -31952,13 +30910,6 @@
   <p:transition spd="slow">
     <p:wipe/>
   </p:transition>
-  <p:timing>
-    <p:tnLst>
-      <p:par>
-        <p:cTn id="1" dur="indefinite" restart="never" nodeType="tmRoot"/>
-      </p:par>
-    </p:tnLst>
-  </p:timing>
 </p:sld>
 </file>
 
@@ -32245,15 +31196,7 @@
                   <a:schemeClr val="accent2"/>
                 </a:solidFill>
               </a:rPr>
-              <a:t> </a:t>
-            </a:r>
-            <a:r>
-              <a:rPr lang="en-US" b="0" dirty="0" smtClean="0">
-                <a:solidFill>
-                  <a:schemeClr val="accent2"/>
-                </a:solidFill>
-              </a:rPr>
-              <a:t>azurerm_public_ip.pip01.ip_address</a:t>
+              <a:t> azurerm_public_ip.pip01.ip_address</a:t>
             </a:r>
             <a:endParaRPr lang="de-DE" b="0" dirty="0">
               <a:solidFill>
@@ -32310,52 +31253,26 @@
                   <a:schemeClr val="accent2"/>
                 </a:solidFill>
               </a:rPr>
-              <a:t> = </a:t>
-            </a:r>
-            <a:r>
-              <a:rPr lang="de-DE" b="0" dirty="0" smtClean="0">
+              <a:t> = azurerm_resource_group.rg01.name</a:t>
+            </a:r>
+          </a:p>
+          <a:p>
+            <a:r>
+              <a:rPr lang="de-DE" b="0" dirty="0" err="1">
                 <a:solidFill>
                   <a:schemeClr val="accent2"/>
                 </a:solidFill>
               </a:rPr>
-              <a:t>azurerm_resource_group.rg01.name</a:t>
-            </a:r>
-            <a:endParaRPr lang="de-DE" b="0" dirty="0">
-              <a:solidFill>
-                <a:schemeClr val="accent2"/>
-              </a:solidFill>
-            </a:endParaRPr>
-          </a:p>
-          <a:p>
-            <a:r>
-              <a:rPr lang="de-DE" b="0" dirty="0" err="1">
+              <a:t>network_security_group_name</a:t>
+            </a:r>
+            <a:r>
+              <a:rPr lang="de-DE" b="0" dirty="0">
                 <a:solidFill>
                   <a:schemeClr val="accent2"/>
                 </a:solidFill>
               </a:rPr>
-              <a:t>network_security_group_name</a:t>
-            </a:r>
-            <a:r>
-              <a:rPr lang="de-DE" b="0" dirty="0">
-                <a:solidFill>
-                  <a:schemeClr val="accent2"/>
-                </a:solidFill>
-              </a:rPr>
-              <a:t> = </a:t>
-            </a:r>
-            <a:r>
-              <a:rPr lang="de-DE" b="0" dirty="0" smtClean="0">
-                <a:solidFill>
-                  <a:schemeClr val="accent2"/>
-                </a:solidFill>
-              </a:rPr>
-              <a:t>azurerm_network_security_group.nsg01.name</a:t>
-            </a:r>
-            <a:endParaRPr lang="de-DE" b="0" dirty="0">
-              <a:solidFill>
-                <a:schemeClr val="accent2"/>
-              </a:solidFill>
-            </a:endParaRPr>
+              <a:t> = azurerm_network_security_group.nsg01.name</a:t>
+            </a:r>
           </a:p>
           <a:p>
             <a:r>
@@ -32448,13 +31365,6 @@
   <p:clrMapOvr>
     <a:masterClrMapping/>
   </p:clrMapOvr>
-  <p:timing>
-    <p:tnLst>
-      <p:par>
-        <p:cTn id="1" dur="indefinite" restart="never" nodeType="tmRoot"/>
-      </p:par>
-    </p:tnLst>
-  </p:timing>
 </p:sld>
 </file>
 
@@ -32653,7 +31563,7 @@
                 <a14:useLocalDpi xmlns:a14="http://schemas.microsoft.com/office/drawing/2010/main" val="0"/>
               </a:ext>
               <a:ext uri="{837473B0-CC2E-450A-ABE3-18F120FF3D39}">
-                <a1611:picAttrSrcUrl xmlns:a1611="http://schemas.microsoft.com/office/drawing/2016/11/main" xmlns="" r:id="rId6"/>
+                <a1611:picAttrSrcUrl xmlns:a1611="http://schemas.microsoft.com/office/drawing/2016/11/main" r:id="rId6"/>
               </a:ext>
             </a:extLst>
           </a:blip>
@@ -32906,7 +31816,7 @@
               <a:t> </a:t>
             </a:r>
             <a:r>
-              <a:rPr lang="en-US" b="0" dirty="0" smtClean="0">
+              <a:rPr lang="en-US" b="0" dirty="0">
                 <a:solidFill>
                   <a:schemeClr val="accent2"/>
                 </a:solidFill>
@@ -32914,12 +31824,6 @@
               </a:rPr>
               <a:t>azurerm_resource_group.rg01.name</a:t>
             </a:r>
-            <a:endParaRPr lang="en-US" b="0" dirty="0">
-              <a:solidFill>
-                <a:schemeClr val="accent2"/>
-              </a:solidFill>
-              <a:latin typeface="+mj-lt"/>
-            </a:endParaRPr>
           </a:p>
           <a:p>
             <a:r>
@@ -32953,7 +31857,7 @@
               <a:t> </a:t>
             </a:r>
             <a:r>
-              <a:rPr lang="de-DE" b="0" dirty="0" smtClean="0">
+              <a:rPr lang="de-DE" b="0" dirty="0">
                 <a:solidFill>
                   <a:schemeClr val="accent2"/>
                 </a:solidFill>
@@ -32961,12 +31865,6 @@
               </a:rPr>
               <a:t>azurerm_resource_group.rg01.location</a:t>
             </a:r>
-            <a:endParaRPr lang="de-DE" b="0" dirty="0">
-              <a:solidFill>
-                <a:schemeClr val="accent2"/>
-              </a:solidFill>
-              <a:latin typeface="+mj-lt"/>
-            </a:endParaRPr>
           </a:p>
           <a:p>
             <a:r>
@@ -33003,7 +31901,7 @@
               <a:t>= </a:t>
             </a:r>
             <a:r>
-              <a:rPr lang="de-DE" b="0" dirty="0" smtClean="0">
+              <a:rPr lang="de-DE" b="0" dirty="0">
                 <a:solidFill>
                   <a:schemeClr val="accent2"/>
                 </a:solidFill>
@@ -33014,15 +31912,6 @@
               </a:rPr>
               <a:t>azurerm_network_security_group.nsg01.id</a:t>
             </a:r>
-            <a:endParaRPr lang="de-DE" b="0" dirty="0">
-              <a:solidFill>
-                <a:schemeClr val="accent2"/>
-              </a:solidFill>
-              <a:highlight>
-                <a:srgbClr val="FFFF00"/>
-              </a:highlight>
-              <a:latin typeface="+mj-lt"/>
-            </a:endParaRPr>
           </a:p>
           <a:p>
             <a:r>
@@ -33138,7 +32027,7 @@
               <a:t>= </a:t>
             </a:r>
             <a:r>
-              <a:rPr lang="de-DE" b="0" dirty="0" smtClean="0">
+              <a:rPr lang="de-DE" b="0" dirty="0">
                 <a:solidFill>
                   <a:schemeClr val="accent2"/>
                 </a:solidFill>
@@ -33146,12 +32035,6 @@
               </a:rPr>
               <a:t>azurerm_subnet.vnetsub01.id</a:t>
             </a:r>
-            <a:endParaRPr lang="de-DE" b="0" dirty="0">
-              <a:solidFill>
-                <a:schemeClr val="accent2"/>
-              </a:solidFill>
-              <a:latin typeface="+mj-lt"/>
-            </a:endParaRPr>
           </a:p>
           <a:p>
             <a:r>
@@ -33268,7 +32151,7 @@
               <a:t>= </a:t>
             </a:r>
             <a:r>
-              <a:rPr lang="de-DE" b="0" dirty="0" smtClean="0">
+              <a:rPr lang="de-DE" b="0" dirty="0">
                 <a:solidFill>
                   <a:schemeClr val="accent2"/>
                 </a:solidFill>
@@ -33279,15 +32162,6 @@
               </a:rPr>
               <a:t>azurerm_public_ip.pip01.id</a:t>
             </a:r>
-            <a:endParaRPr lang="de-DE" b="0" dirty="0">
-              <a:solidFill>
-                <a:schemeClr val="accent2"/>
-              </a:solidFill>
-              <a:highlight>
-                <a:srgbClr val="FFFF00"/>
-              </a:highlight>
-              <a:latin typeface="+mj-lt"/>
-            </a:endParaRPr>
           </a:p>
           <a:p>
             <a:r>
@@ -33379,13 +32253,6 @@
   <p:clrMapOvr>
     <a:masterClrMapping/>
   </p:clrMapOvr>
-  <p:timing>
-    <p:tnLst>
-      <p:par>
-        <p:cTn id="1" dur="indefinite" restart="never" nodeType="tmRoot"/>
-      </p:par>
-    </p:tnLst>
-  </p:timing>
 </p:sld>
 </file>
 
@@ -33874,7 +32741,7 @@
                 <a14:useLocalDpi xmlns:a14="http://schemas.microsoft.com/office/drawing/2010/main" val="0"/>
               </a:ext>
               <a:ext uri="{837473B0-CC2E-450A-ABE3-18F120FF3D39}">
-                <a1611:picAttrSrcUrl xmlns:a1611="http://schemas.microsoft.com/office/drawing/2016/11/main" xmlns="" r:id="rId3"/>
+                <a1611:picAttrSrcUrl xmlns:a1611="http://schemas.microsoft.com/office/drawing/2016/11/main" r:id="rId3"/>
               </a:ext>
             </a:extLst>
           </a:blip>
@@ -33965,7 +32832,7 @@
                 <a14:useLocalDpi xmlns:a14="http://schemas.microsoft.com/office/drawing/2010/main" val="0"/>
               </a:ext>
               <a:ext uri="{837473B0-CC2E-450A-ABE3-18F120FF3D39}">
-                <a1611:picAttrSrcUrl xmlns:a1611="http://schemas.microsoft.com/office/drawing/2016/11/main" xmlns="" r:id="rId3"/>
+                <a1611:picAttrSrcUrl xmlns:a1611="http://schemas.microsoft.com/office/drawing/2016/11/main" r:id="rId3"/>
               </a:ext>
             </a:extLst>
           </a:blip>
@@ -34004,7 +32871,7 @@
                 <a14:useLocalDpi xmlns:a14="http://schemas.microsoft.com/office/drawing/2010/main" val="0"/>
               </a:ext>
               <a:ext uri="{837473B0-CC2E-450A-ABE3-18F120FF3D39}">
-                <a1611:picAttrSrcUrl xmlns:a1611="http://schemas.microsoft.com/office/drawing/2016/11/main" xmlns="" r:id="rId6"/>
+                <a1611:picAttrSrcUrl xmlns:a1611="http://schemas.microsoft.com/office/drawing/2016/11/main" r:id="rId6"/>
               </a:ext>
             </a:extLst>
           </a:blip>
@@ -34411,7 +33278,7 @@
               <a:t> </a:t>
             </a:r>
             <a:r>
-              <a:rPr lang="en-US" b="0" dirty="0" smtClean="0">
+              <a:rPr lang="en-US" b="0" dirty="0">
                 <a:solidFill>
                   <a:schemeClr val="accent2"/>
                 </a:solidFill>
@@ -34419,12 +33286,6 @@
               </a:rPr>
               <a:t>azurerm_resource_group.rg01.name</a:t>
             </a:r>
-            <a:endParaRPr lang="en-US" b="0" dirty="0">
-              <a:solidFill>
-                <a:schemeClr val="accent2"/>
-              </a:solidFill>
-              <a:latin typeface="+mj-lt"/>
-            </a:endParaRPr>
           </a:p>
           <a:p>
             <a:r>
@@ -34458,7 +33319,7 @@
               <a:t> </a:t>
             </a:r>
             <a:r>
-              <a:rPr lang="de-DE" b="0" dirty="0" smtClean="0">
+              <a:rPr lang="de-DE" b="0" dirty="0">
                 <a:solidFill>
                   <a:schemeClr val="accent2"/>
                 </a:solidFill>
@@ -34466,12 +33327,6 @@
               </a:rPr>
               <a:t>azurerm_resource_group.rg01.location</a:t>
             </a:r>
-            <a:endParaRPr lang="de-DE" b="0" dirty="0">
-              <a:solidFill>
-                <a:schemeClr val="accent2"/>
-              </a:solidFill>
-              <a:latin typeface="+mj-lt"/>
-            </a:endParaRPr>
           </a:p>
           <a:p>
             <a:r>
@@ -34490,23 +33345,8 @@
                 </a:solidFill>
                 <a:latin typeface="+mj-lt"/>
               </a:rPr>
-              <a:t> = </a:t>
-            </a:r>
-            <a:r>
-              <a:rPr lang="de-DE" b="0" dirty="0" smtClean="0">
-                <a:solidFill>
-                  <a:schemeClr val="accent2"/>
-                </a:solidFill>
-                <a:latin typeface="+mj-lt"/>
-              </a:rPr>
-              <a:t>[azurerm_network_interface.nic01.id]</a:t>
-            </a:r>
-            <a:endParaRPr lang="de-DE" b="0" dirty="0">
-              <a:solidFill>
-                <a:schemeClr val="accent2"/>
-              </a:solidFill>
-              <a:latin typeface="+mj-lt"/>
-            </a:endParaRPr>
+              <a:t> = [azurerm_network_interface.nic01.id]</a:t>
+            </a:r>
           </a:p>
           <a:p>
             <a:r>
@@ -35127,13 +33967,6 @@
   <p:clrMapOvr>
     <a:masterClrMapping/>
   </p:clrMapOvr>
-  <p:timing>
-    <p:tnLst>
-      <p:par>
-        <p:cTn id="1" dur="indefinite" restart="never" nodeType="tmRoot"/>
-      </p:par>
-    </p:tnLst>
-  </p:timing>
 </p:sld>
 </file>
 
@@ -35481,13 +34314,6 @@
   <p:clrMapOvr>
     <a:masterClrMapping/>
   </p:clrMapOvr>
-  <p:timing>
-    <p:tnLst>
-      <p:par>
-        <p:cTn id="1" dur="indefinite" restart="never" nodeType="tmRoot"/>
-      </p:par>
-    </p:tnLst>
-  </p:timing>
 </p:sld>
 </file>
 
@@ -35753,13 +34579,6 @@
   <p:clrMapOvr>
     <a:masterClrMapping/>
   </p:clrMapOvr>
-  <p:timing>
-    <p:tnLst>
-      <p:par>
-        <p:cTn id="1" dur="indefinite" restart="never" nodeType="tmRoot"/>
-      </p:par>
-    </p:tnLst>
-  </p:timing>
 </p:sld>
 </file>
 
@@ -36067,25 +34886,8 @@
                   </a:schemeClr>
                 </a:solidFill>
               </a:rPr>
-              <a:t> = </a:t>
-            </a:r>
-            <a:r>
-              <a:rPr lang="de-DE" b="0" dirty="0" smtClean="0">
-                <a:solidFill>
-                  <a:schemeClr val="bg1">
-                    <a:lumMod val="10000"/>
-                  </a:schemeClr>
-                </a:solidFill>
-              </a:rPr>
-              <a:t>azurerm_storage_account.sa01.primary_blob_endpoint</a:t>
-            </a:r>
-            <a:endParaRPr lang="de-DE" b="0" dirty="0">
-              <a:solidFill>
-                <a:schemeClr val="bg1">
-                  <a:lumMod val="10000"/>
-                </a:schemeClr>
-              </a:solidFill>
-            </a:endParaRPr>
+              <a:t> = azurerm_storage_account.sa01.primary_blob_endpoint</a:t>
+            </a:r>
           </a:p>
           <a:p>
             <a:r>
@@ -36172,13 +34974,6 @@
   <p:clrMapOvr>
     <a:masterClrMapping/>
   </p:clrMapOvr>
-  <p:timing>
-    <p:tnLst>
-      <p:par>
-        <p:cTn id="1" dur="indefinite" restart="never" nodeType="tmRoot"/>
-      </p:par>
-    </p:tnLst>
-  </p:timing>
 </p:sld>
 </file>
 
@@ -37369,13 +36164,6 @@
   <p:transition spd="slow">
     <p:wipe/>
   </p:transition>
-  <p:timing>
-    <p:tnLst>
-      <p:par>
-        <p:cTn id="1" dur="indefinite" restart="never" nodeType="tmRoot"/>
-      </p:par>
-    </p:tnLst>
-  </p:timing>
 </p:sld>
 </file>
 
@@ -37603,17 +36391,208 @@
   <p:clrMapOvr>
     <a:masterClrMapping/>
   </p:clrMapOvr>
-  <p:timing>
-    <p:tnLst>
-      <p:par>
-        <p:cTn id="1" dur="indefinite" restart="never" nodeType="tmRoot"/>
-      </p:par>
-    </p:tnLst>
-  </p:timing>
 </p:sld>
 </file>
 
 <file path=ppt/slides/slide61.xml><?xml version="1.0" encoding="utf-8"?>
+<p:sld xmlns:a="http://schemas.openxmlformats.org/drawingml/2006/main" xmlns:r="http://schemas.openxmlformats.org/officeDocument/2006/relationships" xmlns:p="http://schemas.openxmlformats.org/presentationml/2006/main">
+  <p:cSld>
+    <p:spTree>
+      <p:nvGrpSpPr>
+        <p:cNvPr id="1" name=""/>
+        <p:cNvGrpSpPr/>
+        <p:nvPr/>
+      </p:nvGrpSpPr>
+      <p:grpSpPr>
+        <a:xfrm>
+          <a:off x="0" y="0"/>
+          <a:ext cx="0" cy="0"/>
+          <a:chOff x="0" y="0"/>
+          <a:chExt cx="0" cy="0"/>
+        </a:xfrm>
+      </p:grpSpPr>
+      <p:sp>
+        <p:nvSpPr>
+          <p:cNvPr id="2" name="Textplatzhalter 1">
+            <a:extLst>
+              <a:ext uri="{FF2B5EF4-FFF2-40B4-BE49-F238E27FC236}">
+                <a16:creationId xmlns:a16="http://schemas.microsoft.com/office/drawing/2014/main" id="{CD405866-C3E9-4EC3-A4C6-919622C164E2}"/>
+              </a:ext>
+            </a:extLst>
+          </p:cNvPr>
+          <p:cNvSpPr>
+            <a:spLocks noGrp="1"/>
+          </p:cNvSpPr>
+          <p:nvPr>
+            <p:ph type="body" sz="quarter" idx="11"/>
+          </p:nvPr>
+        </p:nvSpPr>
+        <p:spPr/>
+        <p:txBody>
+          <a:bodyPr/>
+          <a:lstStyle/>
+          <a:p>
+            <a:r>
+              <a:rPr lang="de-DE" b="0" dirty="0" err="1"/>
+              <a:t>data</a:t>
+            </a:r>
+            <a:r>
+              <a:rPr lang="de-DE" b="0" dirty="0"/>
+              <a:t> "</a:t>
+            </a:r>
+            <a:r>
+              <a:rPr lang="de-DE" b="0" dirty="0" err="1"/>
+              <a:t>azurerm_public_ip</a:t>
+            </a:r>
+            <a:r>
+              <a:rPr lang="de-DE" b="0" dirty="0"/>
+              <a:t>" "pip01" {</a:t>
+            </a:r>
+          </a:p>
+          <a:p>
+            <a:r>
+              <a:rPr lang="de-DE" b="0" dirty="0"/>
+              <a:t>  </a:t>
+            </a:r>
+            <a:r>
+              <a:rPr lang="de-DE" b="0" dirty="0" err="1"/>
+              <a:t>name</a:t>
+            </a:r>
+            <a:r>
+              <a:rPr lang="de-DE" b="0" dirty="0"/>
+              <a:t>                = azurerm_public_ip.pip01.name</a:t>
+            </a:r>
+          </a:p>
+          <a:p>
+            <a:r>
+              <a:rPr lang="de-DE" b="0" dirty="0"/>
+              <a:t>  </a:t>
+            </a:r>
+            <a:r>
+              <a:rPr lang="de-DE" b="0" dirty="0" err="1"/>
+              <a:t>resource_group_name</a:t>
+            </a:r>
+            <a:r>
+              <a:rPr lang="de-DE" b="0" dirty="0"/>
+              <a:t> = azurerm_resource_group.rg01.name</a:t>
+            </a:r>
+          </a:p>
+          <a:p>
+            <a:r>
+              <a:rPr lang="de-DE" b="0" dirty="0"/>
+              <a:t>}</a:t>
+            </a:r>
+          </a:p>
+          <a:p>
+            <a:br>
+              <a:rPr lang="de-DE" b="0" dirty="0"/>
+            </a:br>
+            <a:r>
+              <a:rPr lang="de-DE" b="0" dirty="0" err="1"/>
+              <a:t>output</a:t>
+            </a:r>
+            <a:r>
+              <a:rPr lang="de-DE" b="0" dirty="0"/>
+              <a:t> "</a:t>
+            </a:r>
+            <a:r>
+              <a:rPr lang="de-DE" b="0" dirty="0" err="1"/>
+              <a:t>public_ip_address</a:t>
+            </a:r>
+            <a:r>
+              <a:rPr lang="de-DE" b="0" dirty="0"/>
+              <a:t>" {</a:t>
+            </a:r>
+          </a:p>
+          <a:p>
+            <a:r>
+              <a:rPr lang="de-DE" b="0" dirty="0"/>
+              <a:t>  </a:t>
+            </a:r>
+            <a:r>
+              <a:rPr lang="de-DE" b="0" dirty="0" err="1"/>
+              <a:t>value</a:t>
+            </a:r>
+            <a:r>
+              <a:rPr lang="de-DE" b="0" dirty="0"/>
+              <a:t> = data.azurerm_public_ip.pip01.ip_address</a:t>
+            </a:r>
+          </a:p>
+          <a:p>
+            <a:r>
+              <a:rPr lang="de-DE" b="0" dirty="0"/>
+              <a:t>}</a:t>
+            </a:r>
+          </a:p>
+          <a:p>
+            <a:endParaRPr lang="de-DE" dirty="0"/>
+          </a:p>
+        </p:txBody>
+      </p:sp>
+      <p:sp>
+        <p:nvSpPr>
+          <p:cNvPr id="3" name="Textplatzhalter 2">
+            <a:extLst>
+              <a:ext uri="{FF2B5EF4-FFF2-40B4-BE49-F238E27FC236}">
+                <a16:creationId xmlns:a16="http://schemas.microsoft.com/office/drawing/2014/main" id="{234701F1-D708-416A-BB00-4F2083D0F758}"/>
+              </a:ext>
+            </a:extLst>
+          </p:cNvPr>
+          <p:cNvSpPr>
+            <a:spLocks noGrp="1"/>
+          </p:cNvSpPr>
+          <p:nvPr>
+            <p:ph type="body" sz="quarter" idx="13"/>
+          </p:nvPr>
+        </p:nvSpPr>
+        <p:spPr/>
+        <p:txBody>
+          <a:bodyPr/>
+          <a:lstStyle/>
+          <a:p>
+            <a:endParaRPr lang="de-DE"/>
+          </a:p>
+        </p:txBody>
+      </p:sp>
+      <p:sp>
+        <p:nvSpPr>
+          <p:cNvPr id="4" name="Titel 3">
+            <a:extLst>
+              <a:ext uri="{FF2B5EF4-FFF2-40B4-BE49-F238E27FC236}">
+                <a16:creationId xmlns:a16="http://schemas.microsoft.com/office/drawing/2014/main" id="{485FCA4B-7C9C-4BAF-A8D3-76AF9824B206}"/>
+              </a:ext>
+            </a:extLst>
+          </p:cNvPr>
+          <p:cNvSpPr>
+            <a:spLocks noGrp="1"/>
+          </p:cNvSpPr>
+          <p:nvPr>
+            <p:ph type="title"/>
+          </p:nvPr>
+        </p:nvSpPr>
+        <p:spPr/>
+        <p:txBody>
+          <a:bodyPr/>
+          <a:lstStyle/>
+          <a:p>
+            <a:endParaRPr lang="de-DE"/>
+          </a:p>
+        </p:txBody>
+      </p:sp>
+    </p:spTree>
+    <p:extLst>
+      <p:ext uri="{BB962C8B-B14F-4D97-AF65-F5344CB8AC3E}">
+        <p14:creationId xmlns:p14="http://schemas.microsoft.com/office/powerpoint/2010/main" val="3935381980"/>
+      </p:ext>
+    </p:extLst>
+  </p:cSld>
+  <p:clrMapOvr>
+    <a:masterClrMapping/>
+  </p:clrMapOvr>
+</p:sld>
+</file>
+
+<file path=ppt/slides/slide62.xml><?xml version="1.0" encoding="utf-8"?>
 <p:sld xmlns:a="http://schemas.openxmlformats.org/drawingml/2006/main" xmlns:r="http://schemas.openxmlformats.org/officeDocument/2006/relationships" xmlns:p="http://schemas.openxmlformats.org/presentationml/2006/main">
   <p:cSld>
     <p:spTree>
@@ -37759,13 +36738,6 @@
       </p:transition>
     </mc:Fallback>
   </mc:AlternateContent>
-  <p:timing>
-    <p:tnLst>
-      <p:par>
-        <p:cTn id="1" dur="indefinite" restart="never" nodeType="tmRoot"/>
-      </p:par>
-    </p:tnLst>
-  </p:timing>
 </p:sld>
 </file>
 
@@ -38972,13 +37944,6 @@
   <p:transition spd="slow">
     <p:wipe/>
   </p:transition>
-  <p:timing>
-    <p:tnLst>
-      <p:par>
-        <p:cTn id="1" dur="indefinite" restart="never" nodeType="tmRoot"/>
-      </p:par>
-    </p:tnLst>
-  </p:timing>
 </p:sld>
 </file>
 
@@ -40264,13 +39229,6 @@
   <p:transition spd="slow">
     <p:wipe/>
   </p:transition>
-  <p:timing>
-    <p:tnLst>
-      <p:par>
-        <p:cTn id="1" dur="indefinite" restart="never" nodeType="tmRoot"/>
-      </p:par>
-    </p:tnLst>
-  </p:timing>
 </p:sld>
 </file>
 
@@ -40343,13 +39301,8 @@
             </a:pPr>
             <a:r>
               <a:rPr lang="en-US" b="0" dirty="0"/>
-              <a:t>Download Terraform (latest version: </a:t>
-            </a:r>
-            <a:r>
-              <a:rPr lang="en-US" b="0" dirty="0" smtClean="0"/>
-              <a:t>0.12.18)</a:t>
-            </a:r>
-            <a:endParaRPr lang="en-US" b="0" dirty="0"/>
+              <a:t>Download Terraform (latest version: 0.12.18)</a:t>
+            </a:r>
           </a:p>
           <a:p>
             <a:pPr marL="483548" lvl="2" indent="-177800"/>
@@ -40361,12 +39314,8 @@
           <a:p>
             <a:pPr marL="483548" lvl="2" indent="-177800"/>
             <a:r>
-              <a:rPr lang="en-US" b="0" dirty="0" smtClean="0"/>
-              <a:t>Add </a:t>
-            </a:r>
-            <a:r>
               <a:rPr lang="en-US" b="0" dirty="0"/>
-              <a:t>binary to PATH environment variable</a:t>
+              <a:t>Add binary to PATH environment variable</a:t>
             </a:r>
           </a:p>
           <a:p>
@@ -40406,11 +39355,7 @@
             </a:pPr>
             <a:r>
               <a:rPr lang="en-US" b="0" dirty="0"/>
-              <a:t>Install Azure CLI (latest version: </a:t>
-            </a:r>
-            <a:r>
-              <a:rPr lang="en-US" b="0" dirty="0" smtClean="0"/>
-              <a:t>2.0.79)</a:t>
+              <a:t>Install Azure CLI (latest version: 2.0.79)</a:t>
             </a:r>
           </a:p>
           <a:p>
@@ -40486,13 +39431,8 @@
           <a:p>
             <a:r>
               <a:rPr lang="en-US" dirty="0"/>
-              <a:t>Prerequisites – Stand: </a:t>
-            </a:r>
-            <a:r>
-              <a:rPr lang="en-US" dirty="0" smtClean="0"/>
-              <a:t>07.01.2019</a:t>
-            </a:r>
-            <a:endParaRPr lang="en-US" dirty="0"/>
+              <a:t>Prerequisites – Stand: 07.01.2019</a:t>
+            </a:r>
           </a:p>
         </p:txBody>
       </p:sp>
@@ -41377,13 +40317,6 @@
   <p:transition spd="slow">
     <p:wipe/>
   </p:transition>
-  <p:timing>
-    <p:tnLst>
-      <p:par>
-        <p:cTn id="1" dur="indefinite" restart="never" nodeType="tmRoot"/>
-      </p:par>
-    </p:tnLst>
-  </p:timing>
 </p:sld>
 </file>
 
@@ -42167,6 +41100,21 @@
 </file>
 
 <file path=customXml/item1.xml><?xml version="1.0" encoding="utf-8"?>
+<p:properties xmlns:p="http://schemas.microsoft.com/office/2006/metadata/properties" xmlns:xsi="http://www.w3.org/2001/XMLSchema-instance" xmlns:pc="http://schemas.microsoft.com/office/infopath/2007/PartnerControls">
+  <documentManagement/>
+</p:properties>
+</file>
+
+<file path=customXml/item2.xml><?xml version="1.0" encoding="utf-8"?>
+<?mso-contentType ?>
+<FormTemplates xmlns="http://schemas.microsoft.com/sharepoint/v3/contenttype/forms">
+  <Display>DocumentLibraryForm</Display>
+  <Edit>DocumentLibraryForm</Edit>
+  <New>DocumentLibraryForm</New>
+</FormTemplates>
+</file>
+
+<file path=customXml/item3.xml><?xml version="1.0" encoding="utf-8"?>
 <ct:contentTypeSchema xmlns:ct="http://schemas.microsoft.com/office/2006/metadata/contentType" xmlns:ma="http://schemas.microsoft.com/office/2006/metadata/properties/metaAttributes" ct:_="" ma:_="" ma:contentTypeName="Dokument" ma:contentTypeID="0x010100632F6CE4FD9FEA44B98D77134C3AB259" ma:contentTypeVersion="4" ma:contentTypeDescription="Ein neues Dokument erstellen." ma:contentTypeScope="" ma:versionID="900138e209c285f29986e59c486e21ce">
   <xsd:schema xmlns:xsd="http://www.w3.org/2001/XMLSchema" xmlns:xs="http://www.w3.org/2001/XMLSchema" xmlns:p="http://schemas.microsoft.com/office/2006/metadata/properties" xmlns:ns2="8e877116-f3ef-4c1c-89be-7b66991ff430" targetNamespace="http://schemas.microsoft.com/office/2006/metadata/properties" ma:root="true" ma:fieldsID="4d243257cf3edfac98b0ed5b1da54ed9" ns2:_="">
     <xsd:import namespace="8e877116-f3ef-4c1c-89be-7b66991ff430"/>
@@ -42312,22 +41260,31 @@
 </ct:contentTypeSchema>
 </file>
 
-<file path=customXml/item2.xml><?xml version="1.0" encoding="utf-8"?>
-<p:properties xmlns:p="http://schemas.microsoft.com/office/2006/metadata/properties" xmlns:xsi="http://www.w3.org/2001/XMLSchema-instance" xmlns:pc="http://schemas.microsoft.com/office/infopath/2007/PartnerControls">
-  <documentManagement/>
-</p:properties>
+<file path=customXml/itemProps1.xml><?xml version="1.0" encoding="utf-8"?>
+<ds:datastoreItem xmlns:ds="http://schemas.openxmlformats.org/officeDocument/2006/customXml" ds:itemID="{01A108AB-3B75-477B-A6C2-F30888C97239}">
+  <ds:schemaRefs>
+    <ds:schemaRef ds:uri="http://schemas.openxmlformats.org/package/2006/metadata/core-properties"/>
+    <ds:schemaRef ds:uri="http://purl.org/dc/elements/1.1/"/>
+    <ds:schemaRef ds:uri="http://schemas.microsoft.com/office/2006/metadata/properties"/>
+    <ds:schemaRef ds:uri="http://schemas.microsoft.com/office/infopath/2007/PartnerControls"/>
+    <ds:schemaRef ds:uri="http://purl.org/dc/terms/"/>
+    <ds:schemaRef ds:uri="http://schemas.microsoft.com/office/2006/documentManagement/types"/>
+    <ds:schemaRef ds:uri="8e877116-f3ef-4c1c-89be-7b66991ff430"/>
+    <ds:schemaRef ds:uri="http://www.w3.org/XML/1998/namespace"/>
+    <ds:schemaRef ds:uri="http://purl.org/dc/dcmitype/"/>
+  </ds:schemaRefs>
+</ds:datastoreItem>
 </file>
 
-<file path=customXml/item3.xml><?xml version="1.0" encoding="utf-8"?>
-<?mso-contentType ?>
-<FormTemplates xmlns="http://schemas.microsoft.com/sharepoint/v3/contenttype/forms">
-  <Display>DocumentLibraryForm</Display>
-  <Edit>DocumentLibraryForm</Edit>
-  <New>DocumentLibraryForm</New>
-</FormTemplates>
+<file path=customXml/itemProps2.xml><?xml version="1.0" encoding="utf-8"?>
+<ds:datastoreItem xmlns:ds="http://schemas.openxmlformats.org/officeDocument/2006/customXml" ds:itemID="{08AB385B-CBF8-4302-BD64-6594D62CF378}">
+  <ds:schemaRefs>
+    <ds:schemaRef ds:uri="http://schemas.microsoft.com/sharepoint/v3/contenttype/forms"/>
+  </ds:schemaRefs>
+</ds:datastoreItem>
 </file>
 
-<file path=customXml/itemProps1.xml><?xml version="1.0" encoding="utf-8"?>
+<file path=customXml/itemProps3.xml><?xml version="1.0" encoding="utf-8"?>
 <ds:datastoreItem xmlns:ds="http://schemas.openxmlformats.org/officeDocument/2006/customXml" ds:itemID="{72973273-BDFF-473D-A3CA-030C1A9209EC}">
   <ds:schemaRefs>
     <ds:schemaRef ds:uri="http://schemas.microsoft.com/office/2006/metadata/contentType"/>
@@ -42343,28 +41300,4 @@
     <ds:schemaRef ds:uri="http://schemas.microsoft.com/internal/obd"/>
   </ds:schemaRefs>
 </ds:datastoreItem>
-</file>
-
-<file path=customXml/itemProps2.xml><?xml version="1.0" encoding="utf-8"?>
-<ds:datastoreItem xmlns:ds="http://schemas.openxmlformats.org/officeDocument/2006/customXml" ds:itemID="{01A108AB-3B75-477B-A6C2-F30888C97239}">
-  <ds:schemaRefs>
-    <ds:schemaRef ds:uri="http://schemas.openxmlformats.org/package/2006/metadata/core-properties"/>
-    <ds:schemaRef ds:uri="http://purl.org/dc/elements/1.1/"/>
-    <ds:schemaRef ds:uri="http://schemas.microsoft.com/office/2006/metadata/properties"/>
-    <ds:schemaRef ds:uri="http://schemas.microsoft.com/office/infopath/2007/PartnerControls"/>
-    <ds:schemaRef ds:uri="http://purl.org/dc/terms/"/>
-    <ds:schemaRef ds:uri="http://schemas.microsoft.com/office/2006/documentManagement/types"/>
-    <ds:schemaRef ds:uri="8e877116-f3ef-4c1c-89be-7b66991ff430"/>
-    <ds:schemaRef ds:uri="http://www.w3.org/XML/1998/namespace"/>
-    <ds:schemaRef ds:uri="http://purl.org/dc/dcmitype/"/>
-  </ds:schemaRefs>
-</ds:datastoreItem>
-</file>
-
-<file path=customXml/itemProps3.xml><?xml version="1.0" encoding="utf-8"?>
-<ds:datastoreItem xmlns:ds="http://schemas.openxmlformats.org/officeDocument/2006/customXml" ds:itemID="{08AB385B-CBF8-4302-BD64-6594D62CF378}">
-  <ds:schemaRefs>
-    <ds:schemaRef ds:uri="http://schemas.microsoft.com/sharepoint/v3/contenttype/forms"/>
-  </ds:schemaRefs>
-</ds:datastoreItem>
 </file>